--- a/NTUST-Dec26-2018/NTUST-Dec26-R-Workshop.pptx
+++ b/NTUST-Dec26-2018/NTUST-Dec26-R-Workshop.pptx
@@ -13,7 +13,16 @@
     <p:sldId id="263" r:id="rId7"/>
     <p:sldId id="264" r:id="rId8"/>
     <p:sldId id="269" r:id="rId9"/>
-    <p:sldId id="270" r:id="rId10"/>
+    <p:sldId id="275" r:id="rId10"/>
+    <p:sldId id="276" r:id="rId11"/>
+    <p:sldId id="277" r:id="rId12"/>
+    <p:sldId id="278" r:id="rId13"/>
+    <p:sldId id="314" r:id="rId14"/>
+    <p:sldId id="315" r:id="rId15"/>
+    <p:sldId id="316" r:id="rId16"/>
+    <p:sldId id="289" r:id="rId17"/>
+    <p:sldId id="313" r:id="rId18"/>
+    <p:sldId id="291" r:id="rId19"/>
   </p:sldIdLst>
   <p:sldSz cx="12192000" cy="6858000"/>
   <p:notesSz cx="6858000" cy="9144000"/>
@@ -3383,6 +3392,6580 @@
     <p:extLst>
       <p:ext uri="{BB962C8B-B14F-4D97-AF65-F5344CB8AC3E}">
         <p14:creationId xmlns:p14="http://schemas.microsoft.com/office/powerpoint/2010/main" val="1626790776"/>
+      </p:ext>
+    </p:extLst>
+  </p:cSld>
+  <p:clrMapOvr>
+    <a:masterClrMapping/>
+  </p:clrMapOvr>
+</p:sld>
+</file>
+
+<file path=ppt/slides/slide10.xml><?xml version="1.0" encoding="utf-8"?>
+<p:sld xmlns:a="http://schemas.openxmlformats.org/drawingml/2006/main" xmlns:r="http://schemas.openxmlformats.org/officeDocument/2006/relationships" xmlns:p="http://schemas.openxmlformats.org/presentationml/2006/main">
+  <p:cSld>
+    <p:spTree>
+      <p:nvGrpSpPr>
+        <p:cNvPr id="1" name=""/>
+        <p:cNvGrpSpPr/>
+        <p:nvPr/>
+      </p:nvGrpSpPr>
+      <p:grpSpPr>
+        <a:xfrm>
+          <a:off x="0" y="0"/>
+          <a:ext cx="0" cy="0"/>
+          <a:chOff x="0" y="0"/>
+          <a:chExt cx="0" cy="0"/>
+        </a:xfrm>
+      </p:grpSpPr>
+      <p:sp>
+        <p:nvSpPr>
+          <p:cNvPr id="2" name="object 2"/>
+          <p:cNvSpPr txBox="1">
+            <a:spLocks noGrp="1"/>
+          </p:cNvSpPr>
+          <p:nvPr>
+            <p:ph type="title"/>
+          </p:nvPr>
+        </p:nvSpPr>
+        <p:spPr>
+          <a:xfrm>
+            <a:off x="512966" y="101773"/>
+            <a:ext cx="11166068" cy="1190068"/>
+          </a:xfrm>
+          <a:prstGeom prst="rect">
+            <a:avLst/>
+          </a:prstGeom>
+        </p:spPr>
+        <p:txBody>
+          <a:bodyPr vert="horz" wrap="square" lIns="0" tIns="507999" rIns="0" bIns="0" rtlCol="0" anchor="ctr">
+            <a:spAutoFit/>
+          </a:bodyPr>
+          <a:lstStyle/>
+          <a:p>
+            <a:pPr marL="16933">
+              <a:lnSpc>
+                <a:spcPct val="100000"/>
+              </a:lnSpc>
+            </a:pPr>
+            <a:r>
+              <a:rPr spc="-7" dirty="0"/>
+              <a:t>Coding- the importance of being</a:t>
+            </a:r>
+            <a:r>
+              <a:rPr spc="47" dirty="0"/>
+              <a:t> </a:t>
+            </a:r>
+            <a:r>
+              <a:rPr spc="-7" dirty="0"/>
+              <a:t>exact</a:t>
+            </a:r>
+          </a:p>
+        </p:txBody>
+      </p:sp>
+      <p:sp>
+        <p:nvSpPr>
+          <p:cNvPr id="3" name="object 3"/>
+          <p:cNvSpPr txBox="1"/>
+          <p:nvPr/>
+        </p:nvSpPr>
+        <p:spPr>
+          <a:xfrm>
+            <a:off x="783931" y="1670030"/>
+            <a:ext cx="5317067" cy="952398"/>
+          </a:xfrm>
+          <a:prstGeom prst="rect">
+            <a:avLst/>
+          </a:prstGeom>
+          <a:solidFill>
+            <a:srgbClr val="D8D8D8"/>
+          </a:solidFill>
+        </p:spPr>
+        <p:txBody>
+          <a:bodyPr vert="horz" wrap="square" lIns="0" tIns="104987" rIns="0" bIns="0" rtlCol="0">
+            <a:spAutoFit/>
+          </a:bodyPr>
+          <a:lstStyle/>
+          <a:p>
+            <a:pPr marL="113450">
+              <a:lnSpc>
+                <a:spcPts val="2219"/>
+              </a:lnSpc>
+              <a:spcBef>
+                <a:spcPts val="827"/>
+              </a:spcBef>
+            </a:pPr>
+            <a:r>
+              <a:rPr sz="1867" dirty="0">
+                <a:latin typeface="Consolas"/>
+                <a:cs typeface="Consolas"/>
+              </a:rPr>
+              <a:t>&gt; f</a:t>
+            </a:r>
+            <a:r>
+              <a:rPr sz="1867" spc="-147" dirty="0">
+                <a:latin typeface="Consolas"/>
+                <a:cs typeface="Consolas"/>
+              </a:rPr>
+              <a:t> </a:t>
+            </a:r>
+            <a:r>
+              <a:rPr sz="1867" dirty="0">
+                <a:latin typeface="Consolas"/>
+                <a:cs typeface="Consolas"/>
+              </a:rPr>
+              <a:t>&lt;-2</a:t>
+            </a:r>
+          </a:p>
+          <a:p>
+            <a:pPr marL="113450">
+              <a:lnSpc>
+                <a:spcPts val="2200"/>
+              </a:lnSpc>
+            </a:pPr>
+            <a:r>
+              <a:rPr sz="1867" dirty="0">
+                <a:latin typeface="Consolas"/>
+                <a:cs typeface="Consolas"/>
+              </a:rPr>
+              <a:t>&gt; F +</a:t>
+            </a:r>
+            <a:r>
+              <a:rPr sz="1867" spc="-152" dirty="0">
+                <a:latin typeface="Consolas"/>
+                <a:cs typeface="Consolas"/>
+              </a:rPr>
+              <a:t> </a:t>
+            </a:r>
+            <a:r>
+              <a:rPr sz="1867" dirty="0">
+                <a:latin typeface="Consolas"/>
+                <a:cs typeface="Consolas"/>
+              </a:rPr>
+              <a:t>1</a:t>
+            </a:r>
+          </a:p>
+          <a:p>
+            <a:pPr marL="113450">
+              <a:lnSpc>
+                <a:spcPts val="2219"/>
+              </a:lnSpc>
+            </a:pPr>
+            <a:r>
+              <a:rPr sz="1867" dirty="0">
+                <a:latin typeface="Consolas"/>
+                <a:cs typeface="Consolas"/>
+              </a:rPr>
+              <a:t>Error: object 'F' not</a:t>
+            </a:r>
+            <a:r>
+              <a:rPr sz="1867" spc="-160" dirty="0">
+                <a:latin typeface="Consolas"/>
+                <a:cs typeface="Consolas"/>
+              </a:rPr>
+              <a:t> </a:t>
+            </a:r>
+            <a:r>
+              <a:rPr sz="1867" dirty="0">
+                <a:latin typeface="Consolas"/>
+                <a:cs typeface="Consolas"/>
+              </a:rPr>
+              <a:t>found</a:t>
+            </a:r>
+          </a:p>
+        </p:txBody>
+      </p:sp>
+      <p:sp>
+        <p:nvSpPr>
+          <p:cNvPr id="4" name="object 4"/>
+          <p:cNvSpPr txBox="1"/>
+          <p:nvPr/>
+        </p:nvSpPr>
+        <p:spPr>
+          <a:xfrm>
+            <a:off x="6466149" y="1972995"/>
+            <a:ext cx="1508760" cy="287323"/>
+          </a:xfrm>
+          <a:prstGeom prst="rect">
+            <a:avLst/>
+          </a:prstGeom>
+        </p:spPr>
+        <p:txBody>
+          <a:bodyPr vert="horz" wrap="square" lIns="0" tIns="0" rIns="0" bIns="0" rtlCol="0">
+            <a:spAutoFit/>
+          </a:bodyPr>
+          <a:lstStyle/>
+          <a:p>
+            <a:pPr marL="16933"/>
+            <a:r>
+              <a:rPr sz="1867" spc="-7" dirty="0">
+                <a:latin typeface="Arial"/>
+                <a:cs typeface="Arial"/>
+              </a:rPr>
+              <a:t>Case</a:t>
+            </a:r>
+            <a:r>
+              <a:rPr sz="1867" spc="-67" dirty="0">
+                <a:latin typeface="Arial"/>
+                <a:cs typeface="Arial"/>
+              </a:rPr>
+              <a:t> </a:t>
+            </a:r>
+            <a:r>
+              <a:rPr sz="1867" spc="-7" dirty="0">
+                <a:latin typeface="Arial"/>
+                <a:cs typeface="Arial"/>
+              </a:rPr>
+              <a:t>matters!</a:t>
+            </a:r>
+            <a:endParaRPr sz="1867">
+              <a:latin typeface="Arial"/>
+              <a:cs typeface="Arial"/>
+            </a:endParaRPr>
+          </a:p>
+        </p:txBody>
+      </p:sp>
+      <p:sp>
+        <p:nvSpPr>
+          <p:cNvPr id="5" name="object 5"/>
+          <p:cNvSpPr txBox="1"/>
+          <p:nvPr/>
+        </p:nvSpPr>
+        <p:spPr>
+          <a:xfrm>
+            <a:off x="881298" y="3158715"/>
+            <a:ext cx="2298700" cy="287323"/>
+          </a:xfrm>
+          <a:prstGeom prst="rect">
+            <a:avLst/>
+          </a:prstGeom>
+        </p:spPr>
+        <p:txBody>
+          <a:bodyPr vert="horz" wrap="square" lIns="0" tIns="0" rIns="0" bIns="0" rtlCol="0">
+            <a:spAutoFit/>
+          </a:bodyPr>
+          <a:lstStyle/>
+          <a:p>
+            <a:pPr marL="16933"/>
+            <a:r>
+              <a:rPr sz="1867" spc="-7" dirty="0">
+                <a:latin typeface="Arial"/>
+                <a:cs typeface="Arial"/>
+              </a:rPr>
+              <a:t>Try not to use</a:t>
+            </a:r>
+            <a:r>
+              <a:rPr sz="1867" spc="-40" dirty="0">
+                <a:latin typeface="Arial"/>
+                <a:cs typeface="Arial"/>
+              </a:rPr>
+              <a:t> </a:t>
+            </a:r>
+            <a:r>
+              <a:rPr sz="1867" spc="-7" dirty="0">
+                <a:latin typeface="Arial"/>
+                <a:cs typeface="Arial"/>
+              </a:rPr>
+              <a:t>spaces</a:t>
+            </a:r>
+            <a:endParaRPr sz="1867">
+              <a:latin typeface="Arial"/>
+              <a:cs typeface="Arial"/>
+            </a:endParaRPr>
+          </a:p>
+        </p:txBody>
+      </p:sp>
+      <p:sp>
+        <p:nvSpPr>
+          <p:cNvPr id="6" name="object 6"/>
+          <p:cNvSpPr txBox="1"/>
+          <p:nvPr/>
+        </p:nvSpPr>
+        <p:spPr>
+          <a:xfrm>
+            <a:off x="1107195" y="3451662"/>
+            <a:ext cx="4735405" cy="1128514"/>
+          </a:xfrm>
+          <a:prstGeom prst="rect">
+            <a:avLst/>
+          </a:prstGeom>
+        </p:spPr>
+        <p:txBody>
+          <a:bodyPr vert="horz" wrap="square" lIns="0" tIns="0" rIns="0" bIns="0" rtlCol="0">
+            <a:spAutoFit/>
+          </a:bodyPr>
+          <a:lstStyle/>
+          <a:p>
+            <a:pPr marL="400463" marR="215048" indent="-383530">
+              <a:lnSpc>
+                <a:spcPts val="2200"/>
+              </a:lnSpc>
+              <a:buChar char="-"/>
+              <a:tabLst>
+                <a:tab pos="400463" algn="l"/>
+                <a:tab pos="401310" algn="l"/>
+              </a:tabLst>
+            </a:pPr>
+            <a:r>
+              <a:rPr sz="1867" spc="-7" dirty="0">
+                <a:latin typeface="Arial"/>
+                <a:cs typeface="Arial"/>
+              </a:rPr>
+              <a:t>Sometimes you simply cannot: variable  names cannot contain</a:t>
+            </a:r>
+            <a:r>
+              <a:rPr sz="1867" spc="7" dirty="0">
+                <a:latin typeface="Arial"/>
+                <a:cs typeface="Arial"/>
+              </a:rPr>
+              <a:t> </a:t>
+            </a:r>
+            <a:r>
+              <a:rPr sz="1867" spc="-7" dirty="0">
+                <a:latin typeface="Arial"/>
+                <a:cs typeface="Arial"/>
+              </a:rPr>
+              <a:t>spaces</a:t>
+            </a:r>
+            <a:endParaRPr sz="1867">
+              <a:latin typeface="Arial"/>
+              <a:cs typeface="Arial"/>
+            </a:endParaRPr>
+          </a:p>
+          <a:p>
+            <a:pPr marL="400463" marR="6773" indent="-383530">
+              <a:lnSpc>
+                <a:spcPts val="2200"/>
+              </a:lnSpc>
+              <a:buChar char="-"/>
+              <a:tabLst>
+                <a:tab pos="400463" algn="l"/>
+                <a:tab pos="401310" algn="l"/>
+              </a:tabLst>
+            </a:pPr>
+            <a:r>
+              <a:rPr sz="1867" spc="-7" dirty="0">
+                <a:latin typeface="Arial"/>
+                <a:cs typeface="Arial"/>
+              </a:rPr>
+              <a:t>Even if it is valid </a:t>
+            </a:r>
+            <a:r>
+              <a:rPr sz="1867" dirty="0">
+                <a:latin typeface="Arial"/>
+                <a:cs typeface="Arial"/>
+              </a:rPr>
+              <a:t>(such </a:t>
+            </a:r>
+            <a:r>
+              <a:rPr sz="1867" spc="-7" dirty="0">
+                <a:latin typeface="Arial"/>
+                <a:cs typeface="Arial"/>
+              </a:rPr>
+              <a:t>as in file names) it  just </a:t>
+            </a:r>
+            <a:r>
+              <a:rPr sz="1867" dirty="0">
+                <a:latin typeface="Arial"/>
+                <a:cs typeface="Arial"/>
+              </a:rPr>
+              <a:t>makes </a:t>
+            </a:r>
+            <a:r>
+              <a:rPr sz="1867" spc="-7" dirty="0">
+                <a:latin typeface="Arial"/>
+                <a:cs typeface="Arial"/>
+              </a:rPr>
+              <a:t>things more difficult</a:t>
+            </a:r>
+            <a:endParaRPr sz="1867">
+              <a:latin typeface="Arial"/>
+              <a:cs typeface="Arial"/>
+            </a:endParaRPr>
+          </a:p>
+        </p:txBody>
+      </p:sp>
+      <p:sp>
+        <p:nvSpPr>
+          <p:cNvPr id="14" name="object 3"/>
+          <p:cNvSpPr txBox="1"/>
+          <p:nvPr/>
+        </p:nvSpPr>
+        <p:spPr>
+          <a:xfrm>
+            <a:off x="812800" y="4897968"/>
+            <a:ext cx="5317067" cy="952398"/>
+          </a:xfrm>
+          <a:prstGeom prst="rect">
+            <a:avLst/>
+          </a:prstGeom>
+          <a:solidFill>
+            <a:srgbClr val="D8D8D8"/>
+          </a:solidFill>
+        </p:spPr>
+        <p:txBody>
+          <a:bodyPr vert="horz" wrap="square" lIns="0" tIns="104987" rIns="0" bIns="0" rtlCol="0">
+            <a:spAutoFit/>
+          </a:bodyPr>
+          <a:lstStyle/>
+          <a:p>
+            <a:pPr marL="113450">
+              <a:lnSpc>
+                <a:spcPts val="2219"/>
+              </a:lnSpc>
+              <a:spcBef>
+                <a:spcPts val="827"/>
+              </a:spcBef>
+            </a:pPr>
+            <a:r>
+              <a:rPr sz="1867" dirty="0">
+                <a:latin typeface="Consolas"/>
+                <a:cs typeface="Consolas"/>
+              </a:rPr>
+              <a:t>&gt; </a:t>
+            </a:r>
+            <a:r>
+              <a:rPr lang="en-US" sz="1867" dirty="0">
+                <a:latin typeface="Consolas"/>
+                <a:cs typeface="Consolas"/>
+              </a:rPr>
+              <a:t>FA</a:t>
+            </a:r>
+            <a:r>
+              <a:rPr sz="1867" spc="-147" dirty="0">
+                <a:latin typeface="Consolas"/>
+                <a:cs typeface="Consolas"/>
+              </a:rPr>
+              <a:t> </a:t>
+            </a:r>
+            <a:r>
+              <a:rPr sz="1867" dirty="0">
+                <a:latin typeface="Consolas"/>
+                <a:cs typeface="Consolas"/>
+              </a:rPr>
+              <a:t>&lt;-2</a:t>
+            </a:r>
+          </a:p>
+          <a:p>
+            <a:pPr marL="113450">
+              <a:lnSpc>
+                <a:spcPts val="2200"/>
+              </a:lnSpc>
+            </a:pPr>
+            <a:r>
+              <a:rPr sz="1867" dirty="0">
+                <a:latin typeface="Consolas"/>
+                <a:cs typeface="Consolas"/>
+              </a:rPr>
+              <a:t>&gt; F</a:t>
+            </a:r>
+            <a:r>
+              <a:rPr lang="en-US" sz="1867" dirty="0">
+                <a:latin typeface="Consolas"/>
+                <a:cs typeface="Consolas"/>
+              </a:rPr>
+              <a:t> A</a:t>
+            </a:r>
+            <a:r>
+              <a:rPr sz="1867" dirty="0">
+                <a:latin typeface="Consolas"/>
+                <a:cs typeface="Consolas"/>
+              </a:rPr>
+              <a:t> +</a:t>
+            </a:r>
+            <a:r>
+              <a:rPr sz="1867" spc="-152" dirty="0">
+                <a:latin typeface="Consolas"/>
+                <a:cs typeface="Consolas"/>
+              </a:rPr>
+              <a:t> </a:t>
+            </a:r>
+            <a:r>
+              <a:rPr sz="1867" dirty="0">
+                <a:latin typeface="Consolas"/>
+                <a:cs typeface="Consolas"/>
+              </a:rPr>
+              <a:t>1</a:t>
+            </a:r>
+          </a:p>
+          <a:p>
+            <a:pPr marL="113450">
+              <a:lnSpc>
+                <a:spcPts val="2219"/>
+              </a:lnSpc>
+            </a:pPr>
+            <a:r>
+              <a:rPr lang="en-US" sz="1867" dirty="0">
+                <a:latin typeface="Consolas"/>
+                <a:cs typeface="Consolas"/>
+              </a:rPr>
+              <a:t>Error: unexpected symbol in "F A"</a:t>
+            </a:r>
+          </a:p>
+        </p:txBody>
+      </p:sp>
+    </p:spTree>
+    <p:extLst>
+      <p:ext uri="{BB962C8B-B14F-4D97-AF65-F5344CB8AC3E}">
+        <p14:creationId xmlns:p14="http://schemas.microsoft.com/office/powerpoint/2010/main" val="3046547566"/>
+      </p:ext>
+    </p:extLst>
+  </p:cSld>
+  <p:clrMapOvr>
+    <a:masterClrMapping/>
+  </p:clrMapOvr>
+</p:sld>
+</file>
+
+<file path=ppt/slides/slide11.xml><?xml version="1.0" encoding="utf-8"?>
+<p:sld xmlns:a="http://schemas.openxmlformats.org/drawingml/2006/main" xmlns:r="http://schemas.openxmlformats.org/officeDocument/2006/relationships" xmlns:p="http://schemas.openxmlformats.org/presentationml/2006/main">
+  <p:cSld>
+    <p:spTree>
+      <p:nvGrpSpPr>
+        <p:cNvPr id="1" name=""/>
+        <p:cNvGrpSpPr/>
+        <p:nvPr/>
+      </p:nvGrpSpPr>
+      <p:grpSpPr>
+        <a:xfrm>
+          <a:off x="0" y="0"/>
+          <a:ext cx="0" cy="0"/>
+          <a:chOff x="0" y="0"/>
+          <a:chExt cx="0" cy="0"/>
+        </a:xfrm>
+      </p:grpSpPr>
+      <p:sp>
+        <p:nvSpPr>
+          <p:cNvPr id="5" name="Title 4">
+            <a:extLst>
+              <a:ext uri="{FF2B5EF4-FFF2-40B4-BE49-F238E27FC236}">
+                <a16:creationId xmlns:a16="http://schemas.microsoft.com/office/drawing/2014/main" id="{CC9D527E-559C-C14D-BCF8-40CADC3D43E5}"/>
+              </a:ext>
+            </a:extLst>
+          </p:cNvPr>
+          <p:cNvSpPr>
+            <a:spLocks noGrp="1"/>
+          </p:cNvSpPr>
+          <p:nvPr>
+            <p:ph type="title"/>
+          </p:nvPr>
+        </p:nvSpPr>
+        <p:spPr/>
+        <p:txBody>
+          <a:bodyPr/>
+          <a:lstStyle/>
+          <a:p>
+            <a:r>
+              <a:rPr lang="en-US" dirty="0"/>
+              <a:t>Download Demo Code from </a:t>
+            </a:r>
+            <a:r>
+              <a:rPr lang="en-US" dirty="0" err="1"/>
+              <a:t>Github</a:t>
+            </a:r>
+            <a:endParaRPr lang="en-US" dirty="0"/>
+          </a:p>
+        </p:txBody>
+      </p:sp>
+      <p:sp>
+        <p:nvSpPr>
+          <p:cNvPr id="6" name="Content Placeholder 5">
+            <a:extLst>
+              <a:ext uri="{FF2B5EF4-FFF2-40B4-BE49-F238E27FC236}">
+                <a16:creationId xmlns:a16="http://schemas.microsoft.com/office/drawing/2014/main" id="{5F7F2061-DA11-7B4B-B71D-B74B67C7933E}"/>
+              </a:ext>
+            </a:extLst>
+          </p:cNvPr>
+          <p:cNvSpPr>
+            <a:spLocks noGrp="1"/>
+          </p:cNvSpPr>
+          <p:nvPr>
+            <p:ph idx="1"/>
+          </p:nvPr>
+        </p:nvSpPr>
+        <p:spPr/>
+        <p:txBody>
+          <a:bodyPr/>
+          <a:lstStyle/>
+          <a:p>
+            <a:pPr marL="0" indent="0">
+              <a:buNone/>
+            </a:pPr>
+            <a:r>
+              <a:rPr lang="en-US" dirty="0">
+                <a:hlinkClick r:id="rId2"/>
+              </a:rPr>
+              <a:t>https://</a:t>
+            </a:r>
+            <a:r>
+              <a:rPr lang="en-US" dirty="0" err="1">
+                <a:hlinkClick r:id="rId2"/>
+              </a:rPr>
+              <a:t>github.com</a:t>
+            </a:r>
+            <a:r>
+              <a:rPr lang="en-US" dirty="0">
+                <a:hlinkClick r:id="rId2"/>
+              </a:rPr>
+              <a:t>/</a:t>
+            </a:r>
+            <a:r>
+              <a:rPr lang="en-US" dirty="0" err="1">
+                <a:hlinkClick r:id="rId2"/>
+              </a:rPr>
+              <a:t>yaoyu</a:t>
+            </a:r>
+            <a:r>
+              <a:rPr lang="en-US" dirty="0">
+                <a:hlinkClick r:id="rId2"/>
+              </a:rPr>
+              <a:t>-e-wang/R-course/tree/master/NTUST-Dec26-2018</a:t>
+            </a:r>
+            <a:endParaRPr lang="en-US" dirty="0"/>
+          </a:p>
+        </p:txBody>
+      </p:sp>
+    </p:spTree>
+    <p:extLst>
+      <p:ext uri="{BB962C8B-B14F-4D97-AF65-F5344CB8AC3E}">
+        <p14:creationId xmlns:p14="http://schemas.microsoft.com/office/powerpoint/2010/main" val="1437033192"/>
+      </p:ext>
+    </p:extLst>
+  </p:cSld>
+  <p:clrMapOvr>
+    <a:masterClrMapping/>
+  </p:clrMapOvr>
+</p:sld>
+</file>
+
+<file path=ppt/slides/slide12.xml><?xml version="1.0" encoding="utf-8"?>
+<p:sld xmlns:a="http://schemas.openxmlformats.org/drawingml/2006/main" xmlns:r="http://schemas.openxmlformats.org/officeDocument/2006/relationships" xmlns:p="http://schemas.openxmlformats.org/presentationml/2006/main">
+  <p:cSld>
+    <p:spTree>
+      <p:nvGrpSpPr>
+        <p:cNvPr id="1" name=""/>
+        <p:cNvGrpSpPr/>
+        <p:nvPr/>
+      </p:nvGrpSpPr>
+      <p:grpSpPr>
+        <a:xfrm>
+          <a:off x="0" y="0"/>
+          <a:ext cx="0" cy="0"/>
+          <a:chOff x="0" y="0"/>
+          <a:chExt cx="0" cy="0"/>
+        </a:xfrm>
+      </p:grpSpPr>
+      <p:sp>
+        <p:nvSpPr>
+          <p:cNvPr id="2" name="Title 1">
+            <a:extLst>
+              <a:ext uri="{FF2B5EF4-FFF2-40B4-BE49-F238E27FC236}">
+                <a16:creationId xmlns:a16="http://schemas.microsoft.com/office/drawing/2014/main" id="{1C589C7F-08DD-2C46-B020-02B664AEFF31}"/>
+              </a:ext>
+            </a:extLst>
+          </p:cNvPr>
+          <p:cNvSpPr>
+            <a:spLocks noGrp="1"/>
+          </p:cNvSpPr>
+          <p:nvPr>
+            <p:ph type="title"/>
+          </p:nvPr>
+        </p:nvSpPr>
+        <p:spPr/>
+        <p:txBody>
+          <a:bodyPr/>
+          <a:lstStyle/>
+          <a:p>
+            <a:endParaRPr lang="en-US"/>
+          </a:p>
+        </p:txBody>
+      </p:sp>
+      <p:sp>
+        <p:nvSpPr>
+          <p:cNvPr id="3" name="Content Placeholder 2">
+            <a:extLst>
+              <a:ext uri="{FF2B5EF4-FFF2-40B4-BE49-F238E27FC236}">
+                <a16:creationId xmlns:a16="http://schemas.microsoft.com/office/drawing/2014/main" id="{CDFC24A6-56FE-5A44-AEF9-D4751422EA2A}"/>
+              </a:ext>
+            </a:extLst>
+          </p:cNvPr>
+          <p:cNvSpPr>
+            <a:spLocks noGrp="1"/>
+          </p:cNvSpPr>
+          <p:nvPr>
+            <p:ph idx="1"/>
+          </p:nvPr>
+        </p:nvSpPr>
+        <p:spPr/>
+        <p:txBody>
+          <a:bodyPr/>
+          <a:lstStyle/>
+          <a:p>
+            <a:endParaRPr lang="en-US"/>
+          </a:p>
+        </p:txBody>
+      </p:sp>
+    </p:spTree>
+    <p:extLst>
+      <p:ext uri="{BB962C8B-B14F-4D97-AF65-F5344CB8AC3E}">
+        <p14:creationId xmlns:p14="http://schemas.microsoft.com/office/powerpoint/2010/main" val="1879422973"/>
+      </p:ext>
+    </p:extLst>
+  </p:cSld>
+  <p:clrMapOvr>
+    <a:masterClrMapping/>
+  </p:clrMapOvr>
+</p:sld>
+</file>
+
+<file path=ppt/slides/slide13.xml><?xml version="1.0" encoding="utf-8"?>
+<p:sld xmlns:a="http://schemas.openxmlformats.org/drawingml/2006/main" xmlns:r="http://schemas.openxmlformats.org/officeDocument/2006/relationships" xmlns:p="http://schemas.openxmlformats.org/presentationml/2006/main">
+  <p:cSld>
+    <p:spTree>
+      <p:nvGrpSpPr>
+        <p:cNvPr id="1" name=""/>
+        <p:cNvGrpSpPr/>
+        <p:nvPr/>
+      </p:nvGrpSpPr>
+      <p:grpSpPr>
+        <a:xfrm>
+          <a:off x="0" y="0"/>
+          <a:ext cx="0" cy="0"/>
+          <a:chOff x="0" y="0"/>
+          <a:chExt cx="0" cy="0"/>
+        </a:xfrm>
+      </p:grpSpPr>
+      <p:sp>
+        <p:nvSpPr>
+          <p:cNvPr id="2" name="Title 1">
+            <a:extLst>
+              <a:ext uri="{FF2B5EF4-FFF2-40B4-BE49-F238E27FC236}">
+                <a16:creationId xmlns:a16="http://schemas.microsoft.com/office/drawing/2014/main" id="{8A6B5EDE-DD64-CC48-90AC-A762255D56FC}"/>
+              </a:ext>
+            </a:extLst>
+          </p:cNvPr>
+          <p:cNvSpPr>
+            <a:spLocks noGrp="1"/>
+          </p:cNvSpPr>
+          <p:nvPr>
+            <p:ph type="title"/>
+          </p:nvPr>
+        </p:nvSpPr>
+        <p:spPr/>
+        <p:txBody>
+          <a:bodyPr/>
+          <a:lstStyle/>
+          <a:p>
+            <a:endParaRPr lang="en-US"/>
+          </a:p>
+        </p:txBody>
+      </p:sp>
+      <p:sp>
+        <p:nvSpPr>
+          <p:cNvPr id="3" name="Content Placeholder 2">
+            <a:extLst>
+              <a:ext uri="{FF2B5EF4-FFF2-40B4-BE49-F238E27FC236}">
+                <a16:creationId xmlns:a16="http://schemas.microsoft.com/office/drawing/2014/main" id="{06E9DFE6-7F7C-7E4F-A740-5D9E0079A22E}"/>
+              </a:ext>
+            </a:extLst>
+          </p:cNvPr>
+          <p:cNvSpPr>
+            <a:spLocks noGrp="1"/>
+          </p:cNvSpPr>
+          <p:nvPr>
+            <p:ph idx="1"/>
+          </p:nvPr>
+        </p:nvSpPr>
+        <p:spPr/>
+        <p:txBody>
+          <a:bodyPr/>
+          <a:lstStyle/>
+          <a:p>
+            <a:endParaRPr lang="en-US"/>
+          </a:p>
+        </p:txBody>
+      </p:sp>
+    </p:spTree>
+    <p:extLst>
+      <p:ext uri="{BB962C8B-B14F-4D97-AF65-F5344CB8AC3E}">
+        <p14:creationId xmlns:p14="http://schemas.microsoft.com/office/powerpoint/2010/main" val="2334605631"/>
+      </p:ext>
+    </p:extLst>
+  </p:cSld>
+  <p:clrMapOvr>
+    <a:masterClrMapping/>
+  </p:clrMapOvr>
+</p:sld>
+</file>
+
+<file path=ppt/slides/slide14.xml><?xml version="1.0" encoding="utf-8"?>
+<p:sld xmlns:a="http://schemas.openxmlformats.org/drawingml/2006/main" xmlns:r="http://schemas.openxmlformats.org/officeDocument/2006/relationships" xmlns:p="http://schemas.openxmlformats.org/presentationml/2006/main">
+  <p:cSld>
+    <p:spTree>
+      <p:nvGrpSpPr>
+        <p:cNvPr id="1" name=""/>
+        <p:cNvGrpSpPr/>
+        <p:nvPr/>
+      </p:nvGrpSpPr>
+      <p:grpSpPr>
+        <a:xfrm>
+          <a:off x="0" y="0"/>
+          <a:ext cx="0" cy="0"/>
+          <a:chOff x="0" y="0"/>
+          <a:chExt cx="0" cy="0"/>
+        </a:xfrm>
+      </p:grpSpPr>
+      <p:sp>
+        <p:nvSpPr>
+          <p:cNvPr id="2" name="Title 1">
+            <a:extLst>
+              <a:ext uri="{FF2B5EF4-FFF2-40B4-BE49-F238E27FC236}">
+                <a16:creationId xmlns:a16="http://schemas.microsoft.com/office/drawing/2014/main" id="{D8036F3F-0CB0-8D48-BEFF-DFCD98F2DF62}"/>
+              </a:ext>
+            </a:extLst>
+          </p:cNvPr>
+          <p:cNvSpPr>
+            <a:spLocks noGrp="1"/>
+          </p:cNvSpPr>
+          <p:nvPr>
+            <p:ph type="title"/>
+          </p:nvPr>
+        </p:nvSpPr>
+        <p:spPr/>
+        <p:txBody>
+          <a:bodyPr/>
+          <a:lstStyle/>
+          <a:p>
+            <a:r>
+              <a:rPr lang="en-US" dirty="0"/>
+              <a:t>Basic Data Analysis Using R</a:t>
+            </a:r>
+          </a:p>
+        </p:txBody>
+      </p:sp>
+      <p:sp>
+        <p:nvSpPr>
+          <p:cNvPr id="3" name="Text Placeholder 2">
+            <a:extLst>
+              <a:ext uri="{FF2B5EF4-FFF2-40B4-BE49-F238E27FC236}">
+                <a16:creationId xmlns:a16="http://schemas.microsoft.com/office/drawing/2014/main" id="{AD8371D6-E402-0847-ADEB-2828A02681B3}"/>
+              </a:ext>
+            </a:extLst>
+          </p:cNvPr>
+          <p:cNvSpPr>
+            <a:spLocks noGrp="1"/>
+          </p:cNvSpPr>
+          <p:nvPr>
+            <p:ph type="body" idx="1"/>
+          </p:nvPr>
+        </p:nvSpPr>
+        <p:spPr/>
+        <p:txBody>
+          <a:bodyPr/>
+          <a:lstStyle/>
+          <a:p>
+            <a:endParaRPr lang="en-US"/>
+          </a:p>
+        </p:txBody>
+      </p:sp>
+    </p:spTree>
+    <p:extLst>
+      <p:ext uri="{BB962C8B-B14F-4D97-AF65-F5344CB8AC3E}">
+        <p14:creationId xmlns:p14="http://schemas.microsoft.com/office/powerpoint/2010/main" val="2934644198"/>
+      </p:ext>
+    </p:extLst>
+  </p:cSld>
+  <p:clrMapOvr>
+    <a:masterClrMapping/>
+  </p:clrMapOvr>
+</p:sld>
+</file>
+
+<file path=ppt/slides/slide15.xml><?xml version="1.0" encoding="utf-8"?>
+<p:sld xmlns:a="http://schemas.openxmlformats.org/drawingml/2006/main" xmlns:r="http://schemas.openxmlformats.org/officeDocument/2006/relationships" xmlns:p="http://schemas.openxmlformats.org/presentationml/2006/main">
+  <p:cSld>
+    <p:spTree>
+      <p:nvGrpSpPr>
+        <p:cNvPr id="1" name=""/>
+        <p:cNvGrpSpPr/>
+        <p:nvPr/>
+      </p:nvGrpSpPr>
+      <p:grpSpPr>
+        <a:xfrm>
+          <a:off x="0" y="0"/>
+          <a:ext cx="0" cy="0"/>
+          <a:chOff x="0" y="0"/>
+          <a:chExt cx="0" cy="0"/>
+        </a:xfrm>
+      </p:grpSpPr>
+      <p:sp>
+        <p:nvSpPr>
+          <p:cNvPr id="4" name="Title 3">
+            <a:extLst>
+              <a:ext uri="{FF2B5EF4-FFF2-40B4-BE49-F238E27FC236}">
+                <a16:creationId xmlns:a16="http://schemas.microsoft.com/office/drawing/2014/main" id="{7045887F-6A5A-5447-BB6C-E24F9513AF86}"/>
+              </a:ext>
+            </a:extLst>
+          </p:cNvPr>
+          <p:cNvSpPr>
+            <a:spLocks noGrp="1"/>
+          </p:cNvSpPr>
+          <p:nvPr>
+            <p:ph type="title"/>
+          </p:nvPr>
+        </p:nvSpPr>
+        <p:spPr/>
+        <p:txBody>
+          <a:bodyPr/>
+          <a:lstStyle/>
+          <a:p>
+            <a:endParaRPr lang="en-US"/>
+          </a:p>
+        </p:txBody>
+      </p:sp>
+      <p:sp>
+        <p:nvSpPr>
+          <p:cNvPr id="5" name="Content Placeholder 4">
+            <a:extLst>
+              <a:ext uri="{FF2B5EF4-FFF2-40B4-BE49-F238E27FC236}">
+                <a16:creationId xmlns:a16="http://schemas.microsoft.com/office/drawing/2014/main" id="{B9D9E0EF-4475-7D49-BAA7-2A42F65D765B}"/>
+              </a:ext>
+            </a:extLst>
+          </p:cNvPr>
+          <p:cNvSpPr>
+            <a:spLocks noGrp="1"/>
+          </p:cNvSpPr>
+          <p:nvPr>
+            <p:ph idx="1"/>
+          </p:nvPr>
+        </p:nvSpPr>
+        <p:spPr/>
+        <p:txBody>
+          <a:bodyPr/>
+          <a:lstStyle/>
+          <a:p>
+            <a:endParaRPr lang="en-US"/>
+          </a:p>
+        </p:txBody>
+      </p:sp>
+    </p:spTree>
+    <p:extLst>
+      <p:ext uri="{BB962C8B-B14F-4D97-AF65-F5344CB8AC3E}">
+        <p14:creationId xmlns:p14="http://schemas.microsoft.com/office/powerpoint/2010/main" val="2379325788"/>
+      </p:ext>
+    </p:extLst>
+  </p:cSld>
+  <p:clrMapOvr>
+    <a:masterClrMapping/>
+  </p:clrMapOvr>
+</p:sld>
+</file>
+
+<file path=ppt/slides/slide16.xml><?xml version="1.0" encoding="utf-8"?>
+<p:sld xmlns:a="http://schemas.openxmlformats.org/drawingml/2006/main" xmlns:r="http://schemas.openxmlformats.org/officeDocument/2006/relationships" xmlns:p="http://schemas.openxmlformats.org/presentationml/2006/main">
+  <p:cSld>
+    <p:spTree>
+      <p:nvGrpSpPr>
+        <p:cNvPr id="1" name=""/>
+        <p:cNvGrpSpPr/>
+        <p:nvPr/>
+      </p:nvGrpSpPr>
+      <p:grpSpPr>
+        <a:xfrm>
+          <a:off x="0" y="0"/>
+          <a:ext cx="0" cy="0"/>
+          <a:chOff x="0" y="0"/>
+          <a:chExt cx="0" cy="0"/>
+        </a:xfrm>
+      </p:grpSpPr>
+      <p:sp>
+        <p:nvSpPr>
+          <p:cNvPr id="51201" name="Rectangle 2">
+            <a:extLst>
+              <a:ext uri="{FF2B5EF4-FFF2-40B4-BE49-F238E27FC236}">
+                <a16:creationId xmlns:a16="http://schemas.microsoft.com/office/drawing/2014/main" id="{C7870BFE-EB5F-7A46-95EE-1ACAC0DA57BB}"/>
+              </a:ext>
+            </a:extLst>
+          </p:cNvPr>
+          <p:cNvSpPr>
+            <a:spLocks noGrp="1" noChangeArrowheads="1"/>
+          </p:cNvSpPr>
+          <p:nvPr>
+            <p:ph type="title"/>
+          </p:nvPr>
+        </p:nvSpPr>
+        <p:spPr/>
+        <p:txBody>
+          <a:bodyPr/>
+          <a:lstStyle/>
+          <a:p>
+            <a:pPr eaLnBrk="1" hangingPunct="1"/>
+            <a:r>
+              <a:rPr lang="en-US" altLang="en-US">
+                <a:ea typeface="ＭＳ Ｐゴシック" panose="020B0600070205080204" pitchFamily="34" charset="-128"/>
+              </a:rPr>
+              <a:t>Hierarchical Clustering</a:t>
+            </a:r>
+          </a:p>
+        </p:txBody>
+      </p:sp>
+      <p:sp>
+        <p:nvSpPr>
+          <p:cNvPr id="51202" name="Rectangle 3">
+            <a:extLst>
+              <a:ext uri="{FF2B5EF4-FFF2-40B4-BE49-F238E27FC236}">
+                <a16:creationId xmlns:a16="http://schemas.microsoft.com/office/drawing/2014/main" id="{1E143272-2D21-5F45-9CEF-01D02F801304}"/>
+              </a:ext>
+            </a:extLst>
+          </p:cNvPr>
+          <p:cNvSpPr>
+            <a:spLocks noGrp="1" noChangeArrowheads="1"/>
+          </p:cNvSpPr>
+          <p:nvPr>
+            <p:ph type="body" idx="1"/>
+          </p:nvPr>
+        </p:nvSpPr>
+        <p:spPr/>
+        <p:txBody>
+          <a:bodyPr>
+            <a:normAutofit lnSpcReduction="10000"/>
+          </a:bodyPr>
+          <a:lstStyle/>
+          <a:p>
+            <a:pPr eaLnBrk="1" hangingPunct="1"/>
+            <a:r>
+              <a:rPr lang="en-US" altLang="en-US" sz="3000">
+                <a:ea typeface="ＭＳ Ｐゴシック" panose="020B0600070205080204" pitchFamily="34" charset="-128"/>
+              </a:rPr>
+              <a:t>Build a tree-based hierarchical taxonomy (</a:t>
+            </a:r>
+            <a:r>
+              <a:rPr lang="en-US" altLang="en-US" sz="3000" i="1">
+                <a:ea typeface="ＭＳ Ｐゴシック" panose="020B0600070205080204" pitchFamily="34" charset="-128"/>
+              </a:rPr>
+              <a:t>dendrogram</a:t>
+            </a:r>
+            <a:r>
+              <a:rPr lang="en-US" altLang="en-US" sz="3000">
+                <a:ea typeface="ＭＳ Ｐゴシック" panose="020B0600070205080204" pitchFamily="34" charset="-128"/>
+              </a:rPr>
+              <a:t>) from a set of documents.</a:t>
+            </a:r>
+          </a:p>
+          <a:p>
+            <a:pPr eaLnBrk="1" hangingPunct="1"/>
+            <a:endParaRPr lang="en-US" altLang="en-US">
+              <a:ea typeface="ＭＳ Ｐゴシック" panose="020B0600070205080204" pitchFamily="34" charset="-128"/>
+            </a:endParaRPr>
+          </a:p>
+          <a:p>
+            <a:pPr eaLnBrk="1" hangingPunct="1">
+              <a:buFont typeface="Wingdings" pitchFamily="2" charset="2"/>
+              <a:buNone/>
+            </a:pPr>
+            <a:endParaRPr lang="en-US" altLang="en-US" sz="2200">
+              <a:ea typeface="ＭＳ Ｐゴシック" panose="020B0600070205080204" pitchFamily="34" charset="-128"/>
+            </a:endParaRPr>
+          </a:p>
+          <a:p>
+            <a:pPr eaLnBrk="1" hangingPunct="1"/>
+            <a:endParaRPr lang="en-US" altLang="en-US" sz="2200">
+              <a:ea typeface="ＭＳ Ｐゴシック" panose="020B0600070205080204" pitchFamily="34" charset="-128"/>
+            </a:endParaRPr>
+          </a:p>
+          <a:p>
+            <a:pPr eaLnBrk="1" hangingPunct="1"/>
+            <a:endParaRPr lang="en-US" altLang="en-US" sz="2200">
+              <a:ea typeface="ＭＳ Ｐゴシック" panose="020B0600070205080204" pitchFamily="34" charset="-128"/>
+            </a:endParaRPr>
+          </a:p>
+          <a:p>
+            <a:pPr eaLnBrk="1" hangingPunct="1"/>
+            <a:endParaRPr lang="en-US" altLang="en-US" sz="2200">
+              <a:ea typeface="ＭＳ Ｐゴシック" panose="020B0600070205080204" pitchFamily="34" charset="-128"/>
+            </a:endParaRPr>
+          </a:p>
+          <a:p>
+            <a:pPr eaLnBrk="1" hangingPunct="1"/>
+            <a:endParaRPr lang="en-US" altLang="en-US" sz="2200">
+              <a:ea typeface="ＭＳ Ｐゴシック" panose="020B0600070205080204" pitchFamily="34" charset="-128"/>
+            </a:endParaRPr>
+          </a:p>
+          <a:p>
+            <a:pPr eaLnBrk="1" hangingPunct="1"/>
+            <a:r>
+              <a:rPr lang="en-US" altLang="en-US" sz="3000">
+                <a:ea typeface="ＭＳ Ｐゴシック" panose="020B0600070205080204" pitchFamily="34" charset="-128"/>
+              </a:rPr>
+              <a:t>One approach: recursive application of a partitional clustering algorithm.</a:t>
+            </a:r>
+          </a:p>
+        </p:txBody>
+      </p:sp>
+      <p:grpSp>
+        <p:nvGrpSpPr>
+          <p:cNvPr id="51203" name="Group 4">
+            <a:extLst>
+              <a:ext uri="{FF2B5EF4-FFF2-40B4-BE49-F238E27FC236}">
+                <a16:creationId xmlns:a16="http://schemas.microsoft.com/office/drawing/2014/main" id="{C2F78103-0885-D044-8B2A-E69427AB296E}"/>
+              </a:ext>
+            </a:extLst>
+          </p:cNvPr>
+          <p:cNvGrpSpPr>
+            <a:grpSpLocks/>
+          </p:cNvGrpSpPr>
+          <p:nvPr/>
+        </p:nvGrpSpPr>
+        <p:grpSpPr bwMode="auto">
+          <a:xfrm>
+            <a:off x="3171826" y="2819400"/>
+            <a:ext cx="5922963" cy="1981200"/>
+            <a:chOff x="1038" y="1536"/>
+            <a:chExt cx="3731" cy="1248"/>
+          </a:xfrm>
+        </p:grpSpPr>
+        <p:sp>
+          <p:nvSpPr>
+            <p:cNvPr id="51205" name="Text Box 5">
+              <a:extLst>
+                <a:ext uri="{FF2B5EF4-FFF2-40B4-BE49-F238E27FC236}">
+                  <a16:creationId xmlns:a16="http://schemas.microsoft.com/office/drawing/2014/main" id="{4029EC06-CE3F-9948-862D-DE1A037B8642}"/>
+                </a:ext>
+              </a:extLst>
+            </p:cNvPr>
+            <p:cNvSpPr txBox="1">
+              <a:spLocks noChangeArrowheads="1"/>
+            </p:cNvSpPr>
+            <p:nvPr/>
+          </p:nvSpPr>
+          <p:spPr bwMode="auto">
+            <a:xfrm>
+              <a:off x="2688" y="1536"/>
+              <a:ext cx="864" cy="253"/>
+            </a:xfrm>
+            <a:prstGeom prst="rect">
+              <a:avLst/>
+            </a:prstGeom>
+            <a:noFill/>
+            <a:ln>
+              <a:noFill/>
+            </a:ln>
+            <a:extLst>
+              <a:ext uri="{909E8E84-426E-40DD-AFC4-6F175D3DCCD1}">
+                <a14:hiddenFill xmlns:a14="http://schemas.microsoft.com/office/drawing/2010/main">
+                  <a:solidFill>
+                    <a:srgbClr val="FFFFFF"/>
+                  </a:solidFill>
+                </a14:hiddenFill>
+              </a:ext>
+              <a:ext uri="{91240B29-F687-4F45-9708-019B960494DF}">
+                <a14:hiddenLine xmlns:a14="http://schemas.microsoft.com/office/drawing/2010/main" w="19050">
+                  <a:solidFill>
+                    <a:srgbClr val="000000"/>
+                  </a:solidFill>
+                  <a:miter lim="800000"/>
+                  <a:headEnd/>
+                  <a:tailEnd/>
+                </a14:hiddenLine>
+              </a:ext>
+            </a:extLst>
+          </p:spPr>
+          <p:txBody>
+            <a:bodyPr lIns="90000" tIns="46800" rIns="90000" bIns="46800">
+              <a:spAutoFit/>
+            </a:bodyPr>
+            <a:lstStyle>
+              <a:lvl1pPr eaLnBrk="0" hangingPunct="0">
+                <a:defRPr sz="2400">
+                  <a:solidFill>
+                    <a:schemeClr val="tx1"/>
+                  </a:solidFill>
+                  <a:latin typeface="Lucida Sans" panose="020B0602030504020204" pitchFamily="34" charset="77"/>
+                  <a:ea typeface="ＭＳ Ｐゴシック" panose="020B0600070205080204" pitchFamily="34" charset="-128"/>
+                </a:defRPr>
+              </a:lvl1pPr>
+              <a:lvl2pPr marL="742950" indent="-285750" eaLnBrk="0" hangingPunct="0">
+                <a:defRPr sz="2400">
+                  <a:solidFill>
+                    <a:schemeClr val="tx1"/>
+                  </a:solidFill>
+                  <a:latin typeface="Lucida Sans" panose="020B0602030504020204" pitchFamily="34" charset="77"/>
+                  <a:ea typeface="ＭＳ Ｐゴシック" panose="020B0600070205080204" pitchFamily="34" charset="-128"/>
+                </a:defRPr>
+              </a:lvl2pPr>
+              <a:lvl3pPr marL="1143000" indent="-228600" eaLnBrk="0" hangingPunct="0">
+                <a:defRPr sz="2400">
+                  <a:solidFill>
+                    <a:schemeClr val="tx1"/>
+                  </a:solidFill>
+                  <a:latin typeface="Lucida Sans" panose="020B0602030504020204" pitchFamily="34" charset="77"/>
+                  <a:ea typeface="ＭＳ Ｐゴシック" panose="020B0600070205080204" pitchFamily="34" charset="-128"/>
+                </a:defRPr>
+              </a:lvl3pPr>
+              <a:lvl4pPr marL="1600200" indent="-228600" eaLnBrk="0" hangingPunct="0">
+                <a:defRPr sz="2400">
+                  <a:solidFill>
+                    <a:schemeClr val="tx1"/>
+                  </a:solidFill>
+                  <a:latin typeface="Lucida Sans" panose="020B0602030504020204" pitchFamily="34" charset="77"/>
+                  <a:ea typeface="ＭＳ Ｐゴシック" panose="020B0600070205080204" pitchFamily="34" charset="-128"/>
+                </a:defRPr>
+              </a:lvl4pPr>
+              <a:lvl5pPr marL="2057400" indent="-228600" eaLnBrk="0" hangingPunct="0">
+                <a:defRPr sz="2400">
+                  <a:solidFill>
+                    <a:schemeClr val="tx1"/>
+                  </a:solidFill>
+                  <a:latin typeface="Lucida Sans" panose="020B0602030504020204" pitchFamily="34" charset="77"/>
+                  <a:ea typeface="ＭＳ Ｐゴシック" panose="020B0600070205080204" pitchFamily="34" charset="-128"/>
+                </a:defRPr>
+              </a:lvl5pPr>
+              <a:lvl6pPr marL="2514600" indent="-228600" eaLnBrk="0" fontAlgn="base" hangingPunct="0">
+                <a:spcBef>
+                  <a:spcPct val="0"/>
+                </a:spcBef>
+                <a:spcAft>
+                  <a:spcPct val="0"/>
+                </a:spcAft>
+                <a:defRPr sz="2400">
+                  <a:solidFill>
+                    <a:schemeClr val="tx1"/>
+                  </a:solidFill>
+                  <a:latin typeface="Lucida Sans" panose="020B0602030504020204" pitchFamily="34" charset="77"/>
+                  <a:ea typeface="ＭＳ Ｐゴシック" panose="020B0600070205080204" pitchFamily="34" charset="-128"/>
+                </a:defRPr>
+              </a:lvl6pPr>
+              <a:lvl7pPr marL="2971800" indent="-228600" eaLnBrk="0" fontAlgn="base" hangingPunct="0">
+                <a:spcBef>
+                  <a:spcPct val="0"/>
+                </a:spcBef>
+                <a:spcAft>
+                  <a:spcPct val="0"/>
+                </a:spcAft>
+                <a:defRPr sz="2400">
+                  <a:solidFill>
+                    <a:schemeClr val="tx1"/>
+                  </a:solidFill>
+                  <a:latin typeface="Lucida Sans" panose="020B0602030504020204" pitchFamily="34" charset="77"/>
+                  <a:ea typeface="ＭＳ Ｐゴシック" panose="020B0600070205080204" pitchFamily="34" charset="-128"/>
+                </a:defRPr>
+              </a:lvl7pPr>
+              <a:lvl8pPr marL="3429000" indent="-228600" eaLnBrk="0" fontAlgn="base" hangingPunct="0">
+                <a:spcBef>
+                  <a:spcPct val="0"/>
+                </a:spcBef>
+                <a:spcAft>
+                  <a:spcPct val="0"/>
+                </a:spcAft>
+                <a:defRPr sz="2400">
+                  <a:solidFill>
+                    <a:schemeClr val="tx1"/>
+                  </a:solidFill>
+                  <a:latin typeface="Lucida Sans" panose="020B0602030504020204" pitchFamily="34" charset="77"/>
+                  <a:ea typeface="ＭＳ Ｐゴシック" panose="020B0600070205080204" pitchFamily="34" charset="-128"/>
+                </a:defRPr>
+              </a:lvl8pPr>
+              <a:lvl9pPr marL="3886200" indent="-228600" eaLnBrk="0" fontAlgn="base" hangingPunct="0">
+                <a:spcBef>
+                  <a:spcPct val="0"/>
+                </a:spcBef>
+                <a:spcAft>
+                  <a:spcPct val="0"/>
+                </a:spcAft>
+                <a:defRPr sz="2400">
+                  <a:solidFill>
+                    <a:schemeClr val="tx1"/>
+                  </a:solidFill>
+                  <a:latin typeface="Lucida Sans" panose="020B0602030504020204" pitchFamily="34" charset="77"/>
+                  <a:ea typeface="ＭＳ Ｐゴシック" panose="020B0600070205080204" pitchFamily="34" charset="-128"/>
+                </a:defRPr>
+              </a:lvl9pPr>
+            </a:lstStyle>
+            <a:p>
+              <a:pPr algn="ctr" eaLnBrk="1" hangingPunct="1">
+                <a:spcBef>
+                  <a:spcPct val="50000"/>
+                </a:spcBef>
+              </a:pPr>
+              <a:r>
+                <a:rPr lang="en-US" altLang="en-US" sz="2000">
+                  <a:solidFill>
+                    <a:schemeClr val="tx2"/>
+                  </a:solidFill>
+                  <a:latin typeface="Times New Roman" panose="02020603050405020304" pitchFamily="18" charset="0"/>
+                </a:rPr>
+                <a:t>animal</a:t>
+              </a:r>
+            </a:p>
+          </p:txBody>
+        </p:sp>
+        <p:sp>
+          <p:nvSpPr>
+            <p:cNvPr id="51206" name="Text Box 6">
+              <a:extLst>
+                <a:ext uri="{FF2B5EF4-FFF2-40B4-BE49-F238E27FC236}">
+                  <a16:creationId xmlns:a16="http://schemas.microsoft.com/office/drawing/2014/main" id="{1D9717BD-8D57-3E44-9E02-4DEFDFF632A4}"/>
+                </a:ext>
+              </a:extLst>
+            </p:cNvPr>
+            <p:cNvSpPr txBox="1">
+              <a:spLocks noChangeArrowheads="1"/>
+            </p:cNvSpPr>
+            <p:nvPr/>
+          </p:nvSpPr>
+          <p:spPr bwMode="auto">
+            <a:xfrm>
+              <a:off x="1725" y="1872"/>
+              <a:ext cx="759" cy="253"/>
+            </a:xfrm>
+            <a:prstGeom prst="rect">
+              <a:avLst/>
+            </a:prstGeom>
+            <a:noFill/>
+            <a:ln>
+              <a:noFill/>
+            </a:ln>
+            <a:extLst>
+              <a:ext uri="{909E8E84-426E-40DD-AFC4-6F175D3DCCD1}">
+                <a14:hiddenFill xmlns:a14="http://schemas.microsoft.com/office/drawing/2010/main">
+                  <a:solidFill>
+                    <a:srgbClr val="FFFFFF"/>
+                  </a:solidFill>
+                </a14:hiddenFill>
+              </a:ext>
+              <a:ext uri="{91240B29-F687-4F45-9708-019B960494DF}">
+                <a14:hiddenLine xmlns:a14="http://schemas.microsoft.com/office/drawing/2010/main" w="19050">
+                  <a:solidFill>
+                    <a:srgbClr val="000000"/>
+                  </a:solidFill>
+                  <a:miter lim="800000"/>
+                  <a:headEnd/>
+                  <a:tailEnd/>
+                </a14:hiddenLine>
+              </a:ext>
+            </a:extLst>
+          </p:spPr>
+          <p:txBody>
+            <a:bodyPr wrap="none" lIns="90000" tIns="46800" rIns="90000" bIns="46800">
+              <a:spAutoFit/>
+            </a:bodyPr>
+            <a:lstStyle>
+              <a:lvl1pPr eaLnBrk="0" hangingPunct="0">
+                <a:defRPr sz="2400">
+                  <a:solidFill>
+                    <a:schemeClr val="tx1"/>
+                  </a:solidFill>
+                  <a:latin typeface="Lucida Sans" panose="020B0602030504020204" pitchFamily="34" charset="77"/>
+                  <a:ea typeface="ＭＳ Ｐゴシック" panose="020B0600070205080204" pitchFamily="34" charset="-128"/>
+                </a:defRPr>
+              </a:lvl1pPr>
+              <a:lvl2pPr marL="742950" indent="-285750" eaLnBrk="0" hangingPunct="0">
+                <a:defRPr sz="2400">
+                  <a:solidFill>
+                    <a:schemeClr val="tx1"/>
+                  </a:solidFill>
+                  <a:latin typeface="Lucida Sans" panose="020B0602030504020204" pitchFamily="34" charset="77"/>
+                  <a:ea typeface="ＭＳ Ｐゴシック" panose="020B0600070205080204" pitchFamily="34" charset="-128"/>
+                </a:defRPr>
+              </a:lvl2pPr>
+              <a:lvl3pPr marL="1143000" indent="-228600" eaLnBrk="0" hangingPunct="0">
+                <a:defRPr sz="2400">
+                  <a:solidFill>
+                    <a:schemeClr val="tx1"/>
+                  </a:solidFill>
+                  <a:latin typeface="Lucida Sans" panose="020B0602030504020204" pitchFamily="34" charset="77"/>
+                  <a:ea typeface="ＭＳ Ｐゴシック" panose="020B0600070205080204" pitchFamily="34" charset="-128"/>
+                </a:defRPr>
+              </a:lvl3pPr>
+              <a:lvl4pPr marL="1600200" indent="-228600" eaLnBrk="0" hangingPunct="0">
+                <a:defRPr sz="2400">
+                  <a:solidFill>
+                    <a:schemeClr val="tx1"/>
+                  </a:solidFill>
+                  <a:latin typeface="Lucida Sans" panose="020B0602030504020204" pitchFamily="34" charset="77"/>
+                  <a:ea typeface="ＭＳ Ｐゴシック" panose="020B0600070205080204" pitchFamily="34" charset="-128"/>
+                </a:defRPr>
+              </a:lvl4pPr>
+              <a:lvl5pPr marL="2057400" indent="-228600" eaLnBrk="0" hangingPunct="0">
+                <a:defRPr sz="2400">
+                  <a:solidFill>
+                    <a:schemeClr val="tx1"/>
+                  </a:solidFill>
+                  <a:latin typeface="Lucida Sans" panose="020B0602030504020204" pitchFamily="34" charset="77"/>
+                  <a:ea typeface="ＭＳ Ｐゴシック" panose="020B0600070205080204" pitchFamily="34" charset="-128"/>
+                </a:defRPr>
+              </a:lvl5pPr>
+              <a:lvl6pPr marL="2514600" indent="-228600" eaLnBrk="0" fontAlgn="base" hangingPunct="0">
+                <a:spcBef>
+                  <a:spcPct val="0"/>
+                </a:spcBef>
+                <a:spcAft>
+                  <a:spcPct val="0"/>
+                </a:spcAft>
+                <a:defRPr sz="2400">
+                  <a:solidFill>
+                    <a:schemeClr val="tx1"/>
+                  </a:solidFill>
+                  <a:latin typeface="Lucida Sans" panose="020B0602030504020204" pitchFamily="34" charset="77"/>
+                  <a:ea typeface="ＭＳ Ｐゴシック" panose="020B0600070205080204" pitchFamily="34" charset="-128"/>
+                </a:defRPr>
+              </a:lvl6pPr>
+              <a:lvl7pPr marL="2971800" indent="-228600" eaLnBrk="0" fontAlgn="base" hangingPunct="0">
+                <a:spcBef>
+                  <a:spcPct val="0"/>
+                </a:spcBef>
+                <a:spcAft>
+                  <a:spcPct val="0"/>
+                </a:spcAft>
+                <a:defRPr sz="2400">
+                  <a:solidFill>
+                    <a:schemeClr val="tx1"/>
+                  </a:solidFill>
+                  <a:latin typeface="Lucida Sans" panose="020B0602030504020204" pitchFamily="34" charset="77"/>
+                  <a:ea typeface="ＭＳ Ｐゴシック" panose="020B0600070205080204" pitchFamily="34" charset="-128"/>
+                </a:defRPr>
+              </a:lvl7pPr>
+              <a:lvl8pPr marL="3429000" indent="-228600" eaLnBrk="0" fontAlgn="base" hangingPunct="0">
+                <a:spcBef>
+                  <a:spcPct val="0"/>
+                </a:spcBef>
+                <a:spcAft>
+                  <a:spcPct val="0"/>
+                </a:spcAft>
+                <a:defRPr sz="2400">
+                  <a:solidFill>
+                    <a:schemeClr val="tx1"/>
+                  </a:solidFill>
+                  <a:latin typeface="Lucida Sans" panose="020B0602030504020204" pitchFamily="34" charset="77"/>
+                  <a:ea typeface="ＭＳ Ｐゴシック" panose="020B0600070205080204" pitchFamily="34" charset="-128"/>
+                </a:defRPr>
+              </a:lvl8pPr>
+              <a:lvl9pPr marL="3886200" indent="-228600" eaLnBrk="0" fontAlgn="base" hangingPunct="0">
+                <a:spcBef>
+                  <a:spcPct val="0"/>
+                </a:spcBef>
+                <a:spcAft>
+                  <a:spcPct val="0"/>
+                </a:spcAft>
+                <a:defRPr sz="2400">
+                  <a:solidFill>
+                    <a:schemeClr val="tx1"/>
+                  </a:solidFill>
+                  <a:latin typeface="Lucida Sans" panose="020B0602030504020204" pitchFamily="34" charset="77"/>
+                  <a:ea typeface="ＭＳ Ｐゴシック" panose="020B0600070205080204" pitchFamily="34" charset="-128"/>
+                </a:defRPr>
+              </a:lvl9pPr>
+            </a:lstStyle>
+            <a:p>
+              <a:pPr algn="ctr" eaLnBrk="1" hangingPunct="1"/>
+              <a:r>
+                <a:rPr lang="en-US" altLang="en-US" sz="2000">
+                  <a:solidFill>
+                    <a:schemeClr val="tx2"/>
+                  </a:solidFill>
+                  <a:latin typeface="Times New Roman" panose="02020603050405020304" pitchFamily="18" charset="0"/>
+                </a:rPr>
+                <a:t>vertebrate</a:t>
+              </a:r>
+            </a:p>
+          </p:txBody>
+        </p:sp>
+        <p:sp>
+          <p:nvSpPr>
+            <p:cNvPr id="51207" name="Text Box 7">
+              <a:extLst>
+                <a:ext uri="{FF2B5EF4-FFF2-40B4-BE49-F238E27FC236}">
+                  <a16:creationId xmlns:a16="http://schemas.microsoft.com/office/drawing/2014/main" id="{B804B4BE-CDA8-BE4E-9FD5-610B4C17EF25}"/>
+                </a:ext>
+              </a:extLst>
+            </p:cNvPr>
+            <p:cNvSpPr txBox="1">
+              <a:spLocks noChangeArrowheads="1"/>
+            </p:cNvSpPr>
+            <p:nvPr/>
+          </p:nvSpPr>
+          <p:spPr bwMode="auto">
+            <a:xfrm>
+              <a:off x="1038" y="2256"/>
+              <a:ext cx="3731" cy="253"/>
+            </a:xfrm>
+            <a:prstGeom prst="rect">
+              <a:avLst/>
+            </a:prstGeom>
+            <a:noFill/>
+            <a:ln>
+              <a:noFill/>
+            </a:ln>
+            <a:extLst>
+              <a:ext uri="{909E8E84-426E-40DD-AFC4-6F175D3DCCD1}">
+                <a14:hiddenFill xmlns:a14="http://schemas.microsoft.com/office/drawing/2010/main">
+                  <a:solidFill>
+                    <a:srgbClr val="FFFFFF"/>
+                  </a:solidFill>
+                </a14:hiddenFill>
+              </a:ext>
+              <a:ext uri="{91240B29-F687-4F45-9708-019B960494DF}">
+                <a14:hiddenLine xmlns:a14="http://schemas.microsoft.com/office/drawing/2010/main" w="19050">
+                  <a:solidFill>
+                    <a:srgbClr val="000000"/>
+                  </a:solidFill>
+                  <a:miter lim="800000"/>
+                  <a:headEnd/>
+                  <a:tailEnd/>
+                </a14:hiddenLine>
+              </a:ext>
+            </a:extLst>
+          </p:spPr>
+          <p:txBody>
+            <a:bodyPr wrap="none" lIns="90000" tIns="46800" rIns="90000" bIns="46800">
+              <a:spAutoFit/>
+            </a:bodyPr>
+            <a:lstStyle>
+              <a:lvl1pPr eaLnBrk="0" hangingPunct="0">
+                <a:defRPr sz="2400">
+                  <a:solidFill>
+                    <a:schemeClr val="tx1"/>
+                  </a:solidFill>
+                  <a:latin typeface="Lucida Sans" panose="020B0602030504020204" pitchFamily="34" charset="77"/>
+                  <a:ea typeface="ＭＳ Ｐゴシック" panose="020B0600070205080204" pitchFamily="34" charset="-128"/>
+                </a:defRPr>
+              </a:lvl1pPr>
+              <a:lvl2pPr marL="742950" indent="-285750" eaLnBrk="0" hangingPunct="0">
+                <a:defRPr sz="2400">
+                  <a:solidFill>
+                    <a:schemeClr val="tx1"/>
+                  </a:solidFill>
+                  <a:latin typeface="Lucida Sans" panose="020B0602030504020204" pitchFamily="34" charset="77"/>
+                  <a:ea typeface="ＭＳ Ｐゴシック" panose="020B0600070205080204" pitchFamily="34" charset="-128"/>
+                </a:defRPr>
+              </a:lvl2pPr>
+              <a:lvl3pPr marL="1143000" indent="-228600" eaLnBrk="0" hangingPunct="0">
+                <a:defRPr sz="2400">
+                  <a:solidFill>
+                    <a:schemeClr val="tx1"/>
+                  </a:solidFill>
+                  <a:latin typeface="Lucida Sans" panose="020B0602030504020204" pitchFamily="34" charset="77"/>
+                  <a:ea typeface="ＭＳ Ｐゴシック" panose="020B0600070205080204" pitchFamily="34" charset="-128"/>
+                </a:defRPr>
+              </a:lvl3pPr>
+              <a:lvl4pPr marL="1600200" indent="-228600" eaLnBrk="0" hangingPunct="0">
+                <a:defRPr sz="2400">
+                  <a:solidFill>
+                    <a:schemeClr val="tx1"/>
+                  </a:solidFill>
+                  <a:latin typeface="Lucida Sans" panose="020B0602030504020204" pitchFamily="34" charset="77"/>
+                  <a:ea typeface="ＭＳ Ｐゴシック" panose="020B0600070205080204" pitchFamily="34" charset="-128"/>
+                </a:defRPr>
+              </a:lvl4pPr>
+              <a:lvl5pPr marL="2057400" indent="-228600" eaLnBrk="0" hangingPunct="0">
+                <a:defRPr sz="2400">
+                  <a:solidFill>
+                    <a:schemeClr val="tx1"/>
+                  </a:solidFill>
+                  <a:latin typeface="Lucida Sans" panose="020B0602030504020204" pitchFamily="34" charset="77"/>
+                  <a:ea typeface="ＭＳ Ｐゴシック" panose="020B0600070205080204" pitchFamily="34" charset="-128"/>
+                </a:defRPr>
+              </a:lvl5pPr>
+              <a:lvl6pPr marL="2514600" indent="-228600" eaLnBrk="0" fontAlgn="base" hangingPunct="0">
+                <a:spcBef>
+                  <a:spcPct val="0"/>
+                </a:spcBef>
+                <a:spcAft>
+                  <a:spcPct val="0"/>
+                </a:spcAft>
+                <a:defRPr sz="2400">
+                  <a:solidFill>
+                    <a:schemeClr val="tx1"/>
+                  </a:solidFill>
+                  <a:latin typeface="Lucida Sans" panose="020B0602030504020204" pitchFamily="34" charset="77"/>
+                  <a:ea typeface="ＭＳ Ｐゴシック" panose="020B0600070205080204" pitchFamily="34" charset="-128"/>
+                </a:defRPr>
+              </a:lvl6pPr>
+              <a:lvl7pPr marL="2971800" indent="-228600" eaLnBrk="0" fontAlgn="base" hangingPunct="0">
+                <a:spcBef>
+                  <a:spcPct val="0"/>
+                </a:spcBef>
+                <a:spcAft>
+                  <a:spcPct val="0"/>
+                </a:spcAft>
+                <a:defRPr sz="2400">
+                  <a:solidFill>
+                    <a:schemeClr val="tx1"/>
+                  </a:solidFill>
+                  <a:latin typeface="Lucida Sans" panose="020B0602030504020204" pitchFamily="34" charset="77"/>
+                  <a:ea typeface="ＭＳ Ｐゴシック" panose="020B0600070205080204" pitchFamily="34" charset="-128"/>
+                </a:defRPr>
+              </a:lvl7pPr>
+              <a:lvl8pPr marL="3429000" indent="-228600" eaLnBrk="0" fontAlgn="base" hangingPunct="0">
+                <a:spcBef>
+                  <a:spcPct val="0"/>
+                </a:spcBef>
+                <a:spcAft>
+                  <a:spcPct val="0"/>
+                </a:spcAft>
+                <a:defRPr sz="2400">
+                  <a:solidFill>
+                    <a:schemeClr val="tx1"/>
+                  </a:solidFill>
+                  <a:latin typeface="Lucida Sans" panose="020B0602030504020204" pitchFamily="34" charset="77"/>
+                  <a:ea typeface="ＭＳ Ｐゴシック" panose="020B0600070205080204" pitchFamily="34" charset="-128"/>
+                </a:defRPr>
+              </a:lvl8pPr>
+              <a:lvl9pPr marL="3886200" indent="-228600" eaLnBrk="0" fontAlgn="base" hangingPunct="0">
+                <a:spcBef>
+                  <a:spcPct val="0"/>
+                </a:spcBef>
+                <a:spcAft>
+                  <a:spcPct val="0"/>
+                </a:spcAft>
+                <a:defRPr sz="2400">
+                  <a:solidFill>
+                    <a:schemeClr val="tx1"/>
+                  </a:solidFill>
+                  <a:latin typeface="Lucida Sans" panose="020B0602030504020204" pitchFamily="34" charset="77"/>
+                  <a:ea typeface="ＭＳ Ｐゴシック" panose="020B0600070205080204" pitchFamily="34" charset="-128"/>
+                </a:defRPr>
+              </a:lvl9pPr>
+            </a:lstStyle>
+            <a:p>
+              <a:pPr algn="ctr" eaLnBrk="1" hangingPunct="1"/>
+              <a:r>
+                <a:rPr lang="en-US" altLang="en-US" sz="2000">
+                  <a:solidFill>
+                    <a:schemeClr val="tx2"/>
+                  </a:solidFill>
+                  <a:latin typeface="Times New Roman" panose="02020603050405020304" pitchFamily="18" charset="0"/>
+                </a:rPr>
+                <a:t>fish reptile amphib. mammal      worm insect crustacean</a:t>
+              </a:r>
+            </a:p>
+          </p:txBody>
+        </p:sp>
+        <p:sp>
+          <p:nvSpPr>
+            <p:cNvPr id="51208" name="Text Box 8">
+              <a:extLst>
+                <a:ext uri="{FF2B5EF4-FFF2-40B4-BE49-F238E27FC236}">
+                  <a16:creationId xmlns:a16="http://schemas.microsoft.com/office/drawing/2014/main" id="{171070F9-3E5A-BB49-B2A1-E9A90DA0C261}"/>
+                </a:ext>
+              </a:extLst>
+            </p:cNvPr>
+            <p:cNvSpPr txBox="1">
+              <a:spLocks noChangeArrowheads="1"/>
+            </p:cNvSpPr>
+            <p:nvPr/>
+          </p:nvSpPr>
+          <p:spPr bwMode="auto">
+            <a:xfrm>
+              <a:off x="3308" y="1872"/>
+              <a:ext cx="884" cy="253"/>
+            </a:xfrm>
+            <a:prstGeom prst="rect">
+              <a:avLst/>
+            </a:prstGeom>
+            <a:noFill/>
+            <a:ln>
+              <a:noFill/>
+            </a:ln>
+            <a:extLst>
+              <a:ext uri="{909E8E84-426E-40DD-AFC4-6F175D3DCCD1}">
+                <a14:hiddenFill xmlns:a14="http://schemas.microsoft.com/office/drawing/2010/main">
+                  <a:solidFill>
+                    <a:srgbClr val="FFFFFF"/>
+                  </a:solidFill>
+                </a14:hiddenFill>
+              </a:ext>
+              <a:ext uri="{91240B29-F687-4F45-9708-019B960494DF}">
+                <a14:hiddenLine xmlns:a14="http://schemas.microsoft.com/office/drawing/2010/main" w="19050">
+                  <a:solidFill>
+                    <a:srgbClr val="000000"/>
+                  </a:solidFill>
+                  <a:miter lim="800000"/>
+                  <a:headEnd/>
+                  <a:tailEnd/>
+                </a14:hiddenLine>
+              </a:ext>
+            </a:extLst>
+          </p:spPr>
+          <p:txBody>
+            <a:bodyPr wrap="none" lIns="90000" tIns="46800" rIns="90000" bIns="46800">
+              <a:spAutoFit/>
+            </a:bodyPr>
+            <a:lstStyle>
+              <a:lvl1pPr eaLnBrk="0" hangingPunct="0">
+                <a:defRPr sz="2400">
+                  <a:solidFill>
+                    <a:schemeClr val="tx1"/>
+                  </a:solidFill>
+                  <a:latin typeface="Lucida Sans" panose="020B0602030504020204" pitchFamily="34" charset="77"/>
+                  <a:ea typeface="ＭＳ Ｐゴシック" panose="020B0600070205080204" pitchFamily="34" charset="-128"/>
+                </a:defRPr>
+              </a:lvl1pPr>
+              <a:lvl2pPr marL="742950" indent="-285750" eaLnBrk="0" hangingPunct="0">
+                <a:defRPr sz="2400">
+                  <a:solidFill>
+                    <a:schemeClr val="tx1"/>
+                  </a:solidFill>
+                  <a:latin typeface="Lucida Sans" panose="020B0602030504020204" pitchFamily="34" charset="77"/>
+                  <a:ea typeface="ＭＳ Ｐゴシック" panose="020B0600070205080204" pitchFamily="34" charset="-128"/>
+                </a:defRPr>
+              </a:lvl2pPr>
+              <a:lvl3pPr marL="1143000" indent="-228600" eaLnBrk="0" hangingPunct="0">
+                <a:defRPr sz="2400">
+                  <a:solidFill>
+                    <a:schemeClr val="tx1"/>
+                  </a:solidFill>
+                  <a:latin typeface="Lucida Sans" panose="020B0602030504020204" pitchFamily="34" charset="77"/>
+                  <a:ea typeface="ＭＳ Ｐゴシック" panose="020B0600070205080204" pitchFamily="34" charset="-128"/>
+                </a:defRPr>
+              </a:lvl3pPr>
+              <a:lvl4pPr marL="1600200" indent="-228600" eaLnBrk="0" hangingPunct="0">
+                <a:defRPr sz="2400">
+                  <a:solidFill>
+                    <a:schemeClr val="tx1"/>
+                  </a:solidFill>
+                  <a:latin typeface="Lucida Sans" panose="020B0602030504020204" pitchFamily="34" charset="77"/>
+                  <a:ea typeface="ＭＳ Ｐゴシック" panose="020B0600070205080204" pitchFamily="34" charset="-128"/>
+                </a:defRPr>
+              </a:lvl4pPr>
+              <a:lvl5pPr marL="2057400" indent="-228600" eaLnBrk="0" hangingPunct="0">
+                <a:defRPr sz="2400">
+                  <a:solidFill>
+                    <a:schemeClr val="tx1"/>
+                  </a:solidFill>
+                  <a:latin typeface="Lucida Sans" panose="020B0602030504020204" pitchFamily="34" charset="77"/>
+                  <a:ea typeface="ＭＳ Ｐゴシック" panose="020B0600070205080204" pitchFamily="34" charset="-128"/>
+                </a:defRPr>
+              </a:lvl5pPr>
+              <a:lvl6pPr marL="2514600" indent="-228600" eaLnBrk="0" fontAlgn="base" hangingPunct="0">
+                <a:spcBef>
+                  <a:spcPct val="0"/>
+                </a:spcBef>
+                <a:spcAft>
+                  <a:spcPct val="0"/>
+                </a:spcAft>
+                <a:defRPr sz="2400">
+                  <a:solidFill>
+                    <a:schemeClr val="tx1"/>
+                  </a:solidFill>
+                  <a:latin typeface="Lucida Sans" panose="020B0602030504020204" pitchFamily="34" charset="77"/>
+                  <a:ea typeface="ＭＳ Ｐゴシック" panose="020B0600070205080204" pitchFamily="34" charset="-128"/>
+                </a:defRPr>
+              </a:lvl6pPr>
+              <a:lvl7pPr marL="2971800" indent="-228600" eaLnBrk="0" fontAlgn="base" hangingPunct="0">
+                <a:spcBef>
+                  <a:spcPct val="0"/>
+                </a:spcBef>
+                <a:spcAft>
+                  <a:spcPct val="0"/>
+                </a:spcAft>
+                <a:defRPr sz="2400">
+                  <a:solidFill>
+                    <a:schemeClr val="tx1"/>
+                  </a:solidFill>
+                  <a:latin typeface="Lucida Sans" panose="020B0602030504020204" pitchFamily="34" charset="77"/>
+                  <a:ea typeface="ＭＳ Ｐゴシック" panose="020B0600070205080204" pitchFamily="34" charset="-128"/>
+                </a:defRPr>
+              </a:lvl7pPr>
+              <a:lvl8pPr marL="3429000" indent="-228600" eaLnBrk="0" fontAlgn="base" hangingPunct="0">
+                <a:spcBef>
+                  <a:spcPct val="0"/>
+                </a:spcBef>
+                <a:spcAft>
+                  <a:spcPct val="0"/>
+                </a:spcAft>
+                <a:defRPr sz="2400">
+                  <a:solidFill>
+                    <a:schemeClr val="tx1"/>
+                  </a:solidFill>
+                  <a:latin typeface="Lucida Sans" panose="020B0602030504020204" pitchFamily="34" charset="77"/>
+                  <a:ea typeface="ＭＳ Ｐゴシック" panose="020B0600070205080204" pitchFamily="34" charset="-128"/>
+                </a:defRPr>
+              </a:lvl8pPr>
+              <a:lvl9pPr marL="3886200" indent="-228600" eaLnBrk="0" fontAlgn="base" hangingPunct="0">
+                <a:spcBef>
+                  <a:spcPct val="0"/>
+                </a:spcBef>
+                <a:spcAft>
+                  <a:spcPct val="0"/>
+                </a:spcAft>
+                <a:defRPr sz="2400">
+                  <a:solidFill>
+                    <a:schemeClr val="tx1"/>
+                  </a:solidFill>
+                  <a:latin typeface="Lucida Sans" panose="020B0602030504020204" pitchFamily="34" charset="77"/>
+                  <a:ea typeface="ＭＳ Ｐゴシック" panose="020B0600070205080204" pitchFamily="34" charset="-128"/>
+                </a:defRPr>
+              </a:lvl9pPr>
+            </a:lstStyle>
+            <a:p>
+              <a:pPr algn="ctr" eaLnBrk="1" hangingPunct="1"/>
+              <a:r>
+                <a:rPr lang="en-US" altLang="en-US" sz="2000">
+                  <a:solidFill>
+                    <a:schemeClr val="tx2"/>
+                  </a:solidFill>
+                  <a:latin typeface="Times New Roman" panose="02020603050405020304" pitchFamily="18" charset="0"/>
+                </a:rPr>
+                <a:t>invertebrate</a:t>
+              </a:r>
+            </a:p>
+          </p:txBody>
+        </p:sp>
+        <p:sp>
+          <p:nvSpPr>
+            <p:cNvPr id="51209" name="Line 9">
+              <a:extLst>
+                <a:ext uri="{FF2B5EF4-FFF2-40B4-BE49-F238E27FC236}">
+                  <a16:creationId xmlns:a16="http://schemas.microsoft.com/office/drawing/2014/main" id="{0A5AFE45-ADA6-524C-8508-637E01A49CA7}"/>
+                </a:ext>
+              </a:extLst>
+            </p:cNvPr>
+            <p:cNvSpPr>
+              <a:spLocks noChangeShapeType="1"/>
+            </p:cNvSpPr>
+            <p:nvPr/>
+          </p:nvSpPr>
+          <p:spPr bwMode="auto">
+            <a:xfrm flipH="1">
+              <a:off x="2124" y="1736"/>
+              <a:ext cx="962" cy="205"/>
+            </a:xfrm>
+            <a:prstGeom prst="line">
+              <a:avLst/>
+            </a:prstGeom>
+            <a:noFill/>
+            <a:ln w="19050">
+              <a:solidFill>
+                <a:schemeClr val="tx1"/>
+              </a:solidFill>
+              <a:round/>
+              <a:headEnd/>
+              <a:tailEnd/>
+            </a:ln>
+            <a:extLst>
+              <a:ext uri="{909E8E84-426E-40DD-AFC4-6F175D3DCCD1}">
+                <a14:hiddenFill xmlns:a14="http://schemas.microsoft.com/office/drawing/2010/main">
+                  <a:noFill/>
+                </a14:hiddenFill>
+              </a:ext>
+            </a:extLst>
+          </p:spPr>
+          <p:txBody>
+            <a:bodyPr wrap="none" lIns="90000" tIns="46800" rIns="90000" bIns="46800">
+              <a:spAutoFit/>
+            </a:bodyPr>
+            <a:lstStyle/>
+            <a:p>
+              <a:endParaRPr lang="en-US"/>
+            </a:p>
+          </p:txBody>
+        </p:sp>
+        <p:sp>
+          <p:nvSpPr>
+            <p:cNvPr id="51210" name="Line 10">
+              <a:extLst>
+                <a:ext uri="{FF2B5EF4-FFF2-40B4-BE49-F238E27FC236}">
+                  <a16:creationId xmlns:a16="http://schemas.microsoft.com/office/drawing/2014/main" id="{90184014-33C0-4B4D-8CAD-7448A01D89E7}"/>
+                </a:ext>
+              </a:extLst>
+            </p:cNvPr>
+            <p:cNvSpPr>
+              <a:spLocks noChangeShapeType="1"/>
+            </p:cNvSpPr>
+            <p:nvPr/>
+          </p:nvSpPr>
+          <p:spPr bwMode="auto">
+            <a:xfrm>
+              <a:off x="3094" y="1736"/>
+              <a:ext cx="639" cy="213"/>
+            </a:xfrm>
+            <a:prstGeom prst="line">
+              <a:avLst/>
+            </a:prstGeom>
+            <a:noFill/>
+            <a:ln w="19050">
+              <a:solidFill>
+                <a:schemeClr val="tx1"/>
+              </a:solidFill>
+              <a:round/>
+              <a:headEnd/>
+              <a:tailEnd/>
+            </a:ln>
+            <a:extLst>
+              <a:ext uri="{909E8E84-426E-40DD-AFC4-6F175D3DCCD1}">
+                <a14:hiddenFill xmlns:a14="http://schemas.microsoft.com/office/drawing/2010/main">
+                  <a:noFill/>
+                </a14:hiddenFill>
+              </a:ext>
+            </a:extLst>
+          </p:spPr>
+          <p:txBody>
+            <a:bodyPr wrap="none" lIns="90000" tIns="46800" rIns="90000" bIns="46800">
+              <a:spAutoFit/>
+            </a:bodyPr>
+            <a:lstStyle/>
+            <a:p>
+              <a:endParaRPr lang="en-US"/>
+            </a:p>
+          </p:txBody>
+        </p:sp>
+        <p:sp>
+          <p:nvSpPr>
+            <p:cNvPr id="51211" name="Line 11">
+              <a:extLst>
+                <a:ext uri="{FF2B5EF4-FFF2-40B4-BE49-F238E27FC236}">
+                  <a16:creationId xmlns:a16="http://schemas.microsoft.com/office/drawing/2014/main" id="{8D07D688-324F-FB4E-8423-B3900226E94B}"/>
+                </a:ext>
+              </a:extLst>
+            </p:cNvPr>
+            <p:cNvSpPr>
+              <a:spLocks noChangeShapeType="1"/>
+            </p:cNvSpPr>
+            <p:nvPr/>
+          </p:nvSpPr>
+          <p:spPr bwMode="auto">
+            <a:xfrm flipH="1">
+              <a:off x="1232" y="2059"/>
+              <a:ext cx="876" cy="269"/>
+            </a:xfrm>
+            <a:prstGeom prst="line">
+              <a:avLst/>
+            </a:prstGeom>
+            <a:noFill/>
+            <a:ln w="19050">
+              <a:solidFill>
+                <a:schemeClr val="tx1"/>
+              </a:solidFill>
+              <a:round/>
+              <a:headEnd/>
+              <a:tailEnd/>
+            </a:ln>
+            <a:extLst>
+              <a:ext uri="{909E8E84-426E-40DD-AFC4-6F175D3DCCD1}">
+                <a14:hiddenFill xmlns:a14="http://schemas.microsoft.com/office/drawing/2010/main">
+                  <a:noFill/>
+                </a14:hiddenFill>
+              </a:ext>
+            </a:extLst>
+          </p:spPr>
+          <p:txBody>
+            <a:bodyPr wrap="none" lIns="90000" tIns="46800" rIns="90000" bIns="46800">
+              <a:spAutoFit/>
+            </a:bodyPr>
+            <a:lstStyle/>
+            <a:p>
+              <a:endParaRPr lang="en-US"/>
+            </a:p>
+          </p:txBody>
+        </p:sp>
+        <p:sp>
+          <p:nvSpPr>
+            <p:cNvPr id="51212" name="Line 12">
+              <a:extLst>
+                <a:ext uri="{FF2B5EF4-FFF2-40B4-BE49-F238E27FC236}">
+                  <a16:creationId xmlns:a16="http://schemas.microsoft.com/office/drawing/2014/main" id="{B16B5297-F3C6-0347-BC99-BE0081C534E3}"/>
+                </a:ext>
+              </a:extLst>
+            </p:cNvPr>
+            <p:cNvSpPr>
+              <a:spLocks noChangeShapeType="1"/>
+            </p:cNvSpPr>
+            <p:nvPr/>
+          </p:nvSpPr>
+          <p:spPr bwMode="auto">
+            <a:xfrm flipH="1">
+              <a:off x="1635" y="2059"/>
+              <a:ext cx="473" cy="277"/>
+            </a:xfrm>
+            <a:prstGeom prst="line">
+              <a:avLst/>
+            </a:prstGeom>
+            <a:noFill/>
+            <a:ln w="19050">
+              <a:solidFill>
+                <a:schemeClr val="tx1"/>
+              </a:solidFill>
+              <a:round/>
+              <a:headEnd/>
+              <a:tailEnd/>
+            </a:ln>
+            <a:extLst>
+              <a:ext uri="{909E8E84-426E-40DD-AFC4-6F175D3DCCD1}">
+                <a14:hiddenFill xmlns:a14="http://schemas.microsoft.com/office/drawing/2010/main">
+                  <a:noFill/>
+                </a14:hiddenFill>
+              </a:ext>
+            </a:extLst>
+          </p:spPr>
+          <p:txBody>
+            <a:bodyPr wrap="none" lIns="90000" tIns="46800" rIns="90000" bIns="46800">
+              <a:spAutoFit/>
+            </a:bodyPr>
+            <a:lstStyle/>
+            <a:p>
+              <a:endParaRPr lang="en-US"/>
+            </a:p>
+          </p:txBody>
+        </p:sp>
+        <p:sp>
+          <p:nvSpPr>
+            <p:cNvPr id="51213" name="Line 13">
+              <a:extLst>
+                <a:ext uri="{FF2B5EF4-FFF2-40B4-BE49-F238E27FC236}">
+                  <a16:creationId xmlns:a16="http://schemas.microsoft.com/office/drawing/2014/main" id="{EAF665F7-3C94-544F-92E4-137712902061}"/>
+                </a:ext>
+              </a:extLst>
+            </p:cNvPr>
+            <p:cNvSpPr>
+              <a:spLocks noChangeShapeType="1"/>
+            </p:cNvSpPr>
+            <p:nvPr/>
+          </p:nvSpPr>
+          <p:spPr bwMode="auto">
+            <a:xfrm>
+              <a:off x="2108" y="2059"/>
+              <a:ext cx="0" cy="316"/>
+            </a:xfrm>
+            <a:prstGeom prst="line">
+              <a:avLst/>
+            </a:prstGeom>
+            <a:noFill/>
+            <a:ln w="19050">
+              <a:solidFill>
+                <a:schemeClr val="tx1"/>
+              </a:solidFill>
+              <a:round/>
+              <a:headEnd/>
+              <a:tailEnd/>
+            </a:ln>
+            <a:extLst>
+              <a:ext uri="{909E8E84-426E-40DD-AFC4-6F175D3DCCD1}">
+                <a14:hiddenFill xmlns:a14="http://schemas.microsoft.com/office/drawing/2010/main">
+                  <a:noFill/>
+                </a14:hiddenFill>
+              </a:ext>
+            </a:extLst>
+          </p:spPr>
+          <p:txBody>
+            <a:bodyPr wrap="none" lIns="90000" tIns="46800" rIns="90000" bIns="46800">
+              <a:spAutoFit/>
+            </a:bodyPr>
+            <a:lstStyle/>
+            <a:p>
+              <a:endParaRPr lang="en-US"/>
+            </a:p>
+          </p:txBody>
+        </p:sp>
+        <p:sp>
+          <p:nvSpPr>
+            <p:cNvPr id="51214" name="Line 14">
+              <a:extLst>
+                <a:ext uri="{FF2B5EF4-FFF2-40B4-BE49-F238E27FC236}">
+                  <a16:creationId xmlns:a16="http://schemas.microsoft.com/office/drawing/2014/main" id="{C683852F-280D-F64F-8A65-01FE4E5A0EAD}"/>
+                </a:ext>
+              </a:extLst>
+            </p:cNvPr>
+            <p:cNvSpPr>
+              <a:spLocks noChangeShapeType="1"/>
+            </p:cNvSpPr>
+            <p:nvPr/>
+          </p:nvSpPr>
+          <p:spPr bwMode="auto">
+            <a:xfrm>
+              <a:off x="2108" y="2059"/>
+              <a:ext cx="513" cy="261"/>
+            </a:xfrm>
+            <a:prstGeom prst="line">
+              <a:avLst/>
+            </a:prstGeom>
+            <a:noFill/>
+            <a:ln w="19050">
+              <a:solidFill>
+                <a:schemeClr val="tx1"/>
+              </a:solidFill>
+              <a:round/>
+              <a:headEnd/>
+              <a:tailEnd/>
+            </a:ln>
+            <a:extLst>
+              <a:ext uri="{909E8E84-426E-40DD-AFC4-6F175D3DCCD1}">
+                <a14:hiddenFill xmlns:a14="http://schemas.microsoft.com/office/drawing/2010/main">
+                  <a:noFill/>
+                </a14:hiddenFill>
+              </a:ext>
+            </a:extLst>
+          </p:spPr>
+          <p:txBody>
+            <a:bodyPr wrap="none" lIns="90000" tIns="46800" rIns="90000" bIns="46800">
+              <a:spAutoFit/>
+            </a:bodyPr>
+            <a:lstStyle/>
+            <a:p>
+              <a:endParaRPr lang="en-US"/>
+            </a:p>
+          </p:txBody>
+        </p:sp>
+        <p:sp>
+          <p:nvSpPr>
+            <p:cNvPr id="51215" name="Line 15">
+              <a:extLst>
+                <a:ext uri="{FF2B5EF4-FFF2-40B4-BE49-F238E27FC236}">
+                  <a16:creationId xmlns:a16="http://schemas.microsoft.com/office/drawing/2014/main" id="{FB74D7EF-A437-4145-A9DA-F38370E8388F}"/>
+                </a:ext>
+              </a:extLst>
+            </p:cNvPr>
+            <p:cNvSpPr>
+              <a:spLocks noChangeShapeType="1"/>
+            </p:cNvSpPr>
+            <p:nvPr/>
+          </p:nvSpPr>
+          <p:spPr bwMode="auto">
+            <a:xfrm flipH="1">
+              <a:off x="3386" y="2044"/>
+              <a:ext cx="347" cy="307"/>
+            </a:xfrm>
+            <a:prstGeom prst="line">
+              <a:avLst/>
+            </a:prstGeom>
+            <a:noFill/>
+            <a:ln w="19050">
+              <a:solidFill>
+                <a:schemeClr val="tx1"/>
+              </a:solidFill>
+              <a:round/>
+              <a:headEnd/>
+              <a:tailEnd/>
+            </a:ln>
+            <a:extLst>
+              <a:ext uri="{909E8E84-426E-40DD-AFC4-6F175D3DCCD1}">
+                <a14:hiddenFill xmlns:a14="http://schemas.microsoft.com/office/drawing/2010/main">
+                  <a:noFill/>
+                </a14:hiddenFill>
+              </a:ext>
+            </a:extLst>
+          </p:spPr>
+          <p:txBody>
+            <a:bodyPr wrap="none" lIns="90000" tIns="46800" rIns="90000" bIns="46800">
+              <a:spAutoFit/>
+            </a:bodyPr>
+            <a:lstStyle/>
+            <a:p>
+              <a:endParaRPr lang="en-US"/>
+            </a:p>
+          </p:txBody>
+        </p:sp>
+        <p:sp>
+          <p:nvSpPr>
+            <p:cNvPr id="51216" name="Line 16">
+              <a:extLst>
+                <a:ext uri="{FF2B5EF4-FFF2-40B4-BE49-F238E27FC236}">
+                  <a16:creationId xmlns:a16="http://schemas.microsoft.com/office/drawing/2014/main" id="{460A000F-43B9-7C46-B400-C217BDB80B0B}"/>
+                </a:ext>
+              </a:extLst>
+            </p:cNvPr>
+            <p:cNvSpPr>
+              <a:spLocks noChangeShapeType="1"/>
+            </p:cNvSpPr>
+            <p:nvPr/>
+          </p:nvSpPr>
+          <p:spPr bwMode="auto">
+            <a:xfrm>
+              <a:off x="3733" y="2052"/>
+              <a:ext cx="0" cy="307"/>
+            </a:xfrm>
+            <a:prstGeom prst="line">
+              <a:avLst/>
+            </a:prstGeom>
+            <a:noFill/>
+            <a:ln w="19050">
+              <a:solidFill>
+                <a:schemeClr val="tx1"/>
+              </a:solidFill>
+              <a:round/>
+              <a:headEnd/>
+              <a:tailEnd/>
+            </a:ln>
+            <a:extLst>
+              <a:ext uri="{909E8E84-426E-40DD-AFC4-6F175D3DCCD1}">
+                <a14:hiddenFill xmlns:a14="http://schemas.microsoft.com/office/drawing/2010/main">
+                  <a:noFill/>
+                </a14:hiddenFill>
+              </a:ext>
+            </a:extLst>
+          </p:spPr>
+          <p:txBody>
+            <a:bodyPr wrap="none" lIns="90000" tIns="46800" rIns="90000" bIns="46800">
+              <a:spAutoFit/>
+            </a:bodyPr>
+            <a:lstStyle/>
+            <a:p>
+              <a:endParaRPr lang="en-US"/>
+            </a:p>
+          </p:txBody>
+        </p:sp>
+        <p:sp>
+          <p:nvSpPr>
+            <p:cNvPr id="51217" name="Line 17">
+              <a:extLst>
+                <a:ext uri="{FF2B5EF4-FFF2-40B4-BE49-F238E27FC236}">
+                  <a16:creationId xmlns:a16="http://schemas.microsoft.com/office/drawing/2014/main" id="{F3897E9A-ED16-8A4F-9E96-1A5338170EEE}"/>
+                </a:ext>
+              </a:extLst>
+            </p:cNvPr>
+            <p:cNvSpPr>
+              <a:spLocks noChangeShapeType="1"/>
+            </p:cNvSpPr>
+            <p:nvPr/>
+          </p:nvSpPr>
+          <p:spPr bwMode="auto">
+            <a:xfrm>
+              <a:off x="3733" y="2059"/>
+              <a:ext cx="537" cy="292"/>
+            </a:xfrm>
+            <a:prstGeom prst="line">
+              <a:avLst/>
+            </a:prstGeom>
+            <a:noFill/>
+            <a:ln w="19050">
+              <a:solidFill>
+                <a:schemeClr val="tx1"/>
+              </a:solidFill>
+              <a:round/>
+              <a:headEnd/>
+              <a:tailEnd/>
+            </a:ln>
+            <a:extLst>
+              <a:ext uri="{909E8E84-426E-40DD-AFC4-6F175D3DCCD1}">
+                <a14:hiddenFill xmlns:a14="http://schemas.microsoft.com/office/drawing/2010/main">
+                  <a:noFill/>
+                </a14:hiddenFill>
+              </a:ext>
+            </a:extLst>
+          </p:spPr>
+          <p:txBody>
+            <a:bodyPr wrap="none" lIns="90000" tIns="46800" rIns="90000" bIns="46800">
+              <a:spAutoFit/>
+            </a:bodyPr>
+            <a:lstStyle/>
+            <a:p>
+              <a:endParaRPr lang="en-US"/>
+            </a:p>
+          </p:txBody>
+        </p:sp>
+        <p:grpSp>
+          <p:nvGrpSpPr>
+            <p:cNvPr id="51218" name="Group 18">
+              <a:extLst>
+                <a:ext uri="{FF2B5EF4-FFF2-40B4-BE49-F238E27FC236}">
+                  <a16:creationId xmlns:a16="http://schemas.microsoft.com/office/drawing/2014/main" id="{0AD1609C-172D-614D-882C-1A4779AAD259}"/>
+                </a:ext>
+              </a:extLst>
+            </p:cNvPr>
+            <p:cNvGrpSpPr>
+              <a:grpSpLocks/>
+            </p:cNvGrpSpPr>
+            <p:nvPr/>
+          </p:nvGrpSpPr>
+          <p:grpSpPr bwMode="auto">
+            <a:xfrm>
+              <a:off x="1104" y="2448"/>
+              <a:ext cx="192" cy="336"/>
+              <a:chOff x="1104" y="2448"/>
+              <a:chExt cx="192" cy="336"/>
+            </a:xfrm>
+          </p:grpSpPr>
+          <p:sp>
+            <p:nvSpPr>
+              <p:cNvPr id="51237" name="Line 19">
+                <a:extLst>
+                  <a:ext uri="{FF2B5EF4-FFF2-40B4-BE49-F238E27FC236}">
+                    <a16:creationId xmlns:a16="http://schemas.microsoft.com/office/drawing/2014/main" id="{6CA24416-A485-9046-8545-D8CD87865A82}"/>
+                  </a:ext>
+                </a:extLst>
+              </p:cNvPr>
+              <p:cNvSpPr>
+                <a:spLocks noChangeShapeType="1"/>
+              </p:cNvSpPr>
+              <p:nvPr/>
+            </p:nvSpPr>
+            <p:spPr bwMode="auto">
+              <a:xfrm flipH="1">
+                <a:off x="1104" y="2448"/>
+                <a:ext cx="96" cy="288"/>
+              </a:xfrm>
+              <a:prstGeom prst="line">
+                <a:avLst/>
+              </a:prstGeom>
+              <a:noFill/>
+              <a:ln w="19050">
+                <a:solidFill>
+                  <a:schemeClr val="tx1"/>
+                </a:solidFill>
+                <a:round/>
+                <a:headEnd/>
+                <a:tailEnd/>
+              </a:ln>
+              <a:extLst>
+                <a:ext uri="{909E8E84-426E-40DD-AFC4-6F175D3DCCD1}">
+                  <a14:hiddenFill xmlns:a14="http://schemas.microsoft.com/office/drawing/2010/main">
+                    <a:noFill/>
+                  </a14:hiddenFill>
+                </a:ext>
+              </a:extLst>
+            </p:spPr>
+            <p:txBody>
+              <a:bodyPr wrap="none" lIns="90000" tIns="46800" rIns="90000" bIns="46800">
+                <a:spAutoFit/>
+              </a:bodyPr>
+              <a:lstStyle/>
+              <a:p>
+                <a:endParaRPr lang="en-US"/>
+              </a:p>
+            </p:txBody>
+          </p:sp>
+          <p:sp>
+            <p:nvSpPr>
+              <p:cNvPr id="51238" name="Line 20">
+                <a:extLst>
+                  <a:ext uri="{FF2B5EF4-FFF2-40B4-BE49-F238E27FC236}">
+                    <a16:creationId xmlns:a16="http://schemas.microsoft.com/office/drawing/2014/main" id="{68344229-91EF-A243-88B4-4D2F413AD734}"/>
+                  </a:ext>
+                </a:extLst>
+              </p:cNvPr>
+              <p:cNvSpPr>
+                <a:spLocks noChangeShapeType="1"/>
+              </p:cNvSpPr>
+              <p:nvPr/>
+            </p:nvSpPr>
+            <p:spPr bwMode="auto">
+              <a:xfrm>
+                <a:off x="1207" y="2454"/>
+                <a:ext cx="89" cy="330"/>
+              </a:xfrm>
+              <a:prstGeom prst="line">
+                <a:avLst/>
+              </a:prstGeom>
+              <a:noFill/>
+              <a:ln w="19050">
+                <a:solidFill>
+                  <a:schemeClr val="tx1"/>
+                </a:solidFill>
+                <a:round/>
+                <a:headEnd/>
+                <a:tailEnd/>
+              </a:ln>
+              <a:extLst>
+                <a:ext uri="{909E8E84-426E-40DD-AFC4-6F175D3DCCD1}">
+                  <a14:hiddenFill xmlns:a14="http://schemas.microsoft.com/office/drawing/2010/main">
+                    <a:noFill/>
+                  </a14:hiddenFill>
+                </a:ext>
+              </a:extLst>
+            </p:spPr>
+            <p:txBody>
+              <a:bodyPr lIns="90000" tIns="46800" rIns="90000" bIns="46800">
+                <a:spAutoFit/>
+              </a:bodyPr>
+              <a:lstStyle/>
+              <a:p>
+                <a:endParaRPr lang="en-US"/>
+              </a:p>
+            </p:txBody>
+          </p:sp>
+        </p:grpSp>
+        <p:grpSp>
+          <p:nvGrpSpPr>
+            <p:cNvPr id="51219" name="Group 21">
+              <a:extLst>
+                <a:ext uri="{FF2B5EF4-FFF2-40B4-BE49-F238E27FC236}">
+                  <a16:creationId xmlns:a16="http://schemas.microsoft.com/office/drawing/2014/main" id="{E72499FC-F03E-FE40-9537-CA6BAB6A1FCD}"/>
+                </a:ext>
+              </a:extLst>
+            </p:cNvPr>
+            <p:cNvGrpSpPr>
+              <a:grpSpLocks/>
+            </p:cNvGrpSpPr>
+            <p:nvPr/>
+          </p:nvGrpSpPr>
+          <p:grpSpPr bwMode="auto">
+            <a:xfrm>
+              <a:off x="1440" y="2448"/>
+              <a:ext cx="192" cy="336"/>
+              <a:chOff x="1104" y="2448"/>
+              <a:chExt cx="192" cy="336"/>
+            </a:xfrm>
+          </p:grpSpPr>
+          <p:sp>
+            <p:nvSpPr>
+              <p:cNvPr id="51235" name="Line 22">
+                <a:extLst>
+                  <a:ext uri="{FF2B5EF4-FFF2-40B4-BE49-F238E27FC236}">
+                    <a16:creationId xmlns:a16="http://schemas.microsoft.com/office/drawing/2014/main" id="{A612616F-BED7-0C42-B16B-EFB8ECF7E852}"/>
+                  </a:ext>
+                </a:extLst>
+              </p:cNvPr>
+              <p:cNvSpPr>
+                <a:spLocks noChangeShapeType="1"/>
+              </p:cNvSpPr>
+              <p:nvPr/>
+            </p:nvSpPr>
+            <p:spPr bwMode="auto">
+              <a:xfrm flipH="1">
+                <a:off x="1104" y="2448"/>
+                <a:ext cx="96" cy="288"/>
+              </a:xfrm>
+              <a:prstGeom prst="line">
+                <a:avLst/>
+              </a:prstGeom>
+              <a:noFill/>
+              <a:ln w="19050">
+                <a:solidFill>
+                  <a:schemeClr val="tx1"/>
+                </a:solidFill>
+                <a:round/>
+                <a:headEnd/>
+                <a:tailEnd/>
+              </a:ln>
+              <a:extLst>
+                <a:ext uri="{909E8E84-426E-40DD-AFC4-6F175D3DCCD1}">
+                  <a14:hiddenFill xmlns:a14="http://schemas.microsoft.com/office/drawing/2010/main">
+                    <a:noFill/>
+                  </a14:hiddenFill>
+                </a:ext>
+              </a:extLst>
+            </p:spPr>
+            <p:txBody>
+              <a:bodyPr wrap="none" lIns="90000" tIns="46800" rIns="90000" bIns="46800">
+                <a:spAutoFit/>
+              </a:bodyPr>
+              <a:lstStyle/>
+              <a:p>
+                <a:endParaRPr lang="en-US"/>
+              </a:p>
+            </p:txBody>
+          </p:sp>
+          <p:sp>
+            <p:nvSpPr>
+              <p:cNvPr id="51236" name="Line 23">
+                <a:extLst>
+                  <a:ext uri="{FF2B5EF4-FFF2-40B4-BE49-F238E27FC236}">
+                    <a16:creationId xmlns:a16="http://schemas.microsoft.com/office/drawing/2014/main" id="{3BE525E8-4BD0-4747-BE79-94F383B44D08}"/>
+                  </a:ext>
+                </a:extLst>
+              </p:cNvPr>
+              <p:cNvSpPr>
+                <a:spLocks noChangeShapeType="1"/>
+              </p:cNvSpPr>
+              <p:nvPr/>
+            </p:nvSpPr>
+            <p:spPr bwMode="auto">
+              <a:xfrm>
+                <a:off x="1207" y="2454"/>
+                <a:ext cx="89" cy="330"/>
+              </a:xfrm>
+              <a:prstGeom prst="line">
+                <a:avLst/>
+              </a:prstGeom>
+              <a:noFill/>
+              <a:ln w="19050">
+                <a:solidFill>
+                  <a:schemeClr val="tx1"/>
+                </a:solidFill>
+                <a:round/>
+                <a:headEnd/>
+                <a:tailEnd/>
+              </a:ln>
+              <a:extLst>
+                <a:ext uri="{909E8E84-426E-40DD-AFC4-6F175D3DCCD1}">
+                  <a14:hiddenFill xmlns:a14="http://schemas.microsoft.com/office/drawing/2010/main">
+                    <a:noFill/>
+                  </a14:hiddenFill>
+                </a:ext>
+              </a:extLst>
+            </p:spPr>
+            <p:txBody>
+              <a:bodyPr lIns="90000" tIns="46800" rIns="90000" bIns="46800">
+                <a:spAutoFit/>
+              </a:bodyPr>
+              <a:lstStyle/>
+              <a:p>
+                <a:endParaRPr lang="en-US"/>
+              </a:p>
+            </p:txBody>
+          </p:sp>
+        </p:grpSp>
+        <p:grpSp>
+          <p:nvGrpSpPr>
+            <p:cNvPr id="51220" name="Group 24">
+              <a:extLst>
+                <a:ext uri="{FF2B5EF4-FFF2-40B4-BE49-F238E27FC236}">
+                  <a16:creationId xmlns:a16="http://schemas.microsoft.com/office/drawing/2014/main" id="{4E5EE4B8-C343-FC49-82FB-EF317F31A271}"/>
+                </a:ext>
+              </a:extLst>
+            </p:cNvPr>
+            <p:cNvGrpSpPr>
+              <a:grpSpLocks/>
+            </p:cNvGrpSpPr>
+            <p:nvPr/>
+          </p:nvGrpSpPr>
+          <p:grpSpPr bwMode="auto">
+            <a:xfrm>
+              <a:off x="1968" y="2448"/>
+              <a:ext cx="192" cy="336"/>
+              <a:chOff x="1104" y="2448"/>
+              <a:chExt cx="192" cy="336"/>
+            </a:xfrm>
+          </p:grpSpPr>
+          <p:sp>
+            <p:nvSpPr>
+              <p:cNvPr id="51233" name="Line 25">
+                <a:extLst>
+                  <a:ext uri="{FF2B5EF4-FFF2-40B4-BE49-F238E27FC236}">
+                    <a16:creationId xmlns:a16="http://schemas.microsoft.com/office/drawing/2014/main" id="{6E6C2C79-7A4B-6943-A01D-1DFAEBE2FCAD}"/>
+                  </a:ext>
+                </a:extLst>
+              </p:cNvPr>
+              <p:cNvSpPr>
+                <a:spLocks noChangeShapeType="1"/>
+              </p:cNvSpPr>
+              <p:nvPr/>
+            </p:nvSpPr>
+            <p:spPr bwMode="auto">
+              <a:xfrm flipH="1">
+                <a:off x="1104" y="2448"/>
+                <a:ext cx="96" cy="288"/>
+              </a:xfrm>
+              <a:prstGeom prst="line">
+                <a:avLst/>
+              </a:prstGeom>
+              <a:noFill/>
+              <a:ln w="19050">
+                <a:solidFill>
+                  <a:schemeClr val="tx1"/>
+                </a:solidFill>
+                <a:round/>
+                <a:headEnd/>
+                <a:tailEnd/>
+              </a:ln>
+              <a:extLst>
+                <a:ext uri="{909E8E84-426E-40DD-AFC4-6F175D3DCCD1}">
+                  <a14:hiddenFill xmlns:a14="http://schemas.microsoft.com/office/drawing/2010/main">
+                    <a:noFill/>
+                  </a14:hiddenFill>
+                </a:ext>
+              </a:extLst>
+            </p:spPr>
+            <p:txBody>
+              <a:bodyPr wrap="none" lIns="90000" tIns="46800" rIns="90000" bIns="46800">
+                <a:spAutoFit/>
+              </a:bodyPr>
+              <a:lstStyle/>
+              <a:p>
+                <a:endParaRPr lang="en-US"/>
+              </a:p>
+            </p:txBody>
+          </p:sp>
+          <p:sp>
+            <p:nvSpPr>
+              <p:cNvPr id="51234" name="Line 26">
+                <a:extLst>
+                  <a:ext uri="{FF2B5EF4-FFF2-40B4-BE49-F238E27FC236}">
+                    <a16:creationId xmlns:a16="http://schemas.microsoft.com/office/drawing/2014/main" id="{37175569-137C-A54E-98E9-83294B0028E9}"/>
+                  </a:ext>
+                </a:extLst>
+              </p:cNvPr>
+              <p:cNvSpPr>
+                <a:spLocks noChangeShapeType="1"/>
+              </p:cNvSpPr>
+              <p:nvPr/>
+            </p:nvSpPr>
+            <p:spPr bwMode="auto">
+              <a:xfrm>
+                <a:off x="1207" y="2454"/>
+                <a:ext cx="89" cy="330"/>
+              </a:xfrm>
+              <a:prstGeom prst="line">
+                <a:avLst/>
+              </a:prstGeom>
+              <a:noFill/>
+              <a:ln w="19050">
+                <a:solidFill>
+                  <a:schemeClr val="tx1"/>
+                </a:solidFill>
+                <a:round/>
+                <a:headEnd/>
+                <a:tailEnd/>
+              </a:ln>
+              <a:extLst>
+                <a:ext uri="{909E8E84-426E-40DD-AFC4-6F175D3DCCD1}">
+                  <a14:hiddenFill xmlns:a14="http://schemas.microsoft.com/office/drawing/2010/main">
+                    <a:noFill/>
+                  </a14:hiddenFill>
+                </a:ext>
+              </a:extLst>
+            </p:spPr>
+            <p:txBody>
+              <a:bodyPr lIns="90000" tIns="46800" rIns="90000" bIns="46800">
+                <a:spAutoFit/>
+              </a:bodyPr>
+              <a:lstStyle/>
+              <a:p>
+                <a:endParaRPr lang="en-US"/>
+              </a:p>
+            </p:txBody>
+          </p:sp>
+        </p:grpSp>
+        <p:grpSp>
+          <p:nvGrpSpPr>
+            <p:cNvPr id="51221" name="Group 27">
+              <a:extLst>
+                <a:ext uri="{FF2B5EF4-FFF2-40B4-BE49-F238E27FC236}">
+                  <a16:creationId xmlns:a16="http://schemas.microsoft.com/office/drawing/2014/main" id="{A7773DA4-BD70-B548-B7ED-9483D711A002}"/>
+                </a:ext>
+              </a:extLst>
+            </p:cNvPr>
+            <p:cNvGrpSpPr>
+              <a:grpSpLocks/>
+            </p:cNvGrpSpPr>
+            <p:nvPr/>
+          </p:nvGrpSpPr>
+          <p:grpSpPr bwMode="auto">
+            <a:xfrm>
+              <a:off x="2544" y="2448"/>
+              <a:ext cx="192" cy="336"/>
+              <a:chOff x="1104" y="2448"/>
+              <a:chExt cx="192" cy="336"/>
+            </a:xfrm>
+          </p:grpSpPr>
+          <p:sp>
+            <p:nvSpPr>
+              <p:cNvPr id="51231" name="Line 28">
+                <a:extLst>
+                  <a:ext uri="{FF2B5EF4-FFF2-40B4-BE49-F238E27FC236}">
+                    <a16:creationId xmlns:a16="http://schemas.microsoft.com/office/drawing/2014/main" id="{24D47B36-FA56-0E42-8C3A-0AA0752A0E58}"/>
+                  </a:ext>
+                </a:extLst>
+              </p:cNvPr>
+              <p:cNvSpPr>
+                <a:spLocks noChangeShapeType="1"/>
+              </p:cNvSpPr>
+              <p:nvPr/>
+            </p:nvSpPr>
+            <p:spPr bwMode="auto">
+              <a:xfrm flipH="1">
+                <a:off x="1104" y="2448"/>
+                <a:ext cx="96" cy="288"/>
+              </a:xfrm>
+              <a:prstGeom prst="line">
+                <a:avLst/>
+              </a:prstGeom>
+              <a:noFill/>
+              <a:ln w="19050">
+                <a:solidFill>
+                  <a:schemeClr val="tx1"/>
+                </a:solidFill>
+                <a:round/>
+                <a:headEnd/>
+                <a:tailEnd/>
+              </a:ln>
+              <a:extLst>
+                <a:ext uri="{909E8E84-426E-40DD-AFC4-6F175D3DCCD1}">
+                  <a14:hiddenFill xmlns:a14="http://schemas.microsoft.com/office/drawing/2010/main">
+                    <a:noFill/>
+                  </a14:hiddenFill>
+                </a:ext>
+              </a:extLst>
+            </p:spPr>
+            <p:txBody>
+              <a:bodyPr wrap="none" lIns="90000" tIns="46800" rIns="90000" bIns="46800">
+                <a:spAutoFit/>
+              </a:bodyPr>
+              <a:lstStyle/>
+              <a:p>
+                <a:endParaRPr lang="en-US"/>
+              </a:p>
+            </p:txBody>
+          </p:sp>
+          <p:sp>
+            <p:nvSpPr>
+              <p:cNvPr id="51232" name="Line 29">
+                <a:extLst>
+                  <a:ext uri="{FF2B5EF4-FFF2-40B4-BE49-F238E27FC236}">
+                    <a16:creationId xmlns:a16="http://schemas.microsoft.com/office/drawing/2014/main" id="{73BD370B-30AF-6D4F-BDDC-CF4FB76DF228}"/>
+                  </a:ext>
+                </a:extLst>
+              </p:cNvPr>
+              <p:cNvSpPr>
+                <a:spLocks noChangeShapeType="1"/>
+              </p:cNvSpPr>
+              <p:nvPr/>
+            </p:nvSpPr>
+            <p:spPr bwMode="auto">
+              <a:xfrm>
+                <a:off x="1207" y="2454"/>
+                <a:ext cx="89" cy="330"/>
+              </a:xfrm>
+              <a:prstGeom prst="line">
+                <a:avLst/>
+              </a:prstGeom>
+              <a:noFill/>
+              <a:ln w="19050">
+                <a:solidFill>
+                  <a:schemeClr val="tx1"/>
+                </a:solidFill>
+                <a:round/>
+                <a:headEnd/>
+                <a:tailEnd/>
+              </a:ln>
+              <a:extLst>
+                <a:ext uri="{909E8E84-426E-40DD-AFC4-6F175D3DCCD1}">
+                  <a14:hiddenFill xmlns:a14="http://schemas.microsoft.com/office/drawing/2010/main">
+                    <a:noFill/>
+                  </a14:hiddenFill>
+                </a:ext>
+              </a:extLst>
+            </p:spPr>
+            <p:txBody>
+              <a:bodyPr lIns="90000" tIns="46800" rIns="90000" bIns="46800">
+                <a:spAutoFit/>
+              </a:bodyPr>
+              <a:lstStyle/>
+              <a:p>
+                <a:endParaRPr lang="en-US"/>
+              </a:p>
+            </p:txBody>
+          </p:sp>
+        </p:grpSp>
+        <p:grpSp>
+          <p:nvGrpSpPr>
+            <p:cNvPr id="51222" name="Group 30">
+              <a:extLst>
+                <a:ext uri="{FF2B5EF4-FFF2-40B4-BE49-F238E27FC236}">
+                  <a16:creationId xmlns:a16="http://schemas.microsoft.com/office/drawing/2014/main" id="{0E16CC35-F321-8E40-BEC6-AD37AC2ED863}"/>
+                </a:ext>
+              </a:extLst>
+            </p:cNvPr>
+            <p:cNvGrpSpPr>
+              <a:grpSpLocks/>
+            </p:cNvGrpSpPr>
+            <p:nvPr/>
+          </p:nvGrpSpPr>
+          <p:grpSpPr bwMode="auto">
+            <a:xfrm>
+              <a:off x="3264" y="2448"/>
+              <a:ext cx="192" cy="336"/>
+              <a:chOff x="1104" y="2448"/>
+              <a:chExt cx="192" cy="336"/>
+            </a:xfrm>
+          </p:grpSpPr>
+          <p:sp>
+            <p:nvSpPr>
+              <p:cNvPr id="51229" name="Line 31">
+                <a:extLst>
+                  <a:ext uri="{FF2B5EF4-FFF2-40B4-BE49-F238E27FC236}">
+                    <a16:creationId xmlns:a16="http://schemas.microsoft.com/office/drawing/2014/main" id="{4070A0B0-7090-ED4C-B6E4-F43A64ACE03D}"/>
+                  </a:ext>
+                </a:extLst>
+              </p:cNvPr>
+              <p:cNvSpPr>
+                <a:spLocks noChangeShapeType="1"/>
+              </p:cNvSpPr>
+              <p:nvPr/>
+            </p:nvSpPr>
+            <p:spPr bwMode="auto">
+              <a:xfrm flipH="1">
+                <a:off x="1104" y="2448"/>
+                <a:ext cx="96" cy="288"/>
+              </a:xfrm>
+              <a:prstGeom prst="line">
+                <a:avLst/>
+              </a:prstGeom>
+              <a:noFill/>
+              <a:ln w="19050">
+                <a:solidFill>
+                  <a:schemeClr val="tx1"/>
+                </a:solidFill>
+                <a:round/>
+                <a:headEnd/>
+                <a:tailEnd/>
+              </a:ln>
+              <a:extLst>
+                <a:ext uri="{909E8E84-426E-40DD-AFC4-6F175D3DCCD1}">
+                  <a14:hiddenFill xmlns:a14="http://schemas.microsoft.com/office/drawing/2010/main">
+                    <a:noFill/>
+                  </a14:hiddenFill>
+                </a:ext>
+              </a:extLst>
+            </p:spPr>
+            <p:txBody>
+              <a:bodyPr wrap="none" lIns="90000" tIns="46800" rIns="90000" bIns="46800">
+                <a:spAutoFit/>
+              </a:bodyPr>
+              <a:lstStyle/>
+              <a:p>
+                <a:endParaRPr lang="en-US"/>
+              </a:p>
+            </p:txBody>
+          </p:sp>
+          <p:sp>
+            <p:nvSpPr>
+              <p:cNvPr id="51230" name="Line 32">
+                <a:extLst>
+                  <a:ext uri="{FF2B5EF4-FFF2-40B4-BE49-F238E27FC236}">
+                    <a16:creationId xmlns:a16="http://schemas.microsoft.com/office/drawing/2014/main" id="{C1D561D5-05BF-4D4C-898D-A7100E7AD78D}"/>
+                  </a:ext>
+                </a:extLst>
+              </p:cNvPr>
+              <p:cNvSpPr>
+                <a:spLocks noChangeShapeType="1"/>
+              </p:cNvSpPr>
+              <p:nvPr/>
+            </p:nvSpPr>
+            <p:spPr bwMode="auto">
+              <a:xfrm>
+                <a:off x="1207" y="2454"/>
+                <a:ext cx="89" cy="330"/>
+              </a:xfrm>
+              <a:prstGeom prst="line">
+                <a:avLst/>
+              </a:prstGeom>
+              <a:noFill/>
+              <a:ln w="19050">
+                <a:solidFill>
+                  <a:schemeClr val="tx1"/>
+                </a:solidFill>
+                <a:round/>
+                <a:headEnd/>
+                <a:tailEnd/>
+              </a:ln>
+              <a:extLst>
+                <a:ext uri="{909E8E84-426E-40DD-AFC4-6F175D3DCCD1}">
+                  <a14:hiddenFill xmlns:a14="http://schemas.microsoft.com/office/drawing/2010/main">
+                    <a:noFill/>
+                  </a14:hiddenFill>
+                </a:ext>
+              </a:extLst>
+            </p:spPr>
+            <p:txBody>
+              <a:bodyPr lIns="90000" tIns="46800" rIns="90000" bIns="46800">
+                <a:spAutoFit/>
+              </a:bodyPr>
+              <a:lstStyle/>
+              <a:p>
+                <a:endParaRPr lang="en-US"/>
+              </a:p>
+            </p:txBody>
+          </p:sp>
+        </p:grpSp>
+        <p:grpSp>
+          <p:nvGrpSpPr>
+            <p:cNvPr id="51223" name="Group 33">
+              <a:extLst>
+                <a:ext uri="{FF2B5EF4-FFF2-40B4-BE49-F238E27FC236}">
+                  <a16:creationId xmlns:a16="http://schemas.microsoft.com/office/drawing/2014/main" id="{273B81B2-993C-5240-A69B-7ED81BB1A240}"/>
+                </a:ext>
+              </a:extLst>
+            </p:cNvPr>
+            <p:cNvGrpSpPr>
+              <a:grpSpLocks/>
+            </p:cNvGrpSpPr>
+            <p:nvPr/>
+          </p:nvGrpSpPr>
+          <p:grpSpPr bwMode="auto">
+            <a:xfrm>
+              <a:off x="3648" y="2448"/>
+              <a:ext cx="192" cy="336"/>
+              <a:chOff x="1104" y="2448"/>
+              <a:chExt cx="192" cy="336"/>
+            </a:xfrm>
+          </p:grpSpPr>
+          <p:sp>
+            <p:nvSpPr>
+              <p:cNvPr id="51227" name="Line 34">
+                <a:extLst>
+                  <a:ext uri="{FF2B5EF4-FFF2-40B4-BE49-F238E27FC236}">
+                    <a16:creationId xmlns:a16="http://schemas.microsoft.com/office/drawing/2014/main" id="{D46C1221-A8B2-B94C-922C-025F8E4CCC1B}"/>
+                  </a:ext>
+                </a:extLst>
+              </p:cNvPr>
+              <p:cNvSpPr>
+                <a:spLocks noChangeShapeType="1"/>
+              </p:cNvSpPr>
+              <p:nvPr/>
+            </p:nvSpPr>
+            <p:spPr bwMode="auto">
+              <a:xfrm flipH="1">
+                <a:off x="1104" y="2448"/>
+                <a:ext cx="96" cy="288"/>
+              </a:xfrm>
+              <a:prstGeom prst="line">
+                <a:avLst/>
+              </a:prstGeom>
+              <a:noFill/>
+              <a:ln w="19050">
+                <a:solidFill>
+                  <a:schemeClr val="tx1"/>
+                </a:solidFill>
+                <a:round/>
+                <a:headEnd/>
+                <a:tailEnd/>
+              </a:ln>
+              <a:extLst>
+                <a:ext uri="{909E8E84-426E-40DD-AFC4-6F175D3DCCD1}">
+                  <a14:hiddenFill xmlns:a14="http://schemas.microsoft.com/office/drawing/2010/main">
+                    <a:noFill/>
+                  </a14:hiddenFill>
+                </a:ext>
+              </a:extLst>
+            </p:spPr>
+            <p:txBody>
+              <a:bodyPr wrap="none" lIns="90000" tIns="46800" rIns="90000" bIns="46800">
+                <a:spAutoFit/>
+              </a:bodyPr>
+              <a:lstStyle/>
+              <a:p>
+                <a:endParaRPr lang="en-US"/>
+              </a:p>
+            </p:txBody>
+          </p:sp>
+          <p:sp>
+            <p:nvSpPr>
+              <p:cNvPr id="51228" name="Line 35">
+                <a:extLst>
+                  <a:ext uri="{FF2B5EF4-FFF2-40B4-BE49-F238E27FC236}">
+                    <a16:creationId xmlns:a16="http://schemas.microsoft.com/office/drawing/2014/main" id="{29305176-7971-234B-B3C1-803A2FF3FF88}"/>
+                  </a:ext>
+                </a:extLst>
+              </p:cNvPr>
+              <p:cNvSpPr>
+                <a:spLocks noChangeShapeType="1"/>
+              </p:cNvSpPr>
+              <p:nvPr/>
+            </p:nvSpPr>
+            <p:spPr bwMode="auto">
+              <a:xfrm>
+                <a:off x="1207" y="2454"/>
+                <a:ext cx="89" cy="330"/>
+              </a:xfrm>
+              <a:prstGeom prst="line">
+                <a:avLst/>
+              </a:prstGeom>
+              <a:noFill/>
+              <a:ln w="19050">
+                <a:solidFill>
+                  <a:schemeClr val="tx1"/>
+                </a:solidFill>
+                <a:round/>
+                <a:headEnd/>
+                <a:tailEnd/>
+              </a:ln>
+              <a:extLst>
+                <a:ext uri="{909E8E84-426E-40DD-AFC4-6F175D3DCCD1}">
+                  <a14:hiddenFill xmlns:a14="http://schemas.microsoft.com/office/drawing/2010/main">
+                    <a:noFill/>
+                  </a14:hiddenFill>
+                </a:ext>
+              </a:extLst>
+            </p:spPr>
+            <p:txBody>
+              <a:bodyPr lIns="90000" tIns="46800" rIns="90000" bIns="46800">
+                <a:spAutoFit/>
+              </a:bodyPr>
+              <a:lstStyle/>
+              <a:p>
+                <a:endParaRPr lang="en-US"/>
+              </a:p>
+            </p:txBody>
+          </p:sp>
+        </p:grpSp>
+        <p:grpSp>
+          <p:nvGrpSpPr>
+            <p:cNvPr id="51224" name="Group 36">
+              <a:extLst>
+                <a:ext uri="{FF2B5EF4-FFF2-40B4-BE49-F238E27FC236}">
+                  <a16:creationId xmlns:a16="http://schemas.microsoft.com/office/drawing/2014/main" id="{A9F47EE1-49D7-FC4A-BB78-A393670193E7}"/>
+                </a:ext>
+              </a:extLst>
+            </p:cNvPr>
+            <p:cNvGrpSpPr>
+              <a:grpSpLocks/>
+            </p:cNvGrpSpPr>
+            <p:nvPr/>
+          </p:nvGrpSpPr>
+          <p:grpSpPr bwMode="auto">
+            <a:xfrm>
+              <a:off x="4224" y="2448"/>
+              <a:ext cx="192" cy="336"/>
+              <a:chOff x="1104" y="2448"/>
+              <a:chExt cx="192" cy="336"/>
+            </a:xfrm>
+          </p:grpSpPr>
+          <p:sp>
+            <p:nvSpPr>
+              <p:cNvPr id="51225" name="Line 37">
+                <a:extLst>
+                  <a:ext uri="{FF2B5EF4-FFF2-40B4-BE49-F238E27FC236}">
+                    <a16:creationId xmlns:a16="http://schemas.microsoft.com/office/drawing/2014/main" id="{A90D52D1-CBE8-994D-BB2E-08CE02EB67B9}"/>
+                  </a:ext>
+                </a:extLst>
+              </p:cNvPr>
+              <p:cNvSpPr>
+                <a:spLocks noChangeShapeType="1"/>
+              </p:cNvSpPr>
+              <p:nvPr/>
+            </p:nvSpPr>
+            <p:spPr bwMode="auto">
+              <a:xfrm flipH="1">
+                <a:off x="1104" y="2448"/>
+                <a:ext cx="96" cy="288"/>
+              </a:xfrm>
+              <a:prstGeom prst="line">
+                <a:avLst/>
+              </a:prstGeom>
+              <a:noFill/>
+              <a:ln w="19050">
+                <a:solidFill>
+                  <a:schemeClr val="tx1"/>
+                </a:solidFill>
+                <a:round/>
+                <a:headEnd/>
+                <a:tailEnd/>
+              </a:ln>
+              <a:extLst>
+                <a:ext uri="{909E8E84-426E-40DD-AFC4-6F175D3DCCD1}">
+                  <a14:hiddenFill xmlns:a14="http://schemas.microsoft.com/office/drawing/2010/main">
+                    <a:noFill/>
+                  </a14:hiddenFill>
+                </a:ext>
+              </a:extLst>
+            </p:spPr>
+            <p:txBody>
+              <a:bodyPr wrap="none" lIns="90000" tIns="46800" rIns="90000" bIns="46800">
+                <a:spAutoFit/>
+              </a:bodyPr>
+              <a:lstStyle/>
+              <a:p>
+                <a:endParaRPr lang="en-US"/>
+              </a:p>
+            </p:txBody>
+          </p:sp>
+          <p:sp>
+            <p:nvSpPr>
+              <p:cNvPr id="51226" name="Line 38">
+                <a:extLst>
+                  <a:ext uri="{FF2B5EF4-FFF2-40B4-BE49-F238E27FC236}">
+                    <a16:creationId xmlns:a16="http://schemas.microsoft.com/office/drawing/2014/main" id="{CE5215F9-55DF-5541-8194-96BDD851E1E5}"/>
+                  </a:ext>
+                </a:extLst>
+              </p:cNvPr>
+              <p:cNvSpPr>
+                <a:spLocks noChangeShapeType="1"/>
+              </p:cNvSpPr>
+              <p:nvPr/>
+            </p:nvSpPr>
+            <p:spPr bwMode="auto">
+              <a:xfrm>
+                <a:off x="1207" y="2454"/>
+                <a:ext cx="89" cy="330"/>
+              </a:xfrm>
+              <a:prstGeom prst="line">
+                <a:avLst/>
+              </a:prstGeom>
+              <a:noFill/>
+              <a:ln w="19050">
+                <a:solidFill>
+                  <a:schemeClr val="tx1"/>
+                </a:solidFill>
+                <a:round/>
+                <a:headEnd/>
+                <a:tailEnd/>
+              </a:ln>
+              <a:extLst>
+                <a:ext uri="{909E8E84-426E-40DD-AFC4-6F175D3DCCD1}">
+                  <a14:hiddenFill xmlns:a14="http://schemas.microsoft.com/office/drawing/2010/main">
+                    <a:noFill/>
+                  </a14:hiddenFill>
+                </a:ext>
+              </a:extLst>
+            </p:spPr>
+            <p:txBody>
+              <a:bodyPr lIns="90000" tIns="46800" rIns="90000" bIns="46800">
+                <a:spAutoFit/>
+              </a:bodyPr>
+              <a:lstStyle/>
+              <a:p>
+                <a:endParaRPr lang="en-US"/>
+              </a:p>
+            </p:txBody>
+          </p:sp>
+        </p:grpSp>
+      </p:grpSp>
+      <p:sp>
+        <p:nvSpPr>
+          <p:cNvPr id="51204" name="TextBox 38">
+            <a:extLst>
+              <a:ext uri="{FF2B5EF4-FFF2-40B4-BE49-F238E27FC236}">
+                <a16:creationId xmlns:a16="http://schemas.microsoft.com/office/drawing/2014/main" id="{4FEA5EE3-70B4-2743-8A75-56B844EA5715}"/>
+              </a:ext>
+            </a:extLst>
+          </p:cNvPr>
+          <p:cNvSpPr txBox="1">
+            <a:spLocks noChangeArrowheads="1"/>
+          </p:cNvSpPr>
+          <p:nvPr/>
+        </p:nvSpPr>
+        <p:spPr bwMode="auto">
+          <a:xfrm>
+            <a:off x="9144000" y="0"/>
+            <a:ext cx="844550" cy="338138"/>
+          </a:xfrm>
+          <a:prstGeom prst="rect">
+            <a:avLst/>
+          </a:prstGeom>
+          <a:noFill/>
+          <a:ln>
+            <a:noFill/>
+          </a:ln>
+          <a:extLst>
+            <a:ext uri="{909E8E84-426E-40DD-AFC4-6F175D3DCCD1}">
+              <a14:hiddenFill xmlns:a14="http://schemas.microsoft.com/office/drawing/2010/main">
+                <a:solidFill>
+                  <a:srgbClr val="FFFFFF"/>
+                </a:solidFill>
+              </a14:hiddenFill>
+            </a:ext>
+            <a:ext uri="{91240B29-F687-4F45-9708-019B960494DF}">
+              <a14:hiddenLine xmlns:a14="http://schemas.microsoft.com/office/drawing/2010/main" w="9525">
+                <a:solidFill>
+                  <a:srgbClr val="000000"/>
+                </a:solidFill>
+                <a:miter lim="800000"/>
+                <a:headEnd/>
+                <a:tailEnd/>
+              </a14:hiddenLine>
+            </a:ext>
+          </a:extLst>
+        </p:spPr>
+        <p:txBody>
+          <a:bodyPr wrap="none" anchor="ctr">
+            <a:spAutoFit/>
+          </a:bodyPr>
+          <a:lstStyle>
+            <a:lvl1pPr eaLnBrk="0" hangingPunct="0">
+              <a:defRPr sz="2400">
+                <a:solidFill>
+                  <a:schemeClr val="tx1"/>
+                </a:solidFill>
+                <a:latin typeface="Lucida Sans" panose="020B0602030504020204" pitchFamily="34" charset="77"/>
+                <a:ea typeface="ＭＳ Ｐゴシック" panose="020B0600070205080204" pitchFamily="34" charset="-128"/>
+              </a:defRPr>
+            </a:lvl1pPr>
+            <a:lvl2pPr marL="742950" indent="-285750" eaLnBrk="0" hangingPunct="0">
+              <a:defRPr sz="2400">
+                <a:solidFill>
+                  <a:schemeClr val="tx1"/>
+                </a:solidFill>
+                <a:latin typeface="Lucida Sans" panose="020B0602030504020204" pitchFamily="34" charset="77"/>
+                <a:ea typeface="ＭＳ Ｐゴシック" panose="020B0600070205080204" pitchFamily="34" charset="-128"/>
+              </a:defRPr>
+            </a:lvl2pPr>
+            <a:lvl3pPr marL="1143000" indent="-228600" eaLnBrk="0" hangingPunct="0">
+              <a:defRPr sz="2400">
+                <a:solidFill>
+                  <a:schemeClr val="tx1"/>
+                </a:solidFill>
+                <a:latin typeface="Lucida Sans" panose="020B0602030504020204" pitchFamily="34" charset="77"/>
+                <a:ea typeface="ＭＳ Ｐゴシック" panose="020B0600070205080204" pitchFamily="34" charset="-128"/>
+              </a:defRPr>
+            </a:lvl3pPr>
+            <a:lvl4pPr marL="1600200" indent="-228600" eaLnBrk="0" hangingPunct="0">
+              <a:defRPr sz="2400">
+                <a:solidFill>
+                  <a:schemeClr val="tx1"/>
+                </a:solidFill>
+                <a:latin typeface="Lucida Sans" panose="020B0602030504020204" pitchFamily="34" charset="77"/>
+                <a:ea typeface="ＭＳ Ｐゴシック" panose="020B0600070205080204" pitchFamily="34" charset="-128"/>
+              </a:defRPr>
+            </a:lvl4pPr>
+            <a:lvl5pPr marL="2057400" indent="-228600" eaLnBrk="0" hangingPunct="0">
+              <a:defRPr sz="2400">
+                <a:solidFill>
+                  <a:schemeClr val="tx1"/>
+                </a:solidFill>
+                <a:latin typeface="Lucida Sans" panose="020B0602030504020204" pitchFamily="34" charset="77"/>
+                <a:ea typeface="ＭＳ Ｐゴシック" panose="020B0600070205080204" pitchFamily="34" charset="-128"/>
+              </a:defRPr>
+            </a:lvl5pPr>
+            <a:lvl6pPr marL="2514600" indent="-228600" eaLnBrk="0" fontAlgn="base" hangingPunct="0">
+              <a:spcBef>
+                <a:spcPct val="0"/>
+              </a:spcBef>
+              <a:spcAft>
+                <a:spcPct val="0"/>
+              </a:spcAft>
+              <a:defRPr sz="2400">
+                <a:solidFill>
+                  <a:schemeClr val="tx1"/>
+                </a:solidFill>
+                <a:latin typeface="Lucida Sans" panose="020B0602030504020204" pitchFamily="34" charset="77"/>
+                <a:ea typeface="ＭＳ Ｐゴシック" panose="020B0600070205080204" pitchFamily="34" charset="-128"/>
+              </a:defRPr>
+            </a:lvl6pPr>
+            <a:lvl7pPr marL="2971800" indent="-228600" eaLnBrk="0" fontAlgn="base" hangingPunct="0">
+              <a:spcBef>
+                <a:spcPct val="0"/>
+              </a:spcBef>
+              <a:spcAft>
+                <a:spcPct val="0"/>
+              </a:spcAft>
+              <a:defRPr sz="2400">
+                <a:solidFill>
+                  <a:schemeClr val="tx1"/>
+                </a:solidFill>
+                <a:latin typeface="Lucida Sans" panose="020B0602030504020204" pitchFamily="34" charset="77"/>
+                <a:ea typeface="ＭＳ Ｐゴシック" panose="020B0600070205080204" pitchFamily="34" charset="-128"/>
+              </a:defRPr>
+            </a:lvl7pPr>
+            <a:lvl8pPr marL="3429000" indent="-228600" eaLnBrk="0" fontAlgn="base" hangingPunct="0">
+              <a:spcBef>
+                <a:spcPct val="0"/>
+              </a:spcBef>
+              <a:spcAft>
+                <a:spcPct val="0"/>
+              </a:spcAft>
+              <a:defRPr sz="2400">
+                <a:solidFill>
+                  <a:schemeClr val="tx1"/>
+                </a:solidFill>
+                <a:latin typeface="Lucida Sans" panose="020B0602030504020204" pitchFamily="34" charset="77"/>
+                <a:ea typeface="ＭＳ Ｐゴシック" panose="020B0600070205080204" pitchFamily="34" charset="-128"/>
+              </a:defRPr>
+            </a:lvl8pPr>
+            <a:lvl9pPr marL="3886200" indent="-228600" eaLnBrk="0" fontAlgn="base" hangingPunct="0">
+              <a:spcBef>
+                <a:spcPct val="0"/>
+              </a:spcBef>
+              <a:spcAft>
+                <a:spcPct val="0"/>
+              </a:spcAft>
+              <a:defRPr sz="2400">
+                <a:solidFill>
+                  <a:schemeClr val="tx1"/>
+                </a:solidFill>
+                <a:latin typeface="Lucida Sans" panose="020B0602030504020204" pitchFamily="34" charset="77"/>
+                <a:ea typeface="ＭＳ Ｐゴシック" panose="020B0600070205080204" pitchFamily="34" charset="-128"/>
+              </a:defRPr>
+            </a:lvl9pPr>
+          </a:lstStyle>
+          <a:p>
+            <a:pPr eaLnBrk="1" hangingPunct="1"/>
+            <a:r>
+              <a:rPr lang="en-US" altLang="en-US" sz="1600">
+                <a:solidFill>
+                  <a:srgbClr val="FBFCFF"/>
+                </a:solidFill>
+              </a:rPr>
+              <a:t>Ch. 17</a:t>
+            </a:r>
+          </a:p>
+        </p:txBody>
+      </p:sp>
+    </p:spTree>
+    <p:extLst>
+      <p:ext uri="{BB962C8B-B14F-4D97-AF65-F5344CB8AC3E}">
+        <p14:creationId xmlns:p14="http://schemas.microsoft.com/office/powerpoint/2010/main" val="3977661006"/>
+      </p:ext>
+    </p:extLst>
+  </p:cSld>
+  <p:clrMapOvr>
+    <a:masterClrMapping/>
+  </p:clrMapOvr>
+</p:sld>
+</file>
+
+<file path=ppt/slides/slide17.xml><?xml version="1.0" encoding="utf-8"?>
+<p:sld xmlns:a="http://schemas.openxmlformats.org/drawingml/2006/main" xmlns:r="http://schemas.openxmlformats.org/officeDocument/2006/relationships" xmlns:p="http://schemas.openxmlformats.org/presentationml/2006/main">
+  <p:cSld>
+    <p:spTree>
+      <p:nvGrpSpPr>
+        <p:cNvPr id="1" name=""/>
+        <p:cNvGrpSpPr/>
+        <p:nvPr/>
+      </p:nvGrpSpPr>
+      <p:grpSpPr>
+        <a:xfrm>
+          <a:off x="0" y="0"/>
+          <a:ext cx="0" cy="0"/>
+          <a:chOff x="0" y="0"/>
+          <a:chExt cx="0" cy="0"/>
+        </a:xfrm>
+      </p:grpSpPr>
+      <p:sp>
+        <p:nvSpPr>
+          <p:cNvPr id="52225" name="Title 1">
+            <a:extLst>
+              <a:ext uri="{FF2B5EF4-FFF2-40B4-BE49-F238E27FC236}">
+                <a16:creationId xmlns:a16="http://schemas.microsoft.com/office/drawing/2014/main" id="{2CA19DE3-8A86-8542-9D9F-AA88A854128B}"/>
+              </a:ext>
+            </a:extLst>
+          </p:cNvPr>
+          <p:cNvSpPr>
+            <a:spLocks noGrp="1"/>
+          </p:cNvSpPr>
+          <p:nvPr>
+            <p:ph type="title"/>
+          </p:nvPr>
+        </p:nvSpPr>
+        <p:spPr/>
+        <p:txBody>
+          <a:bodyPr/>
+          <a:lstStyle/>
+          <a:p>
+            <a:r>
+              <a:rPr lang="en-US" altLang="en-US" sz="3600" dirty="0">
+                <a:solidFill>
+                  <a:schemeClr val="tx2"/>
+                </a:solidFill>
+                <a:latin typeface="Tahoma" panose="020B0604030504040204" pitchFamily="34" charset="0"/>
+                <a:ea typeface="ＭＳ Ｐゴシック" panose="020B0600070205080204" pitchFamily="34" charset="-128"/>
+              </a:rPr>
+              <a:t>Hierarchical Clustering: Dendrogram</a:t>
+            </a:r>
+            <a:endParaRPr lang="en-US" altLang="en-US" sz="3600" dirty="0">
+              <a:ea typeface="ＭＳ Ｐゴシック" panose="020B0600070205080204" pitchFamily="34" charset="-128"/>
+            </a:endParaRPr>
+          </a:p>
+        </p:txBody>
+      </p:sp>
+      <p:sp>
+        <p:nvSpPr>
+          <p:cNvPr id="52227" name="Slide Number Placeholder 4">
+            <a:extLst>
+              <a:ext uri="{FF2B5EF4-FFF2-40B4-BE49-F238E27FC236}">
+                <a16:creationId xmlns:a16="http://schemas.microsoft.com/office/drawing/2014/main" id="{0BB82152-0CEF-C040-AE55-0555095D1DB8}"/>
+              </a:ext>
+            </a:extLst>
+          </p:cNvPr>
+          <p:cNvSpPr>
+            <a:spLocks noGrp="1"/>
+          </p:cNvSpPr>
+          <p:nvPr>
+            <p:ph type="sldNum" sz="quarter" idx="12"/>
+          </p:nvPr>
+        </p:nvSpPr>
+        <p:spPr bwMode="auto">
+          <a:noFill/>
+          <a:extLst>
+            <a:ext uri="{909E8E84-426E-40DD-AFC4-6F175D3DCCD1}">
+              <a14:hiddenFill xmlns:a14="http://schemas.microsoft.com/office/drawing/2010/main">
+                <a:solidFill>
+                  <a:srgbClr val="FFFFFF"/>
+                </a:solidFill>
+              </a14:hiddenFill>
+            </a:ext>
+            <a:ext uri="{91240B29-F687-4F45-9708-019B960494DF}">
+              <a14:hiddenLine xmlns:a14="http://schemas.microsoft.com/office/drawing/2010/main" w="9525">
+                <a:solidFill>
+                  <a:srgbClr val="000000"/>
+                </a:solidFill>
+                <a:miter lim="800000"/>
+                <a:headEnd/>
+                <a:tailEnd/>
+              </a14:hiddenLine>
+            </a:ext>
+          </a:extLst>
+        </p:spPr>
+        <p:txBody>
+          <a:bodyPr/>
+          <a:lstStyle>
+            <a:lvl1pPr eaLnBrk="0" hangingPunct="0">
+              <a:defRPr sz="2400">
+                <a:solidFill>
+                  <a:schemeClr val="tx1"/>
+                </a:solidFill>
+                <a:latin typeface="Lucida Sans" panose="020B0602030504020204" pitchFamily="34" charset="77"/>
+                <a:ea typeface="ＭＳ Ｐゴシック" panose="020B0600070205080204" pitchFamily="34" charset="-128"/>
+              </a:defRPr>
+            </a:lvl1pPr>
+            <a:lvl2pPr marL="742950" indent="-285750" eaLnBrk="0" hangingPunct="0">
+              <a:defRPr sz="2400">
+                <a:solidFill>
+                  <a:schemeClr val="tx1"/>
+                </a:solidFill>
+                <a:latin typeface="Lucida Sans" panose="020B0602030504020204" pitchFamily="34" charset="77"/>
+                <a:ea typeface="ＭＳ Ｐゴシック" panose="020B0600070205080204" pitchFamily="34" charset="-128"/>
+              </a:defRPr>
+            </a:lvl2pPr>
+            <a:lvl3pPr marL="1143000" indent="-228600" eaLnBrk="0" hangingPunct="0">
+              <a:defRPr sz="2400">
+                <a:solidFill>
+                  <a:schemeClr val="tx1"/>
+                </a:solidFill>
+                <a:latin typeface="Lucida Sans" panose="020B0602030504020204" pitchFamily="34" charset="77"/>
+                <a:ea typeface="ＭＳ Ｐゴシック" panose="020B0600070205080204" pitchFamily="34" charset="-128"/>
+              </a:defRPr>
+            </a:lvl3pPr>
+            <a:lvl4pPr marL="1600200" indent="-228600" eaLnBrk="0" hangingPunct="0">
+              <a:defRPr sz="2400">
+                <a:solidFill>
+                  <a:schemeClr val="tx1"/>
+                </a:solidFill>
+                <a:latin typeface="Lucida Sans" panose="020B0602030504020204" pitchFamily="34" charset="77"/>
+                <a:ea typeface="ＭＳ Ｐゴシック" panose="020B0600070205080204" pitchFamily="34" charset="-128"/>
+              </a:defRPr>
+            </a:lvl4pPr>
+            <a:lvl5pPr marL="2057400" indent="-228600" eaLnBrk="0" hangingPunct="0">
+              <a:defRPr sz="2400">
+                <a:solidFill>
+                  <a:schemeClr val="tx1"/>
+                </a:solidFill>
+                <a:latin typeface="Lucida Sans" panose="020B0602030504020204" pitchFamily="34" charset="77"/>
+                <a:ea typeface="ＭＳ Ｐゴシック" panose="020B0600070205080204" pitchFamily="34" charset="-128"/>
+              </a:defRPr>
+            </a:lvl5pPr>
+            <a:lvl6pPr marL="2514600" indent="-228600" eaLnBrk="0" fontAlgn="base" hangingPunct="0">
+              <a:spcBef>
+                <a:spcPct val="0"/>
+              </a:spcBef>
+              <a:spcAft>
+                <a:spcPct val="0"/>
+              </a:spcAft>
+              <a:defRPr sz="2400">
+                <a:solidFill>
+                  <a:schemeClr val="tx1"/>
+                </a:solidFill>
+                <a:latin typeface="Lucida Sans" panose="020B0602030504020204" pitchFamily="34" charset="77"/>
+                <a:ea typeface="ＭＳ Ｐゴシック" panose="020B0600070205080204" pitchFamily="34" charset="-128"/>
+              </a:defRPr>
+            </a:lvl6pPr>
+            <a:lvl7pPr marL="2971800" indent="-228600" eaLnBrk="0" fontAlgn="base" hangingPunct="0">
+              <a:spcBef>
+                <a:spcPct val="0"/>
+              </a:spcBef>
+              <a:spcAft>
+                <a:spcPct val="0"/>
+              </a:spcAft>
+              <a:defRPr sz="2400">
+                <a:solidFill>
+                  <a:schemeClr val="tx1"/>
+                </a:solidFill>
+                <a:latin typeface="Lucida Sans" panose="020B0602030504020204" pitchFamily="34" charset="77"/>
+                <a:ea typeface="ＭＳ Ｐゴシック" panose="020B0600070205080204" pitchFamily="34" charset="-128"/>
+              </a:defRPr>
+            </a:lvl7pPr>
+            <a:lvl8pPr marL="3429000" indent="-228600" eaLnBrk="0" fontAlgn="base" hangingPunct="0">
+              <a:spcBef>
+                <a:spcPct val="0"/>
+              </a:spcBef>
+              <a:spcAft>
+                <a:spcPct val="0"/>
+              </a:spcAft>
+              <a:defRPr sz="2400">
+                <a:solidFill>
+                  <a:schemeClr val="tx1"/>
+                </a:solidFill>
+                <a:latin typeface="Lucida Sans" panose="020B0602030504020204" pitchFamily="34" charset="77"/>
+                <a:ea typeface="ＭＳ Ｐゴシック" panose="020B0600070205080204" pitchFamily="34" charset="-128"/>
+              </a:defRPr>
+            </a:lvl8pPr>
+            <a:lvl9pPr marL="3886200" indent="-228600" eaLnBrk="0" fontAlgn="base" hangingPunct="0">
+              <a:spcBef>
+                <a:spcPct val="0"/>
+              </a:spcBef>
+              <a:spcAft>
+                <a:spcPct val="0"/>
+              </a:spcAft>
+              <a:defRPr sz="2400">
+                <a:solidFill>
+                  <a:schemeClr val="tx1"/>
+                </a:solidFill>
+                <a:latin typeface="Lucida Sans" panose="020B0602030504020204" pitchFamily="34" charset="77"/>
+                <a:ea typeface="ＭＳ Ｐゴシック" panose="020B0600070205080204" pitchFamily="34" charset="-128"/>
+              </a:defRPr>
+            </a:lvl9pPr>
+          </a:lstStyle>
+          <a:p>
+            <a:pPr eaLnBrk="1" hangingPunct="1"/>
+            <a:fld id="{E465DE73-0D06-514D-A294-EB220A3B9384}" type="slidenum">
+              <a:rPr lang="en-US" altLang="en-US" sz="1200">
+                <a:solidFill>
+                  <a:srgbClr val="898989"/>
+                </a:solidFill>
+                <a:latin typeface="Calibri" panose="020F0502020204030204" pitchFamily="34" charset="0"/>
+              </a:rPr>
+              <a:pPr eaLnBrk="1" hangingPunct="1"/>
+              <a:t>17</a:t>
+            </a:fld>
+            <a:endParaRPr lang="en-US" altLang="en-US" sz="1200">
+              <a:solidFill>
+                <a:srgbClr val="898989"/>
+              </a:solidFill>
+              <a:latin typeface="Calibri" panose="020F0502020204030204" pitchFamily="34" charset="0"/>
+            </a:endParaRPr>
+          </a:p>
+        </p:txBody>
+      </p:sp>
+      <p:grpSp>
+        <p:nvGrpSpPr>
+          <p:cNvPr id="2" name="Group 1">
+            <a:extLst>
+              <a:ext uri="{FF2B5EF4-FFF2-40B4-BE49-F238E27FC236}">
+                <a16:creationId xmlns:a16="http://schemas.microsoft.com/office/drawing/2014/main" id="{4BEB0F1A-98BF-6040-8881-C3AC94FA7204}"/>
+              </a:ext>
+            </a:extLst>
+          </p:cNvPr>
+          <p:cNvGrpSpPr/>
+          <p:nvPr/>
+        </p:nvGrpSpPr>
+        <p:grpSpPr>
+          <a:xfrm>
+            <a:off x="6324599" y="1534886"/>
+            <a:ext cx="4680857" cy="4408714"/>
+            <a:chOff x="6324600" y="2209800"/>
+            <a:chExt cx="3810000" cy="3733800"/>
+          </a:xfrm>
+        </p:grpSpPr>
+        <p:cxnSp>
+          <p:nvCxnSpPr>
+            <p:cNvPr id="41" name="Straight Connector 40">
+              <a:extLst>
+                <a:ext uri="{FF2B5EF4-FFF2-40B4-BE49-F238E27FC236}">
+                  <a16:creationId xmlns:a16="http://schemas.microsoft.com/office/drawing/2014/main" id="{C9CE8C9E-EE26-4947-AA2F-07E02334DE3E}"/>
+                </a:ext>
+              </a:extLst>
+            </p:cNvPr>
+            <p:cNvCxnSpPr>
+              <a:cxnSpLocks noChangeShapeType="1"/>
+            </p:cNvCxnSpPr>
+            <p:nvPr/>
+          </p:nvCxnSpPr>
+          <p:spPr bwMode="auto">
+            <a:xfrm>
+              <a:off x="6400800" y="5410200"/>
+              <a:ext cx="0" cy="381000"/>
+            </a:xfrm>
+            <a:prstGeom prst="line">
+              <a:avLst/>
+            </a:prstGeom>
+            <a:noFill/>
+            <a:ln w="25400">
+              <a:solidFill>
+                <a:schemeClr val="accent1"/>
+              </a:solidFill>
+              <a:round/>
+              <a:headEnd/>
+              <a:tailEnd/>
+            </a:ln>
+            <a:effectLst>
+              <a:outerShdw blurRad="40000" dist="20000" dir="5400000" rotWithShape="0">
+                <a:srgbClr val="808080">
+                  <a:alpha val="37999"/>
+                </a:srgbClr>
+              </a:outerShdw>
+            </a:effectLst>
+            <a:extLst>
+              <a:ext uri="{909E8E84-426E-40DD-AFC4-6F175D3DCCD1}">
+                <a14:hiddenFill xmlns:a14="http://schemas.microsoft.com/office/drawing/2010/main">
+                  <a:noFill/>
+                </a14:hiddenFill>
+              </a:ext>
+            </a:extLst>
+          </p:spPr>
+        </p:cxnSp>
+        <p:cxnSp>
+          <p:nvCxnSpPr>
+            <p:cNvPr id="42" name="Straight Connector 41">
+              <a:extLst>
+                <a:ext uri="{FF2B5EF4-FFF2-40B4-BE49-F238E27FC236}">
+                  <a16:creationId xmlns:a16="http://schemas.microsoft.com/office/drawing/2014/main" id="{8D746B7C-4F09-954B-8B7A-55A15E0EBC0C}"/>
+                </a:ext>
+              </a:extLst>
+            </p:cNvPr>
+            <p:cNvCxnSpPr>
+              <a:cxnSpLocks noChangeShapeType="1"/>
+            </p:cNvCxnSpPr>
+            <p:nvPr/>
+          </p:nvCxnSpPr>
+          <p:spPr bwMode="auto">
+            <a:xfrm>
+              <a:off x="6858000" y="5410200"/>
+              <a:ext cx="0" cy="381000"/>
+            </a:xfrm>
+            <a:prstGeom prst="line">
+              <a:avLst/>
+            </a:prstGeom>
+            <a:noFill/>
+            <a:ln w="25400">
+              <a:solidFill>
+                <a:schemeClr val="accent1"/>
+              </a:solidFill>
+              <a:round/>
+              <a:headEnd/>
+              <a:tailEnd/>
+            </a:ln>
+            <a:effectLst>
+              <a:outerShdw blurRad="40000" dist="20000" dir="5400000" rotWithShape="0">
+                <a:srgbClr val="808080">
+                  <a:alpha val="37999"/>
+                </a:srgbClr>
+              </a:outerShdw>
+            </a:effectLst>
+            <a:extLst>
+              <a:ext uri="{909E8E84-426E-40DD-AFC4-6F175D3DCCD1}">
+                <a14:hiddenFill xmlns:a14="http://schemas.microsoft.com/office/drawing/2010/main">
+                  <a:noFill/>
+                </a14:hiddenFill>
+              </a:ext>
+            </a:extLst>
+          </p:spPr>
+        </p:cxnSp>
+        <p:cxnSp>
+          <p:nvCxnSpPr>
+            <p:cNvPr id="43" name="Straight Connector 42">
+              <a:extLst>
+                <a:ext uri="{FF2B5EF4-FFF2-40B4-BE49-F238E27FC236}">
+                  <a16:creationId xmlns:a16="http://schemas.microsoft.com/office/drawing/2014/main" id="{574E055F-2C66-184D-90D1-EAF2ABFE3BAB}"/>
+                </a:ext>
+              </a:extLst>
+            </p:cNvPr>
+            <p:cNvCxnSpPr>
+              <a:cxnSpLocks noChangeShapeType="1"/>
+            </p:cNvCxnSpPr>
+            <p:nvPr/>
+          </p:nvCxnSpPr>
+          <p:spPr bwMode="auto">
+            <a:xfrm>
+              <a:off x="7315200" y="4572000"/>
+              <a:ext cx="0" cy="1219200"/>
+            </a:xfrm>
+            <a:prstGeom prst="line">
+              <a:avLst/>
+            </a:prstGeom>
+            <a:noFill/>
+            <a:ln w="25400">
+              <a:solidFill>
+                <a:schemeClr val="accent1"/>
+              </a:solidFill>
+              <a:round/>
+              <a:headEnd/>
+              <a:tailEnd/>
+            </a:ln>
+            <a:effectLst>
+              <a:outerShdw blurRad="40000" dist="20000" dir="5400000" rotWithShape="0">
+                <a:srgbClr val="808080">
+                  <a:alpha val="37999"/>
+                </a:srgbClr>
+              </a:outerShdw>
+            </a:effectLst>
+            <a:extLst>
+              <a:ext uri="{909E8E84-426E-40DD-AFC4-6F175D3DCCD1}">
+                <a14:hiddenFill xmlns:a14="http://schemas.microsoft.com/office/drawing/2010/main">
+                  <a:noFill/>
+                </a14:hiddenFill>
+              </a:ext>
+            </a:extLst>
+          </p:spPr>
+        </p:cxnSp>
+        <p:cxnSp>
+          <p:nvCxnSpPr>
+            <p:cNvPr id="44" name="Straight Connector 43">
+              <a:extLst>
+                <a:ext uri="{FF2B5EF4-FFF2-40B4-BE49-F238E27FC236}">
+                  <a16:creationId xmlns:a16="http://schemas.microsoft.com/office/drawing/2014/main" id="{2248B9E8-09F2-7C4A-B1F5-7675DA4298A9}"/>
+                </a:ext>
+              </a:extLst>
+            </p:cNvPr>
+            <p:cNvCxnSpPr>
+              <a:cxnSpLocks noChangeShapeType="1"/>
+            </p:cNvCxnSpPr>
+            <p:nvPr/>
+          </p:nvCxnSpPr>
+          <p:spPr bwMode="auto">
+            <a:xfrm>
+              <a:off x="7772400" y="5181600"/>
+              <a:ext cx="0" cy="609600"/>
+            </a:xfrm>
+            <a:prstGeom prst="line">
+              <a:avLst/>
+            </a:prstGeom>
+            <a:noFill/>
+            <a:ln w="25400">
+              <a:solidFill>
+                <a:schemeClr val="accent1"/>
+              </a:solidFill>
+              <a:round/>
+              <a:headEnd/>
+              <a:tailEnd/>
+            </a:ln>
+            <a:effectLst>
+              <a:outerShdw blurRad="40000" dist="20000" dir="5400000" rotWithShape="0">
+                <a:srgbClr val="808080">
+                  <a:alpha val="37999"/>
+                </a:srgbClr>
+              </a:outerShdw>
+            </a:effectLst>
+            <a:extLst>
+              <a:ext uri="{909E8E84-426E-40DD-AFC4-6F175D3DCCD1}">
+                <a14:hiddenFill xmlns:a14="http://schemas.microsoft.com/office/drawing/2010/main">
+                  <a:noFill/>
+                </a14:hiddenFill>
+              </a:ext>
+            </a:extLst>
+          </p:spPr>
+        </p:cxnSp>
+        <p:cxnSp>
+          <p:nvCxnSpPr>
+            <p:cNvPr id="45" name="Straight Connector 44">
+              <a:extLst>
+                <a:ext uri="{FF2B5EF4-FFF2-40B4-BE49-F238E27FC236}">
+                  <a16:creationId xmlns:a16="http://schemas.microsoft.com/office/drawing/2014/main" id="{D308200B-EB8B-C645-8C73-9DB924282AB8}"/>
+                </a:ext>
+              </a:extLst>
+            </p:cNvPr>
+            <p:cNvCxnSpPr>
+              <a:cxnSpLocks noChangeShapeType="1"/>
+            </p:cNvCxnSpPr>
+            <p:nvPr/>
+          </p:nvCxnSpPr>
+          <p:spPr bwMode="auto">
+            <a:xfrm>
+              <a:off x="8229600" y="5181600"/>
+              <a:ext cx="0" cy="609600"/>
+            </a:xfrm>
+            <a:prstGeom prst="line">
+              <a:avLst/>
+            </a:prstGeom>
+            <a:noFill/>
+            <a:ln w="25400">
+              <a:solidFill>
+                <a:schemeClr val="accent1"/>
+              </a:solidFill>
+              <a:round/>
+              <a:headEnd/>
+              <a:tailEnd/>
+            </a:ln>
+            <a:effectLst>
+              <a:outerShdw blurRad="40000" dist="20000" dir="5400000" rotWithShape="0">
+                <a:srgbClr val="808080">
+                  <a:alpha val="37999"/>
+                </a:srgbClr>
+              </a:outerShdw>
+            </a:effectLst>
+            <a:extLst>
+              <a:ext uri="{909E8E84-426E-40DD-AFC4-6F175D3DCCD1}">
+                <a14:hiddenFill xmlns:a14="http://schemas.microsoft.com/office/drawing/2010/main">
+                  <a:noFill/>
+                </a14:hiddenFill>
+              </a:ext>
+            </a:extLst>
+          </p:spPr>
+        </p:cxnSp>
+        <p:cxnSp>
+          <p:nvCxnSpPr>
+            <p:cNvPr id="46" name="Straight Connector 45">
+              <a:extLst>
+                <a:ext uri="{FF2B5EF4-FFF2-40B4-BE49-F238E27FC236}">
+                  <a16:creationId xmlns:a16="http://schemas.microsoft.com/office/drawing/2014/main" id="{D733748B-B709-E544-B97B-D970B846AB11}"/>
+                </a:ext>
+              </a:extLst>
+            </p:cNvPr>
+            <p:cNvCxnSpPr>
+              <a:cxnSpLocks noChangeShapeType="1"/>
+            </p:cNvCxnSpPr>
+            <p:nvPr/>
+          </p:nvCxnSpPr>
+          <p:spPr bwMode="auto">
+            <a:xfrm>
+              <a:off x="8686800" y="4267200"/>
+              <a:ext cx="0" cy="1524000"/>
+            </a:xfrm>
+            <a:prstGeom prst="line">
+              <a:avLst/>
+            </a:prstGeom>
+            <a:noFill/>
+            <a:ln w="25400">
+              <a:solidFill>
+                <a:schemeClr val="accent1"/>
+              </a:solidFill>
+              <a:round/>
+              <a:headEnd/>
+              <a:tailEnd/>
+            </a:ln>
+            <a:effectLst>
+              <a:outerShdw blurRad="40000" dist="20000" dir="5400000" rotWithShape="0">
+                <a:srgbClr val="808080">
+                  <a:alpha val="37999"/>
+                </a:srgbClr>
+              </a:outerShdw>
+            </a:effectLst>
+            <a:extLst>
+              <a:ext uri="{909E8E84-426E-40DD-AFC4-6F175D3DCCD1}">
+                <a14:hiddenFill xmlns:a14="http://schemas.microsoft.com/office/drawing/2010/main">
+                  <a:noFill/>
+                </a14:hiddenFill>
+              </a:ext>
+            </a:extLst>
+          </p:spPr>
+        </p:cxnSp>
+        <p:cxnSp>
+          <p:nvCxnSpPr>
+            <p:cNvPr id="47" name="Straight Connector 46">
+              <a:extLst>
+                <a:ext uri="{FF2B5EF4-FFF2-40B4-BE49-F238E27FC236}">
+                  <a16:creationId xmlns:a16="http://schemas.microsoft.com/office/drawing/2014/main" id="{8E49B706-5EC7-8942-9EE6-45DBAD8B253F}"/>
+                </a:ext>
+              </a:extLst>
+            </p:cNvPr>
+            <p:cNvCxnSpPr>
+              <a:cxnSpLocks noChangeShapeType="1"/>
+            </p:cNvCxnSpPr>
+            <p:nvPr/>
+          </p:nvCxnSpPr>
+          <p:spPr bwMode="auto">
+            <a:xfrm>
+              <a:off x="9144000" y="3733800"/>
+              <a:ext cx="0" cy="2057400"/>
+            </a:xfrm>
+            <a:prstGeom prst="line">
+              <a:avLst/>
+            </a:prstGeom>
+            <a:noFill/>
+            <a:ln w="25400">
+              <a:solidFill>
+                <a:schemeClr val="accent1"/>
+              </a:solidFill>
+              <a:round/>
+              <a:headEnd/>
+              <a:tailEnd/>
+            </a:ln>
+            <a:effectLst>
+              <a:outerShdw blurRad="40000" dist="20000" dir="5400000" rotWithShape="0">
+                <a:srgbClr val="808080">
+                  <a:alpha val="37999"/>
+                </a:srgbClr>
+              </a:outerShdw>
+            </a:effectLst>
+            <a:extLst>
+              <a:ext uri="{909E8E84-426E-40DD-AFC4-6F175D3DCCD1}">
+                <a14:hiddenFill xmlns:a14="http://schemas.microsoft.com/office/drawing/2010/main">
+                  <a:noFill/>
+                </a14:hiddenFill>
+              </a:ext>
+            </a:extLst>
+          </p:spPr>
+        </p:cxnSp>
+        <p:cxnSp>
+          <p:nvCxnSpPr>
+            <p:cNvPr id="48" name="Straight Connector 47">
+              <a:extLst>
+                <a:ext uri="{FF2B5EF4-FFF2-40B4-BE49-F238E27FC236}">
+                  <a16:creationId xmlns:a16="http://schemas.microsoft.com/office/drawing/2014/main" id="{2880D858-3BAC-C04E-9CC0-3433BFA457F8}"/>
+                </a:ext>
+              </a:extLst>
+            </p:cNvPr>
+            <p:cNvCxnSpPr>
+              <a:cxnSpLocks noChangeShapeType="1"/>
+            </p:cNvCxnSpPr>
+            <p:nvPr/>
+          </p:nvCxnSpPr>
+          <p:spPr bwMode="auto">
+            <a:xfrm>
+              <a:off x="9601200" y="4876800"/>
+              <a:ext cx="0" cy="914400"/>
+            </a:xfrm>
+            <a:prstGeom prst="line">
+              <a:avLst/>
+            </a:prstGeom>
+            <a:noFill/>
+            <a:ln w="25400">
+              <a:solidFill>
+                <a:schemeClr val="accent1"/>
+              </a:solidFill>
+              <a:round/>
+              <a:headEnd/>
+              <a:tailEnd/>
+            </a:ln>
+            <a:effectLst>
+              <a:outerShdw blurRad="40000" dist="20000" dir="5400000" rotWithShape="0">
+                <a:srgbClr val="808080">
+                  <a:alpha val="37999"/>
+                </a:srgbClr>
+              </a:outerShdw>
+            </a:effectLst>
+            <a:extLst>
+              <a:ext uri="{909E8E84-426E-40DD-AFC4-6F175D3DCCD1}">
+                <a14:hiddenFill xmlns:a14="http://schemas.microsoft.com/office/drawing/2010/main">
+                  <a:noFill/>
+                </a14:hiddenFill>
+              </a:ext>
+            </a:extLst>
+          </p:spPr>
+        </p:cxnSp>
+        <p:cxnSp>
+          <p:nvCxnSpPr>
+            <p:cNvPr id="49" name="Straight Connector 48">
+              <a:extLst>
+                <a:ext uri="{FF2B5EF4-FFF2-40B4-BE49-F238E27FC236}">
+                  <a16:creationId xmlns:a16="http://schemas.microsoft.com/office/drawing/2014/main" id="{B559B8A3-06BD-A241-979B-112E4272F6E4}"/>
+                </a:ext>
+              </a:extLst>
+            </p:cNvPr>
+            <p:cNvCxnSpPr>
+              <a:cxnSpLocks noChangeShapeType="1"/>
+            </p:cNvCxnSpPr>
+            <p:nvPr/>
+          </p:nvCxnSpPr>
+          <p:spPr bwMode="auto">
+            <a:xfrm>
+              <a:off x="10058400" y="4876800"/>
+              <a:ext cx="0" cy="914400"/>
+            </a:xfrm>
+            <a:prstGeom prst="line">
+              <a:avLst/>
+            </a:prstGeom>
+            <a:noFill/>
+            <a:ln w="25400">
+              <a:solidFill>
+                <a:schemeClr val="accent1"/>
+              </a:solidFill>
+              <a:round/>
+              <a:headEnd/>
+              <a:tailEnd/>
+            </a:ln>
+            <a:effectLst>
+              <a:outerShdw blurRad="40000" dist="20000" dir="5400000" rotWithShape="0">
+                <a:srgbClr val="808080">
+                  <a:alpha val="37999"/>
+                </a:srgbClr>
+              </a:outerShdw>
+            </a:effectLst>
+            <a:extLst>
+              <a:ext uri="{909E8E84-426E-40DD-AFC4-6F175D3DCCD1}">
+                <a14:hiddenFill xmlns:a14="http://schemas.microsoft.com/office/drawing/2010/main">
+                  <a:noFill/>
+                </a14:hiddenFill>
+              </a:ext>
+            </a:extLst>
+          </p:spPr>
+        </p:cxnSp>
+        <p:cxnSp>
+          <p:nvCxnSpPr>
+            <p:cNvPr id="56" name="Straight Connector 55">
+              <a:extLst>
+                <a:ext uri="{FF2B5EF4-FFF2-40B4-BE49-F238E27FC236}">
+                  <a16:creationId xmlns:a16="http://schemas.microsoft.com/office/drawing/2014/main" id="{E447A0E9-7500-A641-99E3-A3DE75D7947D}"/>
+                </a:ext>
+              </a:extLst>
+            </p:cNvPr>
+            <p:cNvCxnSpPr>
+              <a:cxnSpLocks noChangeShapeType="1"/>
+            </p:cNvCxnSpPr>
+            <p:nvPr/>
+          </p:nvCxnSpPr>
+          <p:spPr bwMode="auto">
+            <a:xfrm>
+              <a:off x="6400800" y="5410200"/>
+              <a:ext cx="457200" cy="0"/>
+            </a:xfrm>
+            <a:prstGeom prst="line">
+              <a:avLst/>
+            </a:prstGeom>
+            <a:noFill/>
+            <a:ln w="25400">
+              <a:solidFill>
+                <a:schemeClr val="accent1"/>
+              </a:solidFill>
+              <a:round/>
+              <a:headEnd/>
+              <a:tailEnd/>
+            </a:ln>
+            <a:effectLst>
+              <a:outerShdw blurRad="40000" dist="20000" dir="5400000" rotWithShape="0">
+                <a:srgbClr val="808080">
+                  <a:alpha val="37999"/>
+                </a:srgbClr>
+              </a:outerShdw>
+            </a:effectLst>
+            <a:extLst>
+              <a:ext uri="{909E8E84-426E-40DD-AFC4-6F175D3DCCD1}">
+                <a14:hiddenFill xmlns:a14="http://schemas.microsoft.com/office/drawing/2010/main">
+                  <a:noFill/>
+                </a14:hiddenFill>
+              </a:ext>
+            </a:extLst>
+          </p:spPr>
+        </p:cxnSp>
+        <p:cxnSp>
+          <p:nvCxnSpPr>
+            <p:cNvPr id="60" name="Straight Connector 59">
+              <a:extLst>
+                <a:ext uri="{FF2B5EF4-FFF2-40B4-BE49-F238E27FC236}">
+                  <a16:creationId xmlns:a16="http://schemas.microsoft.com/office/drawing/2014/main" id="{FDA6C410-A512-2C4C-B0D5-FD6A7DF1AEBC}"/>
+                </a:ext>
+              </a:extLst>
+            </p:cNvPr>
+            <p:cNvCxnSpPr>
+              <a:cxnSpLocks noChangeShapeType="1"/>
+            </p:cNvCxnSpPr>
+            <p:nvPr/>
+          </p:nvCxnSpPr>
+          <p:spPr bwMode="auto">
+            <a:xfrm>
+              <a:off x="7772400" y="5181600"/>
+              <a:ext cx="457200" cy="0"/>
+            </a:xfrm>
+            <a:prstGeom prst="line">
+              <a:avLst/>
+            </a:prstGeom>
+            <a:noFill/>
+            <a:ln w="25400">
+              <a:solidFill>
+                <a:schemeClr val="accent1"/>
+              </a:solidFill>
+              <a:round/>
+              <a:headEnd/>
+              <a:tailEnd/>
+            </a:ln>
+            <a:effectLst>
+              <a:outerShdw blurRad="40000" dist="20000" dir="5400000" rotWithShape="0">
+                <a:srgbClr val="808080">
+                  <a:alpha val="37999"/>
+                </a:srgbClr>
+              </a:outerShdw>
+            </a:effectLst>
+            <a:extLst>
+              <a:ext uri="{909E8E84-426E-40DD-AFC4-6F175D3DCCD1}">
+                <a14:hiddenFill xmlns:a14="http://schemas.microsoft.com/office/drawing/2010/main">
+                  <a:noFill/>
+                </a14:hiddenFill>
+              </a:ext>
+            </a:extLst>
+          </p:spPr>
+        </p:cxnSp>
+        <p:cxnSp>
+          <p:nvCxnSpPr>
+            <p:cNvPr id="64" name="Straight Connector 63">
+              <a:extLst>
+                <a:ext uri="{FF2B5EF4-FFF2-40B4-BE49-F238E27FC236}">
+                  <a16:creationId xmlns:a16="http://schemas.microsoft.com/office/drawing/2014/main" id="{C2BB81D1-5D31-D242-9BE1-87016C2223F8}"/>
+                </a:ext>
+              </a:extLst>
+            </p:cNvPr>
+            <p:cNvCxnSpPr>
+              <a:cxnSpLocks noChangeShapeType="1"/>
+            </p:cNvCxnSpPr>
+            <p:nvPr/>
+          </p:nvCxnSpPr>
+          <p:spPr bwMode="auto">
+            <a:xfrm>
+              <a:off x="9601200" y="4876800"/>
+              <a:ext cx="457200" cy="0"/>
+            </a:xfrm>
+            <a:prstGeom prst="line">
+              <a:avLst/>
+            </a:prstGeom>
+            <a:noFill/>
+            <a:ln w="25400">
+              <a:solidFill>
+                <a:schemeClr val="accent1"/>
+              </a:solidFill>
+              <a:round/>
+              <a:headEnd/>
+              <a:tailEnd/>
+            </a:ln>
+            <a:effectLst>
+              <a:outerShdw blurRad="40000" dist="20000" dir="5400000" rotWithShape="0">
+                <a:srgbClr val="808080">
+                  <a:alpha val="37999"/>
+                </a:srgbClr>
+              </a:outerShdw>
+            </a:effectLst>
+            <a:extLst>
+              <a:ext uri="{909E8E84-426E-40DD-AFC4-6F175D3DCCD1}">
+                <a14:hiddenFill xmlns:a14="http://schemas.microsoft.com/office/drawing/2010/main">
+                  <a:noFill/>
+                </a14:hiddenFill>
+              </a:ext>
+            </a:extLst>
+          </p:spPr>
+        </p:cxnSp>
+        <p:cxnSp>
+          <p:nvCxnSpPr>
+            <p:cNvPr id="66" name="Straight Connector 65">
+              <a:extLst>
+                <a:ext uri="{FF2B5EF4-FFF2-40B4-BE49-F238E27FC236}">
+                  <a16:creationId xmlns:a16="http://schemas.microsoft.com/office/drawing/2014/main" id="{03EB5A8F-8CD4-144C-A4A9-B6331A844BEA}"/>
+                </a:ext>
+              </a:extLst>
+            </p:cNvPr>
+            <p:cNvCxnSpPr>
+              <a:cxnSpLocks noChangeShapeType="1"/>
+            </p:cNvCxnSpPr>
+            <p:nvPr/>
+          </p:nvCxnSpPr>
+          <p:spPr bwMode="auto">
+            <a:xfrm>
+              <a:off x="6629400" y="4572000"/>
+              <a:ext cx="0" cy="838200"/>
+            </a:xfrm>
+            <a:prstGeom prst="line">
+              <a:avLst/>
+            </a:prstGeom>
+            <a:noFill/>
+            <a:ln w="25400">
+              <a:solidFill>
+                <a:schemeClr val="accent1"/>
+              </a:solidFill>
+              <a:round/>
+              <a:headEnd/>
+              <a:tailEnd/>
+            </a:ln>
+            <a:effectLst>
+              <a:outerShdw blurRad="40000" dist="20000" dir="5400000" rotWithShape="0">
+                <a:srgbClr val="808080">
+                  <a:alpha val="37999"/>
+                </a:srgbClr>
+              </a:outerShdw>
+            </a:effectLst>
+            <a:extLst>
+              <a:ext uri="{909E8E84-426E-40DD-AFC4-6F175D3DCCD1}">
+                <a14:hiddenFill xmlns:a14="http://schemas.microsoft.com/office/drawing/2010/main">
+                  <a:noFill/>
+                </a14:hiddenFill>
+              </a:ext>
+            </a:extLst>
+          </p:spPr>
+        </p:cxnSp>
+        <p:cxnSp>
+          <p:nvCxnSpPr>
+            <p:cNvPr id="69" name="Straight Connector 68">
+              <a:extLst>
+                <a:ext uri="{FF2B5EF4-FFF2-40B4-BE49-F238E27FC236}">
+                  <a16:creationId xmlns:a16="http://schemas.microsoft.com/office/drawing/2014/main" id="{A17490BB-2559-CB4B-B44F-65BFA2B42F71}"/>
+                </a:ext>
+              </a:extLst>
+            </p:cNvPr>
+            <p:cNvCxnSpPr>
+              <a:cxnSpLocks noChangeShapeType="1"/>
+            </p:cNvCxnSpPr>
+            <p:nvPr/>
+          </p:nvCxnSpPr>
+          <p:spPr bwMode="auto">
+            <a:xfrm>
+              <a:off x="6629400" y="4572000"/>
+              <a:ext cx="685800" cy="0"/>
+            </a:xfrm>
+            <a:prstGeom prst="line">
+              <a:avLst/>
+            </a:prstGeom>
+            <a:noFill/>
+            <a:ln w="25400">
+              <a:solidFill>
+                <a:schemeClr val="accent1"/>
+              </a:solidFill>
+              <a:round/>
+              <a:headEnd/>
+              <a:tailEnd/>
+            </a:ln>
+            <a:effectLst>
+              <a:outerShdw blurRad="40000" dist="20000" dir="5400000" rotWithShape="0">
+                <a:srgbClr val="808080">
+                  <a:alpha val="37999"/>
+                </a:srgbClr>
+              </a:outerShdw>
+            </a:effectLst>
+            <a:extLst>
+              <a:ext uri="{909E8E84-426E-40DD-AFC4-6F175D3DCCD1}">
+                <a14:hiddenFill xmlns:a14="http://schemas.microsoft.com/office/drawing/2010/main">
+                  <a:noFill/>
+                </a14:hiddenFill>
+              </a:ext>
+            </a:extLst>
+          </p:spPr>
+        </p:cxnSp>
+        <p:cxnSp>
+          <p:nvCxnSpPr>
+            <p:cNvPr id="72" name="Straight Connector 71">
+              <a:extLst>
+                <a:ext uri="{FF2B5EF4-FFF2-40B4-BE49-F238E27FC236}">
+                  <a16:creationId xmlns:a16="http://schemas.microsoft.com/office/drawing/2014/main" id="{7B60FEAC-6D30-6B49-BCEC-5EA1B24E37F7}"/>
+                </a:ext>
+              </a:extLst>
+            </p:cNvPr>
+            <p:cNvCxnSpPr>
+              <a:cxnSpLocks noChangeShapeType="1"/>
+            </p:cNvCxnSpPr>
+            <p:nvPr/>
+          </p:nvCxnSpPr>
+          <p:spPr bwMode="auto">
+            <a:xfrm>
+              <a:off x="8001000" y="4267200"/>
+              <a:ext cx="0" cy="914400"/>
+            </a:xfrm>
+            <a:prstGeom prst="line">
+              <a:avLst/>
+            </a:prstGeom>
+            <a:noFill/>
+            <a:ln w="25400">
+              <a:solidFill>
+                <a:schemeClr val="accent1"/>
+              </a:solidFill>
+              <a:round/>
+              <a:headEnd/>
+              <a:tailEnd/>
+            </a:ln>
+            <a:effectLst>
+              <a:outerShdw blurRad="40000" dist="20000" dir="5400000" rotWithShape="0">
+                <a:srgbClr val="808080">
+                  <a:alpha val="37999"/>
+                </a:srgbClr>
+              </a:outerShdw>
+            </a:effectLst>
+            <a:extLst>
+              <a:ext uri="{909E8E84-426E-40DD-AFC4-6F175D3DCCD1}">
+                <a14:hiddenFill xmlns:a14="http://schemas.microsoft.com/office/drawing/2010/main">
+                  <a:noFill/>
+                </a14:hiddenFill>
+              </a:ext>
+            </a:extLst>
+          </p:spPr>
+        </p:cxnSp>
+        <p:cxnSp>
+          <p:nvCxnSpPr>
+            <p:cNvPr id="74" name="Straight Connector 73">
+              <a:extLst>
+                <a:ext uri="{FF2B5EF4-FFF2-40B4-BE49-F238E27FC236}">
+                  <a16:creationId xmlns:a16="http://schemas.microsoft.com/office/drawing/2014/main" id="{91D59A8C-DF02-E84C-8E1F-454A138BA43E}"/>
+                </a:ext>
+              </a:extLst>
+            </p:cNvPr>
+            <p:cNvCxnSpPr>
+              <a:cxnSpLocks noChangeShapeType="1"/>
+            </p:cNvCxnSpPr>
+            <p:nvPr/>
+          </p:nvCxnSpPr>
+          <p:spPr bwMode="auto">
+            <a:xfrm>
+              <a:off x="8001000" y="4267200"/>
+              <a:ext cx="685800" cy="0"/>
+            </a:xfrm>
+            <a:prstGeom prst="line">
+              <a:avLst/>
+            </a:prstGeom>
+            <a:noFill/>
+            <a:ln w="25400">
+              <a:solidFill>
+                <a:schemeClr val="accent1"/>
+              </a:solidFill>
+              <a:round/>
+              <a:headEnd/>
+              <a:tailEnd/>
+            </a:ln>
+            <a:effectLst>
+              <a:outerShdw blurRad="40000" dist="20000" dir="5400000" rotWithShape="0">
+                <a:srgbClr val="808080">
+                  <a:alpha val="37999"/>
+                </a:srgbClr>
+              </a:outerShdw>
+            </a:effectLst>
+            <a:extLst>
+              <a:ext uri="{909E8E84-426E-40DD-AFC4-6F175D3DCCD1}">
+                <a14:hiddenFill xmlns:a14="http://schemas.microsoft.com/office/drawing/2010/main">
+                  <a:noFill/>
+                </a14:hiddenFill>
+              </a:ext>
+            </a:extLst>
+          </p:spPr>
+        </p:cxnSp>
+        <p:cxnSp>
+          <p:nvCxnSpPr>
+            <p:cNvPr id="77" name="Straight Connector 76">
+              <a:extLst>
+                <a:ext uri="{FF2B5EF4-FFF2-40B4-BE49-F238E27FC236}">
+                  <a16:creationId xmlns:a16="http://schemas.microsoft.com/office/drawing/2014/main" id="{309BC3B9-DEB8-EA4D-BE76-37D9100B2158}"/>
+                </a:ext>
+              </a:extLst>
+            </p:cNvPr>
+            <p:cNvCxnSpPr>
+              <a:cxnSpLocks noChangeShapeType="1"/>
+            </p:cNvCxnSpPr>
+            <p:nvPr/>
+          </p:nvCxnSpPr>
+          <p:spPr bwMode="auto">
+            <a:xfrm>
+              <a:off x="8305800" y="3733800"/>
+              <a:ext cx="0" cy="533400"/>
+            </a:xfrm>
+            <a:prstGeom prst="line">
+              <a:avLst/>
+            </a:prstGeom>
+            <a:noFill/>
+            <a:ln w="25400">
+              <a:solidFill>
+                <a:schemeClr val="accent1"/>
+              </a:solidFill>
+              <a:round/>
+              <a:headEnd/>
+              <a:tailEnd/>
+            </a:ln>
+            <a:effectLst>
+              <a:outerShdw blurRad="40000" dist="20000" dir="5400000" rotWithShape="0">
+                <a:srgbClr val="808080">
+                  <a:alpha val="37999"/>
+                </a:srgbClr>
+              </a:outerShdw>
+            </a:effectLst>
+            <a:extLst>
+              <a:ext uri="{909E8E84-426E-40DD-AFC4-6F175D3DCCD1}">
+                <a14:hiddenFill xmlns:a14="http://schemas.microsoft.com/office/drawing/2010/main">
+                  <a:noFill/>
+                </a14:hiddenFill>
+              </a:ext>
+            </a:extLst>
+          </p:spPr>
+        </p:cxnSp>
+        <p:cxnSp>
+          <p:nvCxnSpPr>
+            <p:cNvPr id="80" name="Straight Connector 79">
+              <a:extLst>
+                <a:ext uri="{FF2B5EF4-FFF2-40B4-BE49-F238E27FC236}">
+                  <a16:creationId xmlns:a16="http://schemas.microsoft.com/office/drawing/2014/main" id="{D845105C-5FBC-DD4C-B7ED-3F7386395E3D}"/>
+                </a:ext>
+              </a:extLst>
+            </p:cNvPr>
+            <p:cNvCxnSpPr>
+              <a:cxnSpLocks noChangeShapeType="1"/>
+            </p:cNvCxnSpPr>
+            <p:nvPr/>
+          </p:nvCxnSpPr>
+          <p:spPr bwMode="auto">
+            <a:xfrm>
+              <a:off x="8305800" y="3733800"/>
+              <a:ext cx="838200" cy="0"/>
+            </a:xfrm>
+            <a:prstGeom prst="line">
+              <a:avLst/>
+            </a:prstGeom>
+            <a:noFill/>
+            <a:ln w="25400">
+              <a:solidFill>
+                <a:schemeClr val="accent1"/>
+              </a:solidFill>
+              <a:round/>
+              <a:headEnd/>
+              <a:tailEnd/>
+            </a:ln>
+            <a:effectLst>
+              <a:outerShdw blurRad="40000" dist="20000" dir="5400000" rotWithShape="0">
+                <a:srgbClr val="808080">
+                  <a:alpha val="37999"/>
+                </a:srgbClr>
+              </a:outerShdw>
+            </a:effectLst>
+            <a:extLst>
+              <a:ext uri="{909E8E84-426E-40DD-AFC4-6F175D3DCCD1}">
+                <a14:hiddenFill xmlns:a14="http://schemas.microsoft.com/office/drawing/2010/main">
+                  <a:noFill/>
+                </a14:hiddenFill>
+              </a:ext>
+            </a:extLst>
+          </p:spPr>
+        </p:cxnSp>
+        <p:cxnSp>
+          <p:nvCxnSpPr>
+            <p:cNvPr id="81" name="Straight Connector 80">
+              <a:extLst>
+                <a:ext uri="{FF2B5EF4-FFF2-40B4-BE49-F238E27FC236}">
+                  <a16:creationId xmlns:a16="http://schemas.microsoft.com/office/drawing/2014/main" id="{AA5EC606-052A-264D-8B3C-15A39D83D15B}"/>
+                </a:ext>
+              </a:extLst>
+            </p:cNvPr>
+            <p:cNvCxnSpPr>
+              <a:cxnSpLocks noChangeShapeType="1"/>
+            </p:cNvCxnSpPr>
+            <p:nvPr/>
+          </p:nvCxnSpPr>
+          <p:spPr bwMode="auto">
+            <a:xfrm>
+              <a:off x="9829800" y="3200400"/>
+              <a:ext cx="0" cy="1676400"/>
+            </a:xfrm>
+            <a:prstGeom prst="line">
+              <a:avLst/>
+            </a:prstGeom>
+            <a:noFill/>
+            <a:ln w="25400">
+              <a:solidFill>
+                <a:schemeClr val="accent1"/>
+              </a:solidFill>
+              <a:round/>
+              <a:headEnd/>
+              <a:tailEnd/>
+            </a:ln>
+            <a:effectLst>
+              <a:outerShdw blurRad="40000" dist="20000" dir="5400000" rotWithShape="0">
+                <a:srgbClr val="808080">
+                  <a:alpha val="37999"/>
+                </a:srgbClr>
+              </a:outerShdw>
+            </a:effectLst>
+            <a:extLst>
+              <a:ext uri="{909E8E84-426E-40DD-AFC4-6F175D3DCCD1}">
+                <a14:hiddenFill xmlns:a14="http://schemas.microsoft.com/office/drawing/2010/main">
+                  <a:noFill/>
+                </a14:hiddenFill>
+              </a:ext>
+            </a:extLst>
+          </p:spPr>
+        </p:cxnSp>
+        <p:cxnSp>
+          <p:nvCxnSpPr>
+            <p:cNvPr id="82" name="Straight Connector 81">
+              <a:extLst>
+                <a:ext uri="{FF2B5EF4-FFF2-40B4-BE49-F238E27FC236}">
+                  <a16:creationId xmlns:a16="http://schemas.microsoft.com/office/drawing/2014/main" id="{31906F38-7FBE-734D-B874-AF46EC032475}"/>
+                </a:ext>
+              </a:extLst>
+            </p:cNvPr>
+            <p:cNvCxnSpPr>
+              <a:cxnSpLocks noChangeShapeType="1"/>
+            </p:cNvCxnSpPr>
+            <p:nvPr/>
+          </p:nvCxnSpPr>
+          <p:spPr bwMode="auto">
+            <a:xfrm>
+              <a:off x="8686800" y="3200400"/>
+              <a:ext cx="0" cy="533400"/>
+            </a:xfrm>
+            <a:prstGeom prst="line">
+              <a:avLst/>
+            </a:prstGeom>
+            <a:noFill/>
+            <a:ln w="25400">
+              <a:solidFill>
+                <a:schemeClr val="accent1"/>
+              </a:solidFill>
+              <a:round/>
+              <a:headEnd/>
+              <a:tailEnd/>
+            </a:ln>
+            <a:effectLst>
+              <a:outerShdw blurRad="40000" dist="20000" dir="5400000" rotWithShape="0">
+                <a:srgbClr val="808080">
+                  <a:alpha val="37999"/>
+                </a:srgbClr>
+              </a:outerShdw>
+            </a:effectLst>
+            <a:extLst>
+              <a:ext uri="{909E8E84-426E-40DD-AFC4-6F175D3DCCD1}">
+                <a14:hiddenFill xmlns:a14="http://schemas.microsoft.com/office/drawing/2010/main">
+                  <a:noFill/>
+                </a14:hiddenFill>
+              </a:ext>
+            </a:extLst>
+          </p:spPr>
+        </p:cxnSp>
+        <p:cxnSp>
+          <p:nvCxnSpPr>
+            <p:cNvPr id="83" name="Straight Connector 82">
+              <a:extLst>
+                <a:ext uri="{FF2B5EF4-FFF2-40B4-BE49-F238E27FC236}">
+                  <a16:creationId xmlns:a16="http://schemas.microsoft.com/office/drawing/2014/main" id="{95680565-A4E6-6541-A3E9-232BBFAAD0C5}"/>
+                </a:ext>
+              </a:extLst>
+            </p:cNvPr>
+            <p:cNvCxnSpPr>
+              <a:cxnSpLocks noChangeShapeType="1"/>
+            </p:cNvCxnSpPr>
+            <p:nvPr/>
+          </p:nvCxnSpPr>
+          <p:spPr bwMode="auto">
+            <a:xfrm>
+              <a:off x="8686800" y="3200400"/>
+              <a:ext cx="1143000" cy="0"/>
+            </a:xfrm>
+            <a:prstGeom prst="line">
+              <a:avLst/>
+            </a:prstGeom>
+            <a:noFill/>
+            <a:ln w="25400">
+              <a:solidFill>
+                <a:schemeClr val="accent1"/>
+              </a:solidFill>
+              <a:round/>
+              <a:headEnd/>
+              <a:tailEnd/>
+            </a:ln>
+            <a:effectLst>
+              <a:outerShdw blurRad="40000" dist="20000" dir="5400000" rotWithShape="0">
+                <a:srgbClr val="808080">
+                  <a:alpha val="37999"/>
+                </a:srgbClr>
+              </a:outerShdw>
+            </a:effectLst>
+            <a:extLst>
+              <a:ext uri="{909E8E84-426E-40DD-AFC4-6F175D3DCCD1}">
+                <a14:hiddenFill xmlns:a14="http://schemas.microsoft.com/office/drawing/2010/main">
+                  <a:noFill/>
+                </a14:hiddenFill>
+              </a:ext>
+            </a:extLst>
+          </p:spPr>
+        </p:cxnSp>
+        <p:cxnSp>
+          <p:nvCxnSpPr>
+            <p:cNvPr id="87" name="Straight Connector 86">
+              <a:extLst>
+                <a:ext uri="{FF2B5EF4-FFF2-40B4-BE49-F238E27FC236}">
+                  <a16:creationId xmlns:a16="http://schemas.microsoft.com/office/drawing/2014/main" id="{522F13E8-8072-794C-A338-4D509D70EE37}"/>
+                </a:ext>
+              </a:extLst>
+            </p:cNvPr>
+            <p:cNvCxnSpPr>
+              <a:cxnSpLocks noChangeShapeType="1"/>
+            </p:cNvCxnSpPr>
+            <p:nvPr/>
+          </p:nvCxnSpPr>
+          <p:spPr bwMode="auto">
+            <a:xfrm>
+              <a:off x="9220200" y="2590800"/>
+              <a:ext cx="0" cy="609600"/>
+            </a:xfrm>
+            <a:prstGeom prst="line">
+              <a:avLst/>
+            </a:prstGeom>
+            <a:noFill/>
+            <a:ln w="25400">
+              <a:solidFill>
+                <a:schemeClr val="accent1"/>
+              </a:solidFill>
+              <a:round/>
+              <a:headEnd/>
+              <a:tailEnd/>
+            </a:ln>
+            <a:effectLst>
+              <a:outerShdw blurRad="40000" dist="20000" dir="5400000" rotWithShape="0">
+                <a:srgbClr val="808080">
+                  <a:alpha val="37999"/>
+                </a:srgbClr>
+              </a:outerShdw>
+            </a:effectLst>
+            <a:extLst>
+              <a:ext uri="{909E8E84-426E-40DD-AFC4-6F175D3DCCD1}">
+                <a14:hiddenFill xmlns:a14="http://schemas.microsoft.com/office/drawing/2010/main">
+                  <a:noFill/>
+                </a14:hiddenFill>
+              </a:ext>
+            </a:extLst>
+          </p:spPr>
+        </p:cxnSp>
+        <p:cxnSp>
+          <p:nvCxnSpPr>
+            <p:cNvPr id="88" name="Straight Connector 87">
+              <a:extLst>
+                <a:ext uri="{FF2B5EF4-FFF2-40B4-BE49-F238E27FC236}">
+                  <a16:creationId xmlns:a16="http://schemas.microsoft.com/office/drawing/2014/main" id="{EFD539DB-A8EB-884A-82D9-D9CAE80DA006}"/>
+                </a:ext>
+              </a:extLst>
+            </p:cNvPr>
+            <p:cNvCxnSpPr>
+              <a:cxnSpLocks noChangeShapeType="1"/>
+            </p:cNvCxnSpPr>
+            <p:nvPr/>
+          </p:nvCxnSpPr>
+          <p:spPr bwMode="auto">
+            <a:xfrm>
+              <a:off x="6934200" y="2590800"/>
+              <a:ext cx="0" cy="1981200"/>
+            </a:xfrm>
+            <a:prstGeom prst="line">
+              <a:avLst/>
+            </a:prstGeom>
+            <a:noFill/>
+            <a:ln w="25400">
+              <a:solidFill>
+                <a:schemeClr val="accent1"/>
+              </a:solidFill>
+              <a:round/>
+              <a:headEnd/>
+              <a:tailEnd/>
+            </a:ln>
+            <a:effectLst>
+              <a:outerShdw blurRad="40000" dist="20000" dir="5400000" rotWithShape="0">
+                <a:srgbClr val="808080">
+                  <a:alpha val="37999"/>
+                </a:srgbClr>
+              </a:outerShdw>
+            </a:effectLst>
+            <a:extLst>
+              <a:ext uri="{909E8E84-426E-40DD-AFC4-6F175D3DCCD1}">
+                <a14:hiddenFill xmlns:a14="http://schemas.microsoft.com/office/drawing/2010/main">
+                  <a:noFill/>
+                </a14:hiddenFill>
+              </a:ext>
+            </a:extLst>
+          </p:spPr>
+        </p:cxnSp>
+        <p:cxnSp>
+          <p:nvCxnSpPr>
+            <p:cNvPr id="89" name="Straight Connector 88">
+              <a:extLst>
+                <a:ext uri="{FF2B5EF4-FFF2-40B4-BE49-F238E27FC236}">
+                  <a16:creationId xmlns:a16="http://schemas.microsoft.com/office/drawing/2014/main" id="{7B3DDABB-34E4-A246-BFC4-DE8E33302285}"/>
+                </a:ext>
+              </a:extLst>
+            </p:cNvPr>
+            <p:cNvCxnSpPr>
+              <a:cxnSpLocks noChangeShapeType="1"/>
+            </p:cNvCxnSpPr>
+            <p:nvPr/>
+          </p:nvCxnSpPr>
+          <p:spPr bwMode="auto">
+            <a:xfrm>
+              <a:off x="6934200" y="2590800"/>
+              <a:ext cx="2286000" cy="0"/>
+            </a:xfrm>
+            <a:prstGeom prst="line">
+              <a:avLst/>
+            </a:prstGeom>
+            <a:noFill/>
+            <a:ln w="25400">
+              <a:solidFill>
+                <a:schemeClr val="accent1"/>
+              </a:solidFill>
+              <a:round/>
+              <a:headEnd/>
+              <a:tailEnd/>
+            </a:ln>
+            <a:effectLst>
+              <a:outerShdw blurRad="40000" dist="20000" dir="5400000" rotWithShape="0">
+                <a:srgbClr val="808080">
+                  <a:alpha val="37999"/>
+                </a:srgbClr>
+              </a:outerShdw>
+            </a:effectLst>
+            <a:extLst>
+              <a:ext uri="{909E8E84-426E-40DD-AFC4-6F175D3DCCD1}">
+                <a14:hiddenFill xmlns:a14="http://schemas.microsoft.com/office/drawing/2010/main">
+                  <a:noFill/>
+                </a14:hiddenFill>
+              </a:ext>
+            </a:extLst>
+          </p:spPr>
+        </p:cxnSp>
+        <p:cxnSp>
+          <p:nvCxnSpPr>
+            <p:cNvPr id="97" name="Straight Connector 96">
+              <a:extLst>
+                <a:ext uri="{FF2B5EF4-FFF2-40B4-BE49-F238E27FC236}">
+                  <a16:creationId xmlns:a16="http://schemas.microsoft.com/office/drawing/2014/main" id="{7A86B0A5-661F-1B43-8360-35245C1ED072}"/>
+                </a:ext>
+              </a:extLst>
+            </p:cNvPr>
+            <p:cNvCxnSpPr>
+              <a:cxnSpLocks noChangeShapeType="1"/>
+            </p:cNvCxnSpPr>
+            <p:nvPr/>
+          </p:nvCxnSpPr>
+          <p:spPr bwMode="auto">
+            <a:xfrm>
+              <a:off x="8077200" y="2209800"/>
+              <a:ext cx="0" cy="381000"/>
+            </a:xfrm>
+            <a:prstGeom prst="line">
+              <a:avLst/>
+            </a:prstGeom>
+            <a:noFill/>
+            <a:ln w="25400">
+              <a:solidFill>
+                <a:schemeClr val="accent1"/>
+              </a:solidFill>
+              <a:round/>
+              <a:headEnd/>
+              <a:tailEnd/>
+            </a:ln>
+            <a:effectLst>
+              <a:outerShdw blurRad="40000" dist="20000" dir="5400000" rotWithShape="0">
+                <a:srgbClr val="808080">
+                  <a:alpha val="37999"/>
+                </a:srgbClr>
+              </a:outerShdw>
+            </a:effectLst>
+            <a:extLst>
+              <a:ext uri="{909E8E84-426E-40DD-AFC4-6F175D3DCCD1}">
+                <a14:hiddenFill xmlns:a14="http://schemas.microsoft.com/office/drawing/2010/main">
+                  <a:noFill/>
+                </a14:hiddenFill>
+              </a:ext>
+            </a:extLst>
+          </p:spPr>
+        </p:cxnSp>
+        <p:sp>
+          <p:nvSpPr>
+            <p:cNvPr id="98" name="Oval 97">
+              <a:extLst>
+                <a:ext uri="{FF2B5EF4-FFF2-40B4-BE49-F238E27FC236}">
+                  <a16:creationId xmlns:a16="http://schemas.microsoft.com/office/drawing/2014/main" id="{EB2DC39D-7C98-F54E-9AB1-585B5478AACB}"/>
+                </a:ext>
+              </a:extLst>
+            </p:cNvPr>
+            <p:cNvSpPr>
+              <a:spLocks noChangeArrowheads="1"/>
+            </p:cNvSpPr>
+            <p:nvPr/>
+          </p:nvSpPr>
+          <p:spPr bwMode="auto">
+            <a:xfrm>
+              <a:off x="6324600" y="5791200"/>
+              <a:ext cx="152400" cy="152400"/>
+            </a:xfrm>
+            <a:prstGeom prst="ellipse">
+              <a:avLst/>
+            </a:prstGeom>
+            <a:gradFill rotWithShape="1">
+              <a:gsLst>
+                <a:gs pos="0">
+                  <a:srgbClr val="AFCCDF"/>
+                </a:gs>
+                <a:gs pos="100000">
+                  <a:srgbClr val="39748F"/>
+                </a:gs>
+              </a:gsLst>
+              <a:lin ang="5400000"/>
+            </a:gradFill>
+            <a:ln w="9525">
+              <a:solidFill>
+                <a:srgbClr val="406E84"/>
+              </a:solidFill>
+              <a:round/>
+              <a:headEnd/>
+              <a:tailEnd/>
+            </a:ln>
+            <a:effectLst>
+              <a:outerShdw blurRad="40000" dist="23000" dir="5400000" rotWithShape="0">
+                <a:srgbClr val="808080">
+                  <a:alpha val="34999"/>
+                </a:srgbClr>
+              </a:outerShdw>
+            </a:effectLst>
+          </p:spPr>
+          <p:txBody>
+            <a:bodyPr anchor="ctr"/>
+            <a:lstStyle>
+              <a:lvl1pPr eaLnBrk="0" hangingPunct="0">
+                <a:defRPr sz="2400">
+                  <a:solidFill>
+                    <a:schemeClr val="tx1"/>
+                  </a:solidFill>
+                  <a:latin typeface="Lucida Sans" panose="020B0602030504020204" pitchFamily="34" charset="77"/>
+                  <a:ea typeface="ＭＳ Ｐゴシック" panose="020B0600070205080204" pitchFamily="34" charset="-128"/>
+                </a:defRPr>
+              </a:lvl1pPr>
+              <a:lvl2pPr marL="742950" indent="-285750" eaLnBrk="0" hangingPunct="0">
+                <a:defRPr sz="2400">
+                  <a:solidFill>
+                    <a:schemeClr val="tx1"/>
+                  </a:solidFill>
+                  <a:latin typeface="Lucida Sans" panose="020B0602030504020204" pitchFamily="34" charset="77"/>
+                  <a:ea typeface="ＭＳ Ｐゴシック" panose="020B0600070205080204" pitchFamily="34" charset="-128"/>
+                </a:defRPr>
+              </a:lvl2pPr>
+              <a:lvl3pPr marL="1143000" indent="-228600" eaLnBrk="0" hangingPunct="0">
+                <a:defRPr sz="2400">
+                  <a:solidFill>
+                    <a:schemeClr val="tx1"/>
+                  </a:solidFill>
+                  <a:latin typeface="Lucida Sans" panose="020B0602030504020204" pitchFamily="34" charset="77"/>
+                  <a:ea typeface="ＭＳ Ｐゴシック" panose="020B0600070205080204" pitchFamily="34" charset="-128"/>
+                </a:defRPr>
+              </a:lvl3pPr>
+              <a:lvl4pPr marL="1600200" indent="-228600" eaLnBrk="0" hangingPunct="0">
+                <a:defRPr sz="2400">
+                  <a:solidFill>
+                    <a:schemeClr val="tx1"/>
+                  </a:solidFill>
+                  <a:latin typeface="Lucida Sans" panose="020B0602030504020204" pitchFamily="34" charset="77"/>
+                  <a:ea typeface="ＭＳ Ｐゴシック" panose="020B0600070205080204" pitchFamily="34" charset="-128"/>
+                </a:defRPr>
+              </a:lvl4pPr>
+              <a:lvl5pPr marL="2057400" indent="-228600" eaLnBrk="0" hangingPunct="0">
+                <a:defRPr sz="2400">
+                  <a:solidFill>
+                    <a:schemeClr val="tx1"/>
+                  </a:solidFill>
+                  <a:latin typeface="Lucida Sans" panose="020B0602030504020204" pitchFamily="34" charset="77"/>
+                  <a:ea typeface="ＭＳ Ｐゴシック" panose="020B0600070205080204" pitchFamily="34" charset="-128"/>
+                </a:defRPr>
+              </a:lvl5pPr>
+              <a:lvl6pPr marL="2514600" indent="-228600" eaLnBrk="0" fontAlgn="base" hangingPunct="0">
+                <a:spcBef>
+                  <a:spcPct val="0"/>
+                </a:spcBef>
+                <a:spcAft>
+                  <a:spcPct val="0"/>
+                </a:spcAft>
+                <a:defRPr sz="2400">
+                  <a:solidFill>
+                    <a:schemeClr val="tx1"/>
+                  </a:solidFill>
+                  <a:latin typeface="Lucida Sans" panose="020B0602030504020204" pitchFamily="34" charset="77"/>
+                  <a:ea typeface="ＭＳ Ｐゴシック" panose="020B0600070205080204" pitchFamily="34" charset="-128"/>
+                </a:defRPr>
+              </a:lvl6pPr>
+              <a:lvl7pPr marL="2971800" indent="-228600" eaLnBrk="0" fontAlgn="base" hangingPunct="0">
+                <a:spcBef>
+                  <a:spcPct val="0"/>
+                </a:spcBef>
+                <a:spcAft>
+                  <a:spcPct val="0"/>
+                </a:spcAft>
+                <a:defRPr sz="2400">
+                  <a:solidFill>
+                    <a:schemeClr val="tx1"/>
+                  </a:solidFill>
+                  <a:latin typeface="Lucida Sans" panose="020B0602030504020204" pitchFamily="34" charset="77"/>
+                  <a:ea typeface="ＭＳ Ｐゴシック" panose="020B0600070205080204" pitchFamily="34" charset="-128"/>
+                </a:defRPr>
+              </a:lvl7pPr>
+              <a:lvl8pPr marL="3429000" indent="-228600" eaLnBrk="0" fontAlgn="base" hangingPunct="0">
+                <a:spcBef>
+                  <a:spcPct val="0"/>
+                </a:spcBef>
+                <a:spcAft>
+                  <a:spcPct val="0"/>
+                </a:spcAft>
+                <a:defRPr sz="2400">
+                  <a:solidFill>
+                    <a:schemeClr val="tx1"/>
+                  </a:solidFill>
+                  <a:latin typeface="Lucida Sans" panose="020B0602030504020204" pitchFamily="34" charset="77"/>
+                  <a:ea typeface="ＭＳ Ｐゴシック" panose="020B0600070205080204" pitchFamily="34" charset="-128"/>
+                </a:defRPr>
+              </a:lvl8pPr>
+              <a:lvl9pPr marL="3886200" indent="-228600" eaLnBrk="0" fontAlgn="base" hangingPunct="0">
+                <a:spcBef>
+                  <a:spcPct val="0"/>
+                </a:spcBef>
+                <a:spcAft>
+                  <a:spcPct val="0"/>
+                </a:spcAft>
+                <a:defRPr sz="2400">
+                  <a:solidFill>
+                    <a:schemeClr val="tx1"/>
+                  </a:solidFill>
+                  <a:latin typeface="Lucida Sans" panose="020B0602030504020204" pitchFamily="34" charset="77"/>
+                  <a:ea typeface="ＭＳ Ｐゴシック" panose="020B0600070205080204" pitchFamily="34" charset="-128"/>
+                </a:defRPr>
+              </a:lvl9pPr>
+            </a:lstStyle>
+            <a:p>
+              <a:pPr algn="ctr" eaLnBrk="1" hangingPunct="1"/>
+              <a:endParaRPr lang="en-US" altLang="en-US">
+                <a:solidFill>
+                  <a:srgbClr val="FFFFFF"/>
+                </a:solidFill>
+                <a:latin typeface="Calibri" panose="020F0502020204030204" pitchFamily="34" charset="0"/>
+              </a:endParaRPr>
+            </a:p>
+          </p:txBody>
+        </p:sp>
+        <p:sp>
+          <p:nvSpPr>
+            <p:cNvPr id="99" name="Oval 98">
+              <a:extLst>
+                <a:ext uri="{FF2B5EF4-FFF2-40B4-BE49-F238E27FC236}">
+                  <a16:creationId xmlns:a16="http://schemas.microsoft.com/office/drawing/2014/main" id="{648A102C-1C6D-C040-B527-4AF1EABC2BFE}"/>
+                </a:ext>
+              </a:extLst>
+            </p:cNvPr>
+            <p:cNvSpPr>
+              <a:spLocks noChangeArrowheads="1"/>
+            </p:cNvSpPr>
+            <p:nvPr/>
+          </p:nvSpPr>
+          <p:spPr bwMode="auto">
+            <a:xfrm>
+              <a:off x="6781800" y="5791200"/>
+              <a:ext cx="152400" cy="152400"/>
+            </a:xfrm>
+            <a:prstGeom prst="ellipse">
+              <a:avLst/>
+            </a:prstGeom>
+            <a:gradFill rotWithShape="1">
+              <a:gsLst>
+                <a:gs pos="0">
+                  <a:srgbClr val="AFCCDF"/>
+                </a:gs>
+                <a:gs pos="100000">
+                  <a:srgbClr val="39748F"/>
+                </a:gs>
+              </a:gsLst>
+              <a:lin ang="5400000"/>
+            </a:gradFill>
+            <a:ln w="9525">
+              <a:solidFill>
+                <a:srgbClr val="406E84"/>
+              </a:solidFill>
+              <a:round/>
+              <a:headEnd/>
+              <a:tailEnd/>
+            </a:ln>
+            <a:effectLst>
+              <a:outerShdw blurRad="40000" dist="23000" dir="5400000" rotWithShape="0">
+                <a:srgbClr val="808080">
+                  <a:alpha val="34999"/>
+                </a:srgbClr>
+              </a:outerShdw>
+            </a:effectLst>
+          </p:spPr>
+          <p:txBody>
+            <a:bodyPr anchor="ctr"/>
+            <a:lstStyle>
+              <a:lvl1pPr eaLnBrk="0" hangingPunct="0">
+                <a:defRPr sz="2400">
+                  <a:solidFill>
+                    <a:schemeClr val="tx1"/>
+                  </a:solidFill>
+                  <a:latin typeface="Lucida Sans" panose="020B0602030504020204" pitchFamily="34" charset="77"/>
+                  <a:ea typeface="ＭＳ Ｐゴシック" panose="020B0600070205080204" pitchFamily="34" charset="-128"/>
+                </a:defRPr>
+              </a:lvl1pPr>
+              <a:lvl2pPr marL="742950" indent="-285750" eaLnBrk="0" hangingPunct="0">
+                <a:defRPr sz="2400">
+                  <a:solidFill>
+                    <a:schemeClr val="tx1"/>
+                  </a:solidFill>
+                  <a:latin typeface="Lucida Sans" panose="020B0602030504020204" pitchFamily="34" charset="77"/>
+                  <a:ea typeface="ＭＳ Ｐゴシック" panose="020B0600070205080204" pitchFamily="34" charset="-128"/>
+                </a:defRPr>
+              </a:lvl2pPr>
+              <a:lvl3pPr marL="1143000" indent="-228600" eaLnBrk="0" hangingPunct="0">
+                <a:defRPr sz="2400">
+                  <a:solidFill>
+                    <a:schemeClr val="tx1"/>
+                  </a:solidFill>
+                  <a:latin typeface="Lucida Sans" panose="020B0602030504020204" pitchFamily="34" charset="77"/>
+                  <a:ea typeface="ＭＳ Ｐゴシック" panose="020B0600070205080204" pitchFamily="34" charset="-128"/>
+                </a:defRPr>
+              </a:lvl3pPr>
+              <a:lvl4pPr marL="1600200" indent="-228600" eaLnBrk="0" hangingPunct="0">
+                <a:defRPr sz="2400">
+                  <a:solidFill>
+                    <a:schemeClr val="tx1"/>
+                  </a:solidFill>
+                  <a:latin typeface="Lucida Sans" panose="020B0602030504020204" pitchFamily="34" charset="77"/>
+                  <a:ea typeface="ＭＳ Ｐゴシック" panose="020B0600070205080204" pitchFamily="34" charset="-128"/>
+                </a:defRPr>
+              </a:lvl4pPr>
+              <a:lvl5pPr marL="2057400" indent="-228600" eaLnBrk="0" hangingPunct="0">
+                <a:defRPr sz="2400">
+                  <a:solidFill>
+                    <a:schemeClr val="tx1"/>
+                  </a:solidFill>
+                  <a:latin typeface="Lucida Sans" panose="020B0602030504020204" pitchFamily="34" charset="77"/>
+                  <a:ea typeface="ＭＳ Ｐゴシック" panose="020B0600070205080204" pitchFamily="34" charset="-128"/>
+                </a:defRPr>
+              </a:lvl5pPr>
+              <a:lvl6pPr marL="2514600" indent="-228600" eaLnBrk="0" fontAlgn="base" hangingPunct="0">
+                <a:spcBef>
+                  <a:spcPct val="0"/>
+                </a:spcBef>
+                <a:spcAft>
+                  <a:spcPct val="0"/>
+                </a:spcAft>
+                <a:defRPr sz="2400">
+                  <a:solidFill>
+                    <a:schemeClr val="tx1"/>
+                  </a:solidFill>
+                  <a:latin typeface="Lucida Sans" panose="020B0602030504020204" pitchFamily="34" charset="77"/>
+                  <a:ea typeface="ＭＳ Ｐゴシック" panose="020B0600070205080204" pitchFamily="34" charset="-128"/>
+                </a:defRPr>
+              </a:lvl6pPr>
+              <a:lvl7pPr marL="2971800" indent="-228600" eaLnBrk="0" fontAlgn="base" hangingPunct="0">
+                <a:spcBef>
+                  <a:spcPct val="0"/>
+                </a:spcBef>
+                <a:spcAft>
+                  <a:spcPct val="0"/>
+                </a:spcAft>
+                <a:defRPr sz="2400">
+                  <a:solidFill>
+                    <a:schemeClr val="tx1"/>
+                  </a:solidFill>
+                  <a:latin typeface="Lucida Sans" panose="020B0602030504020204" pitchFamily="34" charset="77"/>
+                  <a:ea typeface="ＭＳ Ｐゴシック" panose="020B0600070205080204" pitchFamily="34" charset="-128"/>
+                </a:defRPr>
+              </a:lvl7pPr>
+              <a:lvl8pPr marL="3429000" indent="-228600" eaLnBrk="0" fontAlgn="base" hangingPunct="0">
+                <a:spcBef>
+                  <a:spcPct val="0"/>
+                </a:spcBef>
+                <a:spcAft>
+                  <a:spcPct val="0"/>
+                </a:spcAft>
+                <a:defRPr sz="2400">
+                  <a:solidFill>
+                    <a:schemeClr val="tx1"/>
+                  </a:solidFill>
+                  <a:latin typeface="Lucida Sans" panose="020B0602030504020204" pitchFamily="34" charset="77"/>
+                  <a:ea typeface="ＭＳ Ｐゴシック" panose="020B0600070205080204" pitchFamily="34" charset="-128"/>
+                </a:defRPr>
+              </a:lvl8pPr>
+              <a:lvl9pPr marL="3886200" indent="-228600" eaLnBrk="0" fontAlgn="base" hangingPunct="0">
+                <a:spcBef>
+                  <a:spcPct val="0"/>
+                </a:spcBef>
+                <a:spcAft>
+                  <a:spcPct val="0"/>
+                </a:spcAft>
+                <a:defRPr sz="2400">
+                  <a:solidFill>
+                    <a:schemeClr val="tx1"/>
+                  </a:solidFill>
+                  <a:latin typeface="Lucida Sans" panose="020B0602030504020204" pitchFamily="34" charset="77"/>
+                  <a:ea typeface="ＭＳ Ｐゴシック" panose="020B0600070205080204" pitchFamily="34" charset="-128"/>
+                </a:defRPr>
+              </a:lvl9pPr>
+            </a:lstStyle>
+            <a:p>
+              <a:pPr algn="ctr" eaLnBrk="1" hangingPunct="1"/>
+              <a:endParaRPr lang="en-US" altLang="en-US">
+                <a:solidFill>
+                  <a:srgbClr val="FFFFFF"/>
+                </a:solidFill>
+                <a:latin typeface="Calibri" panose="020F0502020204030204" pitchFamily="34" charset="0"/>
+              </a:endParaRPr>
+            </a:p>
+          </p:txBody>
+        </p:sp>
+        <p:sp>
+          <p:nvSpPr>
+            <p:cNvPr id="100" name="Oval 99">
+              <a:extLst>
+                <a:ext uri="{FF2B5EF4-FFF2-40B4-BE49-F238E27FC236}">
+                  <a16:creationId xmlns:a16="http://schemas.microsoft.com/office/drawing/2014/main" id="{855F9FA8-CC85-3D46-A3F3-6802133C519F}"/>
+                </a:ext>
+              </a:extLst>
+            </p:cNvPr>
+            <p:cNvSpPr>
+              <a:spLocks noChangeArrowheads="1"/>
+            </p:cNvSpPr>
+            <p:nvPr/>
+          </p:nvSpPr>
+          <p:spPr bwMode="auto">
+            <a:xfrm>
+              <a:off x="7239000" y="5791200"/>
+              <a:ext cx="152400" cy="152400"/>
+            </a:xfrm>
+            <a:prstGeom prst="ellipse">
+              <a:avLst/>
+            </a:prstGeom>
+            <a:gradFill rotWithShape="1">
+              <a:gsLst>
+                <a:gs pos="0">
+                  <a:srgbClr val="AFCCDF"/>
+                </a:gs>
+                <a:gs pos="100000">
+                  <a:srgbClr val="39748F"/>
+                </a:gs>
+              </a:gsLst>
+              <a:lin ang="5400000"/>
+            </a:gradFill>
+            <a:ln w="9525">
+              <a:solidFill>
+                <a:srgbClr val="406E84"/>
+              </a:solidFill>
+              <a:round/>
+              <a:headEnd/>
+              <a:tailEnd/>
+            </a:ln>
+            <a:effectLst>
+              <a:outerShdw blurRad="40000" dist="23000" dir="5400000" rotWithShape="0">
+                <a:srgbClr val="808080">
+                  <a:alpha val="34999"/>
+                </a:srgbClr>
+              </a:outerShdw>
+            </a:effectLst>
+          </p:spPr>
+          <p:txBody>
+            <a:bodyPr anchor="ctr"/>
+            <a:lstStyle>
+              <a:lvl1pPr eaLnBrk="0" hangingPunct="0">
+                <a:defRPr sz="2400">
+                  <a:solidFill>
+                    <a:schemeClr val="tx1"/>
+                  </a:solidFill>
+                  <a:latin typeface="Lucida Sans" panose="020B0602030504020204" pitchFamily="34" charset="77"/>
+                  <a:ea typeface="ＭＳ Ｐゴシック" panose="020B0600070205080204" pitchFamily="34" charset="-128"/>
+                </a:defRPr>
+              </a:lvl1pPr>
+              <a:lvl2pPr marL="742950" indent="-285750" eaLnBrk="0" hangingPunct="0">
+                <a:defRPr sz="2400">
+                  <a:solidFill>
+                    <a:schemeClr val="tx1"/>
+                  </a:solidFill>
+                  <a:latin typeface="Lucida Sans" panose="020B0602030504020204" pitchFamily="34" charset="77"/>
+                  <a:ea typeface="ＭＳ Ｐゴシック" panose="020B0600070205080204" pitchFamily="34" charset="-128"/>
+                </a:defRPr>
+              </a:lvl2pPr>
+              <a:lvl3pPr marL="1143000" indent="-228600" eaLnBrk="0" hangingPunct="0">
+                <a:defRPr sz="2400">
+                  <a:solidFill>
+                    <a:schemeClr val="tx1"/>
+                  </a:solidFill>
+                  <a:latin typeface="Lucida Sans" panose="020B0602030504020204" pitchFamily="34" charset="77"/>
+                  <a:ea typeface="ＭＳ Ｐゴシック" panose="020B0600070205080204" pitchFamily="34" charset="-128"/>
+                </a:defRPr>
+              </a:lvl3pPr>
+              <a:lvl4pPr marL="1600200" indent="-228600" eaLnBrk="0" hangingPunct="0">
+                <a:defRPr sz="2400">
+                  <a:solidFill>
+                    <a:schemeClr val="tx1"/>
+                  </a:solidFill>
+                  <a:latin typeface="Lucida Sans" panose="020B0602030504020204" pitchFamily="34" charset="77"/>
+                  <a:ea typeface="ＭＳ Ｐゴシック" panose="020B0600070205080204" pitchFamily="34" charset="-128"/>
+                </a:defRPr>
+              </a:lvl4pPr>
+              <a:lvl5pPr marL="2057400" indent="-228600" eaLnBrk="0" hangingPunct="0">
+                <a:defRPr sz="2400">
+                  <a:solidFill>
+                    <a:schemeClr val="tx1"/>
+                  </a:solidFill>
+                  <a:latin typeface="Lucida Sans" panose="020B0602030504020204" pitchFamily="34" charset="77"/>
+                  <a:ea typeface="ＭＳ Ｐゴシック" panose="020B0600070205080204" pitchFamily="34" charset="-128"/>
+                </a:defRPr>
+              </a:lvl5pPr>
+              <a:lvl6pPr marL="2514600" indent="-228600" eaLnBrk="0" fontAlgn="base" hangingPunct="0">
+                <a:spcBef>
+                  <a:spcPct val="0"/>
+                </a:spcBef>
+                <a:spcAft>
+                  <a:spcPct val="0"/>
+                </a:spcAft>
+                <a:defRPr sz="2400">
+                  <a:solidFill>
+                    <a:schemeClr val="tx1"/>
+                  </a:solidFill>
+                  <a:latin typeface="Lucida Sans" panose="020B0602030504020204" pitchFamily="34" charset="77"/>
+                  <a:ea typeface="ＭＳ Ｐゴシック" panose="020B0600070205080204" pitchFamily="34" charset="-128"/>
+                </a:defRPr>
+              </a:lvl6pPr>
+              <a:lvl7pPr marL="2971800" indent="-228600" eaLnBrk="0" fontAlgn="base" hangingPunct="0">
+                <a:spcBef>
+                  <a:spcPct val="0"/>
+                </a:spcBef>
+                <a:spcAft>
+                  <a:spcPct val="0"/>
+                </a:spcAft>
+                <a:defRPr sz="2400">
+                  <a:solidFill>
+                    <a:schemeClr val="tx1"/>
+                  </a:solidFill>
+                  <a:latin typeface="Lucida Sans" panose="020B0602030504020204" pitchFamily="34" charset="77"/>
+                  <a:ea typeface="ＭＳ Ｐゴシック" panose="020B0600070205080204" pitchFamily="34" charset="-128"/>
+                </a:defRPr>
+              </a:lvl7pPr>
+              <a:lvl8pPr marL="3429000" indent="-228600" eaLnBrk="0" fontAlgn="base" hangingPunct="0">
+                <a:spcBef>
+                  <a:spcPct val="0"/>
+                </a:spcBef>
+                <a:spcAft>
+                  <a:spcPct val="0"/>
+                </a:spcAft>
+                <a:defRPr sz="2400">
+                  <a:solidFill>
+                    <a:schemeClr val="tx1"/>
+                  </a:solidFill>
+                  <a:latin typeface="Lucida Sans" panose="020B0602030504020204" pitchFamily="34" charset="77"/>
+                  <a:ea typeface="ＭＳ Ｐゴシック" panose="020B0600070205080204" pitchFamily="34" charset="-128"/>
+                </a:defRPr>
+              </a:lvl8pPr>
+              <a:lvl9pPr marL="3886200" indent="-228600" eaLnBrk="0" fontAlgn="base" hangingPunct="0">
+                <a:spcBef>
+                  <a:spcPct val="0"/>
+                </a:spcBef>
+                <a:spcAft>
+                  <a:spcPct val="0"/>
+                </a:spcAft>
+                <a:defRPr sz="2400">
+                  <a:solidFill>
+                    <a:schemeClr val="tx1"/>
+                  </a:solidFill>
+                  <a:latin typeface="Lucida Sans" panose="020B0602030504020204" pitchFamily="34" charset="77"/>
+                  <a:ea typeface="ＭＳ Ｐゴシック" panose="020B0600070205080204" pitchFamily="34" charset="-128"/>
+                </a:defRPr>
+              </a:lvl9pPr>
+            </a:lstStyle>
+            <a:p>
+              <a:pPr algn="ctr" eaLnBrk="1" hangingPunct="1"/>
+              <a:endParaRPr lang="en-US" altLang="en-US">
+                <a:solidFill>
+                  <a:srgbClr val="FFFFFF"/>
+                </a:solidFill>
+                <a:latin typeface="Calibri" panose="020F0502020204030204" pitchFamily="34" charset="0"/>
+              </a:endParaRPr>
+            </a:p>
+          </p:txBody>
+        </p:sp>
+        <p:sp>
+          <p:nvSpPr>
+            <p:cNvPr id="101" name="Oval 100">
+              <a:extLst>
+                <a:ext uri="{FF2B5EF4-FFF2-40B4-BE49-F238E27FC236}">
+                  <a16:creationId xmlns:a16="http://schemas.microsoft.com/office/drawing/2014/main" id="{E5E5CDEE-7386-A944-BE1C-E09209E17C6E}"/>
+                </a:ext>
+              </a:extLst>
+            </p:cNvPr>
+            <p:cNvSpPr>
+              <a:spLocks noChangeArrowheads="1"/>
+            </p:cNvSpPr>
+            <p:nvPr/>
+          </p:nvSpPr>
+          <p:spPr bwMode="auto">
+            <a:xfrm>
+              <a:off x="7696200" y="5791200"/>
+              <a:ext cx="152400" cy="152400"/>
+            </a:xfrm>
+            <a:prstGeom prst="ellipse">
+              <a:avLst/>
+            </a:prstGeom>
+            <a:gradFill rotWithShape="1">
+              <a:gsLst>
+                <a:gs pos="0">
+                  <a:srgbClr val="AFCCDF"/>
+                </a:gs>
+                <a:gs pos="100000">
+                  <a:srgbClr val="39748F"/>
+                </a:gs>
+              </a:gsLst>
+              <a:lin ang="5400000"/>
+            </a:gradFill>
+            <a:ln w="9525">
+              <a:solidFill>
+                <a:srgbClr val="406E84"/>
+              </a:solidFill>
+              <a:round/>
+              <a:headEnd/>
+              <a:tailEnd/>
+            </a:ln>
+            <a:effectLst>
+              <a:outerShdw blurRad="40000" dist="23000" dir="5400000" rotWithShape="0">
+                <a:srgbClr val="808080">
+                  <a:alpha val="34999"/>
+                </a:srgbClr>
+              </a:outerShdw>
+            </a:effectLst>
+          </p:spPr>
+          <p:txBody>
+            <a:bodyPr anchor="ctr"/>
+            <a:lstStyle>
+              <a:lvl1pPr eaLnBrk="0" hangingPunct="0">
+                <a:defRPr sz="2400">
+                  <a:solidFill>
+                    <a:schemeClr val="tx1"/>
+                  </a:solidFill>
+                  <a:latin typeface="Lucida Sans" panose="020B0602030504020204" pitchFamily="34" charset="77"/>
+                  <a:ea typeface="ＭＳ Ｐゴシック" panose="020B0600070205080204" pitchFamily="34" charset="-128"/>
+                </a:defRPr>
+              </a:lvl1pPr>
+              <a:lvl2pPr marL="742950" indent="-285750" eaLnBrk="0" hangingPunct="0">
+                <a:defRPr sz="2400">
+                  <a:solidFill>
+                    <a:schemeClr val="tx1"/>
+                  </a:solidFill>
+                  <a:latin typeface="Lucida Sans" panose="020B0602030504020204" pitchFamily="34" charset="77"/>
+                  <a:ea typeface="ＭＳ Ｐゴシック" panose="020B0600070205080204" pitchFamily="34" charset="-128"/>
+                </a:defRPr>
+              </a:lvl2pPr>
+              <a:lvl3pPr marL="1143000" indent="-228600" eaLnBrk="0" hangingPunct="0">
+                <a:defRPr sz="2400">
+                  <a:solidFill>
+                    <a:schemeClr val="tx1"/>
+                  </a:solidFill>
+                  <a:latin typeface="Lucida Sans" panose="020B0602030504020204" pitchFamily="34" charset="77"/>
+                  <a:ea typeface="ＭＳ Ｐゴシック" panose="020B0600070205080204" pitchFamily="34" charset="-128"/>
+                </a:defRPr>
+              </a:lvl3pPr>
+              <a:lvl4pPr marL="1600200" indent="-228600" eaLnBrk="0" hangingPunct="0">
+                <a:defRPr sz="2400">
+                  <a:solidFill>
+                    <a:schemeClr val="tx1"/>
+                  </a:solidFill>
+                  <a:latin typeface="Lucida Sans" panose="020B0602030504020204" pitchFamily="34" charset="77"/>
+                  <a:ea typeface="ＭＳ Ｐゴシック" panose="020B0600070205080204" pitchFamily="34" charset="-128"/>
+                </a:defRPr>
+              </a:lvl4pPr>
+              <a:lvl5pPr marL="2057400" indent="-228600" eaLnBrk="0" hangingPunct="0">
+                <a:defRPr sz="2400">
+                  <a:solidFill>
+                    <a:schemeClr val="tx1"/>
+                  </a:solidFill>
+                  <a:latin typeface="Lucida Sans" panose="020B0602030504020204" pitchFamily="34" charset="77"/>
+                  <a:ea typeface="ＭＳ Ｐゴシック" panose="020B0600070205080204" pitchFamily="34" charset="-128"/>
+                </a:defRPr>
+              </a:lvl5pPr>
+              <a:lvl6pPr marL="2514600" indent="-228600" eaLnBrk="0" fontAlgn="base" hangingPunct="0">
+                <a:spcBef>
+                  <a:spcPct val="0"/>
+                </a:spcBef>
+                <a:spcAft>
+                  <a:spcPct val="0"/>
+                </a:spcAft>
+                <a:defRPr sz="2400">
+                  <a:solidFill>
+                    <a:schemeClr val="tx1"/>
+                  </a:solidFill>
+                  <a:latin typeface="Lucida Sans" panose="020B0602030504020204" pitchFamily="34" charset="77"/>
+                  <a:ea typeface="ＭＳ Ｐゴシック" panose="020B0600070205080204" pitchFamily="34" charset="-128"/>
+                </a:defRPr>
+              </a:lvl6pPr>
+              <a:lvl7pPr marL="2971800" indent="-228600" eaLnBrk="0" fontAlgn="base" hangingPunct="0">
+                <a:spcBef>
+                  <a:spcPct val="0"/>
+                </a:spcBef>
+                <a:spcAft>
+                  <a:spcPct val="0"/>
+                </a:spcAft>
+                <a:defRPr sz="2400">
+                  <a:solidFill>
+                    <a:schemeClr val="tx1"/>
+                  </a:solidFill>
+                  <a:latin typeface="Lucida Sans" panose="020B0602030504020204" pitchFamily="34" charset="77"/>
+                  <a:ea typeface="ＭＳ Ｐゴシック" panose="020B0600070205080204" pitchFamily="34" charset="-128"/>
+                </a:defRPr>
+              </a:lvl7pPr>
+              <a:lvl8pPr marL="3429000" indent="-228600" eaLnBrk="0" fontAlgn="base" hangingPunct="0">
+                <a:spcBef>
+                  <a:spcPct val="0"/>
+                </a:spcBef>
+                <a:spcAft>
+                  <a:spcPct val="0"/>
+                </a:spcAft>
+                <a:defRPr sz="2400">
+                  <a:solidFill>
+                    <a:schemeClr val="tx1"/>
+                  </a:solidFill>
+                  <a:latin typeface="Lucida Sans" panose="020B0602030504020204" pitchFamily="34" charset="77"/>
+                  <a:ea typeface="ＭＳ Ｐゴシック" panose="020B0600070205080204" pitchFamily="34" charset="-128"/>
+                </a:defRPr>
+              </a:lvl8pPr>
+              <a:lvl9pPr marL="3886200" indent="-228600" eaLnBrk="0" fontAlgn="base" hangingPunct="0">
+                <a:spcBef>
+                  <a:spcPct val="0"/>
+                </a:spcBef>
+                <a:spcAft>
+                  <a:spcPct val="0"/>
+                </a:spcAft>
+                <a:defRPr sz="2400">
+                  <a:solidFill>
+                    <a:schemeClr val="tx1"/>
+                  </a:solidFill>
+                  <a:latin typeface="Lucida Sans" panose="020B0602030504020204" pitchFamily="34" charset="77"/>
+                  <a:ea typeface="ＭＳ Ｐゴシック" panose="020B0600070205080204" pitchFamily="34" charset="-128"/>
+                </a:defRPr>
+              </a:lvl9pPr>
+            </a:lstStyle>
+            <a:p>
+              <a:pPr algn="ctr" eaLnBrk="1" hangingPunct="1"/>
+              <a:endParaRPr lang="en-US" altLang="en-US">
+                <a:solidFill>
+                  <a:srgbClr val="FFFFFF"/>
+                </a:solidFill>
+                <a:latin typeface="Calibri" panose="020F0502020204030204" pitchFamily="34" charset="0"/>
+              </a:endParaRPr>
+            </a:p>
+          </p:txBody>
+        </p:sp>
+        <p:sp>
+          <p:nvSpPr>
+            <p:cNvPr id="102" name="Oval 101">
+              <a:extLst>
+                <a:ext uri="{FF2B5EF4-FFF2-40B4-BE49-F238E27FC236}">
+                  <a16:creationId xmlns:a16="http://schemas.microsoft.com/office/drawing/2014/main" id="{4344BDF3-63E6-E84C-BF3B-CF5E28D98D98}"/>
+                </a:ext>
+              </a:extLst>
+            </p:cNvPr>
+            <p:cNvSpPr>
+              <a:spLocks noChangeArrowheads="1"/>
+            </p:cNvSpPr>
+            <p:nvPr/>
+          </p:nvSpPr>
+          <p:spPr bwMode="auto">
+            <a:xfrm>
+              <a:off x="8153400" y="5791200"/>
+              <a:ext cx="152400" cy="152400"/>
+            </a:xfrm>
+            <a:prstGeom prst="ellipse">
+              <a:avLst/>
+            </a:prstGeom>
+            <a:gradFill rotWithShape="1">
+              <a:gsLst>
+                <a:gs pos="0">
+                  <a:srgbClr val="AFCCDF"/>
+                </a:gs>
+                <a:gs pos="100000">
+                  <a:srgbClr val="39748F"/>
+                </a:gs>
+              </a:gsLst>
+              <a:lin ang="5400000"/>
+            </a:gradFill>
+            <a:ln w="9525">
+              <a:solidFill>
+                <a:srgbClr val="406E84"/>
+              </a:solidFill>
+              <a:round/>
+              <a:headEnd/>
+              <a:tailEnd/>
+            </a:ln>
+            <a:effectLst>
+              <a:outerShdw blurRad="40000" dist="23000" dir="5400000" rotWithShape="0">
+                <a:srgbClr val="808080">
+                  <a:alpha val="34999"/>
+                </a:srgbClr>
+              </a:outerShdw>
+            </a:effectLst>
+          </p:spPr>
+          <p:txBody>
+            <a:bodyPr anchor="ctr"/>
+            <a:lstStyle>
+              <a:lvl1pPr eaLnBrk="0" hangingPunct="0">
+                <a:defRPr sz="2400">
+                  <a:solidFill>
+                    <a:schemeClr val="tx1"/>
+                  </a:solidFill>
+                  <a:latin typeface="Lucida Sans" panose="020B0602030504020204" pitchFamily="34" charset="77"/>
+                  <a:ea typeface="ＭＳ Ｐゴシック" panose="020B0600070205080204" pitchFamily="34" charset="-128"/>
+                </a:defRPr>
+              </a:lvl1pPr>
+              <a:lvl2pPr marL="742950" indent="-285750" eaLnBrk="0" hangingPunct="0">
+                <a:defRPr sz="2400">
+                  <a:solidFill>
+                    <a:schemeClr val="tx1"/>
+                  </a:solidFill>
+                  <a:latin typeface="Lucida Sans" panose="020B0602030504020204" pitchFamily="34" charset="77"/>
+                  <a:ea typeface="ＭＳ Ｐゴシック" panose="020B0600070205080204" pitchFamily="34" charset="-128"/>
+                </a:defRPr>
+              </a:lvl2pPr>
+              <a:lvl3pPr marL="1143000" indent="-228600" eaLnBrk="0" hangingPunct="0">
+                <a:defRPr sz="2400">
+                  <a:solidFill>
+                    <a:schemeClr val="tx1"/>
+                  </a:solidFill>
+                  <a:latin typeface="Lucida Sans" panose="020B0602030504020204" pitchFamily="34" charset="77"/>
+                  <a:ea typeface="ＭＳ Ｐゴシック" panose="020B0600070205080204" pitchFamily="34" charset="-128"/>
+                </a:defRPr>
+              </a:lvl3pPr>
+              <a:lvl4pPr marL="1600200" indent="-228600" eaLnBrk="0" hangingPunct="0">
+                <a:defRPr sz="2400">
+                  <a:solidFill>
+                    <a:schemeClr val="tx1"/>
+                  </a:solidFill>
+                  <a:latin typeface="Lucida Sans" panose="020B0602030504020204" pitchFamily="34" charset="77"/>
+                  <a:ea typeface="ＭＳ Ｐゴシック" panose="020B0600070205080204" pitchFamily="34" charset="-128"/>
+                </a:defRPr>
+              </a:lvl4pPr>
+              <a:lvl5pPr marL="2057400" indent="-228600" eaLnBrk="0" hangingPunct="0">
+                <a:defRPr sz="2400">
+                  <a:solidFill>
+                    <a:schemeClr val="tx1"/>
+                  </a:solidFill>
+                  <a:latin typeface="Lucida Sans" panose="020B0602030504020204" pitchFamily="34" charset="77"/>
+                  <a:ea typeface="ＭＳ Ｐゴシック" panose="020B0600070205080204" pitchFamily="34" charset="-128"/>
+                </a:defRPr>
+              </a:lvl5pPr>
+              <a:lvl6pPr marL="2514600" indent="-228600" eaLnBrk="0" fontAlgn="base" hangingPunct="0">
+                <a:spcBef>
+                  <a:spcPct val="0"/>
+                </a:spcBef>
+                <a:spcAft>
+                  <a:spcPct val="0"/>
+                </a:spcAft>
+                <a:defRPr sz="2400">
+                  <a:solidFill>
+                    <a:schemeClr val="tx1"/>
+                  </a:solidFill>
+                  <a:latin typeface="Lucida Sans" panose="020B0602030504020204" pitchFamily="34" charset="77"/>
+                  <a:ea typeface="ＭＳ Ｐゴシック" panose="020B0600070205080204" pitchFamily="34" charset="-128"/>
+                </a:defRPr>
+              </a:lvl6pPr>
+              <a:lvl7pPr marL="2971800" indent="-228600" eaLnBrk="0" fontAlgn="base" hangingPunct="0">
+                <a:spcBef>
+                  <a:spcPct val="0"/>
+                </a:spcBef>
+                <a:spcAft>
+                  <a:spcPct val="0"/>
+                </a:spcAft>
+                <a:defRPr sz="2400">
+                  <a:solidFill>
+                    <a:schemeClr val="tx1"/>
+                  </a:solidFill>
+                  <a:latin typeface="Lucida Sans" panose="020B0602030504020204" pitchFamily="34" charset="77"/>
+                  <a:ea typeface="ＭＳ Ｐゴシック" panose="020B0600070205080204" pitchFamily="34" charset="-128"/>
+                </a:defRPr>
+              </a:lvl7pPr>
+              <a:lvl8pPr marL="3429000" indent="-228600" eaLnBrk="0" fontAlgn="base" hangingPunct="0">
+                <a:spcBef>
+                  <a:spcPct val="0"/>
+                </a:spcBef>
+                <a:spcAft>
+                  <a:spcPct val="0"/>
+                </a:spcAft>
+                <a:defRPr sz="2400">
+                  <a:solidFill>
+                    <a:schemeClr val="tx1"/>
+                  </a:solidFill>
+                  <a:latin typeface="Lucida Sans" panose="020B0602030504020204" pitchFamily="34" charset="77"/>
+                  <a:ea typeface="ＭＳ Ｐゴシック" panose="020B0600070205080204" pitchFamily="34" charset="-128"/>
+                </a:defRPr>
+              </a:lvl8pPr>
+              <a:lvl9pPr marL="3886200" indent="-228600" eaLnBrk="0" fontAlgn="base" hangingPunct="0">
+                <a:spcBef>
+                  <a:spcPct val="0"/>
+                </a:spcBef>
+                <a:spcAft>
+                  <a:spcPct val="0"/>
+                </a:spcAft>
+                <a:defRPr sz="2400">
+                  <a:solidFill>
+                    <a:schemeClr val="tx1"/>
+                  </a:solidFill>
+                  <a:latin typeface="Lucida Sans" panose="020B0602030504020204" pitchFamily="34" charset="77"/>
+                  <a:ea typeface="ＭＳ Ｐゴシック" panose="020B0600070205080204" pitchFamily="34" charset="-128"/>
+                </a:defRPr>
+              </a:lvl9pPr>
+            </a:lstStyle>
+            <a:p>
+              <a:pPr algn="ctr" eaLnBrk="1" hangingPunct="1"/>
+              <a:endParaRPr lang="en-US" altLang="en-US">
+                <a:solidFill>
+                  <a:srgbClr val="FFFFFF"/>
+                </a:solidFill>
+                <a:latin typeface="Calibri" panose="020F0502020204030204" pitchFamily="34" charset="0"/>
+              </a:endParaRPr>
+            </a:p>
+          </p:txBody>
+        </p:sp>
+        <p:sp>
+          <p:nvSpPr>
+            <p:cNvPr id="103" name="Oval 102">
+              <a:extLst>
+                <a:ext uri="{FF2B5EF4-FFF2-40B4-BE49-F238E27FC236}">
+                  <a16:creationId xmlns:a16="http://schemas.microsoft.com/office/drawing/2014/main" id="{C42566A5-7F11-4943-BADA-5359EF75BE1F}"/>
+                </a:ext>
+              </a:extLst>
+            </p:cNvPr>
+            <p:cNvSpPr>
+              <a:spLocks noChangeArrowheads="1"/>
+            </p:cNvSpPr>
+            <p:nvPr/>
+          </p:nvSpPr>
+          <p:spPr bwMode="auto">
+            <a:xfrm>
+              <a:off x="8610600" y="5791200"/>
+              <a:ext cx="152400" cy="152400"/>
+            </a:xfrm>
+            <a:prstGeom prst="ellipse">
+              <a:avLst/>
+            </a:prstGeom>
+            <a:gradFill rotWithShape="1">
+              <a:gsLst>
+                <a:gs pos="0">
+                  <a:srgbClr val="AFCCDF"/>
+                </a:gs>
+                <a:gs pos="100000">
+                  <a:srgbClr val="39748F"/>
+                </a:gs>
+              </a:gsLst>
+              <a:lin ang="5400000"/>
+            </a:gradFill>
+            <a:ln w="9525">
+              <a:solidFill>
+                <a:srgbClr val="406E84"/>
+              </a:solidFill>
+              <a:round/>
+              <a:headEnd/>
+              <a:tailEnd/>
+            </a:ln>
+            <a:effectLst>
+              <a:outerShdw blurRad="40000" dist="23000" dir="5400000" rotWithShape="0">
+                <a:srgbClr val="808080">
+                  <a:alpha val="34999"/>
+                </a:srgbClr>
+              </a:outerShdw>
+            </a:effectLst>
+          </p:spPr>
+          <p:txBody>
+            <a:bodyPr anchor="ctr"/>
+            <a:lstStyle>
+              <a:lvl1pPr eaLnBrk="0" hangingPunct="0">
+                <a:defRPr sz="2400">
+                  <a:solidFill>
+                    <a:schemeClr val="tx1"/>
+                  </a:solidFill>
+                  <a:latin typeface="Lucida Sans" panose="020B0602030504020204" pitchFamily="34" charset="77"/>
+                  <a:ea typeface="ＭＳ Ｐゴシック" panose="020B0600070205080204" pitchFamily="34" charset="-128"/>
+                </a:defRPr>
+              </a:lvl1pPr>
+              <a:lvl2pPr marL="742950" indent="-285750" eaLnBrk="0" hangingPunct="0">
+                <a:defRPr sz="2400">
+                  <a:solidFill>
+                    <a:schemeClr val="tx1"/>
+                  </a:solidFill>
+                  <a:latin typeface="Lucida Sans" panose="020B0602030504020204" pitchFamily="34" charset="77"/>
+                  <a:ea typeface="ＭＳ Ｐゴシック" panose="020B0600070205080204" pitchFamily="34" charset="-128"/>
+                </a:defRPr>
+              </a:lvl2pPr>
+              <a:lvl3pPr marL="1143000" indent="-228600" eaLnBrk="0" hangingPunct="0">
+                <a:defRPr sz="2400">
+                  <a:solidFill>
+                    <a:schemeClr val="tx1"/>
+                  </a:solidFill>
+                  <a:latin typeface="Lucida Sans" panose="020B0602030504020204" pitchFamily="34" charset="77"/>
+                  <a:ea typeface="ＭＳ Ｐゴシック" panose="020B0600070205080204" pitchFamily="34" charset="-128"/>
+                </a:defRPr>
+              </a:lvl3pPr>
+              <a:lvl4pPr marL="1600200" indent="-228600" eaLnBrk="0" hangingPunct="0">
+                <a:defRPr sz="2400">
+                  <a:solidFill>
+                    <a:schemeClr val="tx1"/>
+                  </a:solidFill>
+                  <a:latin typeface="Lucida Sans" panose="020B0602030504020204" pitchFamily="34" charset="77"/>
+                  <a:ea typeface="ＭＳ Ｐゴシック" panose="020B0600070205080204" pitchFamily="34" charset="-128"/>
+                </a:defRPr>
+              </a:lvl4pPr>
+              <a:lvl5pPr marL="2057400" indent="-228600" eaLnBrk="0" hangingPunct="0">
+                <a:defRPr sz="2400">
+                  <a:solidFill>
+                    <a:schemeClr val="tx1"/>
+                  </a:solidFill>
+                  <a:latin typeface="Lucida Sans" panose="020B0602030504020204" pitchFamily="34" charset="77"/>
+                  <a:ea typeface="ＭＳ Ｐゴシック" panose="020B0600070205080204" pitchFamily="34" charset="-128"/>
+                </a:defRPr>
+              </a:lvl5pPr>
+              <a:lvl6pPr marL="2514600" indent="-228600" eaLnBrk="0" fontAlgn="base" hangingPunct="0">
+                <a:spcBef>
+                  <a:spcPct val="0"/>
+                </a:spcBef>
+                <a:spcAft>
+                  <a:spcPct val="0"/>
+                </a:spcAft>
+                <a:defRPr sz="2400">
+                  <a:solidFill>
+                    <a:schemeClr val="tx1"/>
+                  </a:solidFill>
+                  <a:latin typeface="Lucida Sans" panose="020B0602030504020204" pitchFamily="34" charset="77"/>
+                  <a:ea typeface="ＭＳ Ｐゴシック" panose="020B0600070205080204" pitchFamily="34" charset="-128"/>
+                </a:defRPr>
+              </a:lvl6pPr>
+              <a:lvl7pPr marL="2971800" indent="-228600" eaLnBrk="0" fontAlgn="base" hangingPunct="0">
+                <a:spcBef>
+                  <a:spcPct val="0"/>
+                </a:spcBef>
+                <a:spcAft>
+                  <a:spcPct val="0"/>
+                </a:spcAft>
+                <a:defRPr sz="2400">
+                  <a:solidFill>
+                    <a:schemeClr val="tx1"/>
+                  </a:solidFill>
+                  <a:latin typeface="Lucida Sans" panose="020B0602030504020204" pitchFamily="34" charset="77"/>
+                  <a:ea typeface="ＭＳ Ｐゴシック" panose="020B0600070205080204" pitchFamily="34" charset="-128"/>
+                </a:defRPr>
+              </a:lvl7pPr>
+              <a:lvl8pPr marL="3429000" indent="-228600" eaLnBrk="0" fontAlgn="base" hangingPunct="0">
+                <a:spcBef>
+                  <a:spcPct val="0"/>
+                </a:spcBef>
+                <a:spcAft>
+                  <a:spcPct val="0"/>
+                </a:spcAft>
+                <a:defRPr sz="2400">
+                  <a:solidFill>
+                    <a:schemeClr val="tx1"/>
+                  </a:solidFill>
+                  <a:latin typeface="Lucida Sans" panose="020B0602030504020204" pitchFamily="34" charset="77"/>
+                  <a:ea typeface="ＭＳ Ｐゴシック" panose="020B0600070205080204" pitchFamily="34" charset="-128"/>
+                </a:defRPr>
+              </a:lvl8pPr>
+              <a:lvl9pPr marL="3886200" indent="-228600" eaLnBrk="0" fontAlgn="base" hangingPunct="0">
+                <a:spcBef>
+                  <a:spcPct val="0"/>
+                </a:spcBef>
+                <a:spcAft>
+                  <a:spcPct val="0"/>
+                </a:spcAft>
+                <a:defRPr sz="2400">
+                  <a:solidFill>
+                    <a:schemeClr val="tx1"/>
+                  </a:solidFill>
+                  <a:latin typeface="Lucida Sans" panose="020B0602030504020204" pitchFamily="34" charset="77"/>
+                  <a:ea typeface="ＭＳ Ｐゴシック" panose="020B0600070205080204" pitchFamily="34" charset="-128"/>
+                </a:defRPr>
+              </a:lvl9pPr>
+            </a:lstStyle>
+            <a:p>
+              <a:pPr algn="ctr" eaLnBrk="1" hangingPunct="1"/>
+              <a:endParaRPr lang="en-US" altLang="en-US">
+                <a:solidFill>
+                  <a:srgbClr val="FFFFFF"/>
+                </a:solidFill>
+                <a:latin typeface="Calibri" panose="020F0502020204030204" pitchFamily="34" charset="0"/>
+              </a:endParaRPr>
+            </a:p>
+          </p:txBody>
+        </p:sp>
+        <p:sp>
+          <p:nvSpPr>
+            <p:cNvPr id="104" name="Oval 103">
+              <a:extLst>
+                <a:ext uri="{FF2B5EF4-FFF2-40B4-BE49-F238E27FC236}">
+                  <a16:creationId xmlns:a16="http://schemas.microsoft.com/office/drawing/2014/main" id="{0712C862-8467-C142-9FDC-E7F5DAA3AE8E}"/>
+                </a:ext>
+              </a:extLst>
+            </p:cNvPr>
+            <p:cNvSpPr>
+              <a:spLocks noChangeArrowheads="1"/>
+            </p:cNvSpPr>
+            <p:nvPr/>
+          </p:nvSpPr>
+          <p:spPr bwMode="auto">
+            <a:xfrm>
+              <a:off x="9067800" y="5791200"/>
+              <a:ext cx="152400" cy="152400"/>
+            </a:xfrm>
+            <a:prstGeom prst="ellipse">
+              <a:avLst/>
+            </a:prstGeom>
+            <a:gradFill rotWithShape="1">
+              <a:gsLst>
+                <a:gs pos="0">
+                  <a:srgbClr val="AFCCDF"/>
+                </a:gs>
+                <a:gs pos="100000">
+                  <a:srgbClr val="39748F"/>
+                </a:gs>
+              </a:gsLst>
+              <a:lin ang="5400000"/>
+            </a:gradFill>
+            <a:ln w="9525">
+              <a:solidFill>
+                <a:srgbClr val="406E84"/>
+              </a:solidFill>
+              <a:round/>
+              <a:headEnd/>
+              <a:tailEnd/>
+            </a:ln>
+            <a:effectLst>
+              <a:outerShdw blurRad="40000" dist="23000" dir="5400000" rotWithShape="0">
+                <a:srgbClr val="808080">
+                  <a:alpha val="34999"/>
+                </a:srgbClr>
+              </a:outerShdw>
+            </a:effectLst>
+          </p:spPr>
+          <p:txBody>
+            <a:bodyPr anchor="ctr"/>
+            <a:lstStyle>
+              <a:lvl1pPr eaLnBrk="0" hangingPunct="0">
+                <a:defRPr sz="2400">
+                  <a:solidFill>
+                    <a:schemeClr val="tx1"/>
+                  </a:solidFill>
+                  <a:latin typeface="Lucida Sans" panose="020B0602030504020204" pitchFamily="34" charset="77"/>
+                  <a:ea typeface="ＭＳ Ｐゴシック" panose="020B0600070205080204" pitchFamily="34" charset="-128"/>
+                </a:defRPr>
+              </a:lvl1pPr>
+              <a:lvl2pPr marL="742950" indent="-285750" eaLnBrk="0" hangingPunct="0">
+                <a:defRPr sz="2400">
+                  <a:solidFill>
+                    <a:schemeClr val="tx1"/>
+                  </a:solidFill>
+                  <a:latin typeface="Lucida Sans" panose="020B0602030504020204" pitchFamily="34" charset="77"/>
+                  <a:ea typeface="ＭＳ Ｐゴシック" panose="020B0600070205080204" pitchFamily="34" charset="-128"/>
+                </a:defRPr>
+              </a:lvl2pPr>
+              <a:lvl3pPr marL="1143000" indent="-228600" eaLnBrk="0" hangingPunct="0">
+                <a:defRPr sz="2400">
+                  <a:solidFill>
+                    <a:schemeClr val="tx1"/>
+                  </a:solidFill>
+                  <a:latin typeface="Lucida Sans" panose="020B0602030504020204" pitchFamily="34" charset="77"/>
+                  <a:ea typeface="ＭＳ Ｐゴシック" panose="020B0600070205080204" pitchFamily="34" charset="-128"/>
+                </a:defRPr>
+              </a:lvl3pPr>
+              <a:lvl4pPr marL="1600200" indent="-228600" eaLnBrk="0" hangingPunct="0">
+                <a:defRPr sz="2400">
+                  <a:solidFill>
+                    <a:schemeClr val="tx1"/>
+                  </a:solidFill>
+                  <a:latin typeface="Lucida Sans" panose="020B0602030504020204" pitchFamily="34" charset="77"/>
+                  <a:ea typeface="ＭＳ Ｐゴシック" panose="020B0600070205080204" pitchFamily="34" charset="-128"/>
+                </a:defRPr>
+              </a:lvl4pPr>
+              <a:lvl5pPr marL="2057400" indent="-228600" eaLnBrk="0" hangingPunct="0">
+                <a:defRPr sz="2400">
+                  <a:solidFill>
+                    <a:schemeClr val="tx1"/>
+                  </a:solidFill>
+                  <a:latin typeface="Lucida Sans" panose="020B0602030504020204" pitchFamily="34" charset="77"/>
+                  <a:ea typeface="ＭＳ Ｐゴシック" panose="020B0600070205080204" pitchFamily="34" charset="-128"/>
+                </a:defRPr>
+              </a:lvl5pPr>
+              <a:lvl6pPr marL="2514600" indent="-228600" eaLnBrk="0" fontAlgn="base" hangingPunct="0">
+                <a:spcBef>
+                  <a:spcPct val="0"/>
+                </a:spcBef>
+                <a:spcAft>
+                  <a:spcPct val="0"/>
+                </a:spcAft>
+                <a:defRPr sz="2400">
+                  <a:solidFill>
+                    <a:schemeClr val="tx1"/>
+                  </a:solidFill>
+                  <a:latin typeface="Lucida Sans" panose="020B0602030504020204" pitchFamily="34" charset="77"/>
+                  <a:ea typeface="ＭＳ Ｐゴシック" panose="020B0600070205080204" pitchFamily="34" charset="-128"/>
+                </a:defRPr>
+              </a:lvl6pPr>
+              <a:lvl7pPr marL="2971800" indent="-228600" eaLnBrk="0" fontAlgn="base" hangingPunct="0">
+                <a:spcBef>
+                  <a:spcPct val="0"/>
+                </a:spcBef>
+                <a:spcAft>
+                  <a:spcPct val="0"/>
+                </a:spcAft>
+                <a:defRPr sz="2400">
+                  <a:solidFill>
+                    <a:schemeClr val="tx1"/>
+                  </a:solidFill>
+                  <a:latin typeface="Lucida Sans" panose="020B0602030504020204" pitchFamily="34" charset="77"/>
+                  <a:ea typeface="ＭＳ Ｐゴシック" panose="020B0600070205080204" pitchFamily="34" charset="-128"/>
+                </a:defRPr>
+              </a:lvl7pPr>
+              <a:lvl8pPr marL="3429000" indent="-228600" eaLnBrk="0" fontAlgn="base" hangingPunct="0">
+                <a:spcBef>
+                  <a:spcPct val="0"/>
+                </a:spcBef>
+                <a:spcAft>
+                  <a:spcPct val="0"/>
+                </a:spcAft>
+                <a:defRPr sz="2400">
+                  <a:solidFill>
+                    <a:schemeClr val="tx1"/>
+                  </a:solidFill>
+                  <a:latin typeface="Lucida Sans" panose="020B0602030504020204" pitchFamily="34" charset="77"/>
+                  <a:ea typeface="ＭＳ Ｐゴシック" panose="020B0600070205080204" pitchFamily="34" charset="-128"/>
+                </a:defRPr>
+              </a:lvl8pPr>
+              <a:lvl9pPr marL="3886200" indent="-228600" eaLnBrk="0" fontAlgn="base" hangingPunct="0">
+                <a:spcBef>
+                  <a:spcPct val="0"/>
+                </a:spcBef>
+                <a:spcAft>
+                  <a:spcPct val="0"/>
+                </a:spcAft>
+                <a:defRPr sz="2400">
+                  <a:solidFill>
+                    <a:schemeClr val="tx1"/>
+                  </a:solidFill>
+                  <a:latin typeface="Lucida Sans" panose="020B0602030504020204" pitchFamily="34" charset="77"/>
+                  <a:ea typeface="ＭＳ Ｐゴシック" panose="020B0600070205080204" pitchFamily="34" charset="-128"/>
+                </a:defRPr>
+              </a:lvl9pPr>
+            </a:lstStyle>
+            <a:p>
+              <a:pPr algn="ctr" eaLnBrk="1" hangingPunct="1"/>
+              <a:endParaRPr lang="en-US" altLang="en-US">
+                <a:solidFill>
+                  <a:srgbClr val="FFFFFF"/>
+                </a:solidFill>
+                <a:latin typeface="Calibri" panose="020F0502020204030204" pitchFamily="34" charset="0"/>
+              </a:endParaRPr>
+            </a:p>
+          </p:txBody>
+        </p:sp>
+        <p:sp>
+          <p:nvSpPr>
+            <p:cNvPr id="105" name="Oval 104">
+              <a:extLst>
+                <a:ext uri="{FF2B5EF4-FFF2-40B4-BE49-F238E27FC236}">
+                  <a16:creationId xmlns:a16="http://schemas.microsoft.com/office/drawing/2014/main" id="{2EEFCD21-F791-BB4B-BF5E-C9B91ECB2A0A}"/>
+                </a:ext>
+              </a:extLst>
+            </p:cNvPr>
+            <p:cNvSpPr>
+              <a:spLocks noChangeArrowheads="1"/>
+            </p:cNvSpPr>
+            <p:nvPr/>
+          </p:nvSpPr>
+          <p:spPr bwMode="auto">
+            <a:xfrm>
+              <a:off x="9525000" y="5791200"/>
+              <a:ext cx="152400" cy="152400"/>
+            </a:xfrm>
+            <a:prstGeom prst="ellipse">
+              <a:avLst/>
+            </a:prstGeom>
+            <a:gradFill rotWithShape="1">
+              <a:gsLst>
+                <a:gs pos="0">
+                  <a:srgbClr val="AFCCDF"/>
+                </a:gs>
+                <a:gs pos="100000">
+                  <a:srgbClr val="39748F"/>
+                </a:gs>
+              </a:gsLst>
+              <a:lin ang="5400000"/>
+            </a:gradFill>
+            <a:ln w="9525">
+              <a:solidFill>
+                <a:srgbClr val="406E84"/>
+              </a:solidFill>
+              <a:round/>
+              <a:headEnd/>
+              <a:tailEnd/>
+            </a:ln>
+            <a:effectLst>
+              <a:outerShdw blurRad="40000" dist="23000" dir="5400000" rotWithShape="0">
+                <a:srgbClr val="808080">
+                  <a:alpha val="34999"/>
+                </a:srgbClr>
+              </a:outerShdw>
+            </a:effectLst>
+          </p:spPr>
+          <p:txBody>
+            <a:bodyPr anchor="ctr"/>
+            <a:lstStyle>
+              <a:lvl1pPr eaLnBrk="0" hangingPunct="0">
+                <a:defRPr sz="2400">
+                  <a:solidFill>
+                    <a:schemeClr val="tx1"/>
+                  </a:solidFill>
+                  <a:latin typeface="Lucida Sans" panose="020B0602030504020204" pitchFamily="34" charset="77"/>
+                  <a:ea typeface="ＭＳ Ｐゴシック" panose="020B0600070205080204" pitchFamily="34" charset="-128"/>
+                </a:defRPr>
+              </a:lvl1pPr>
+              <a:lvl2pPr marL="742950" indent="-285750" eaLnBrk="0" hangingPunct="0">
+                <a:defRPr sz="2400">
+                  <a:solidFill>
+                    <a:schemeClr val="tx1"/>
+                  </a:solidFill>
+                  <a:latin typeface="Lucida Sans" panose="020B0602030504020204" pitchFamily="34" charset="77"/>
+                  <a:ea typeface="ＭＳ Ｐゴシック" panose="020B0600070205080204" pitchFamily="34" charset="-128"/>
+                </a:defRPr>
+              </a:lvl2pPr>
+              <a:lvl3pPr marL="1143000" indent="-228600" eaLnBrk="0" hangingPunct="0">
+                <a:defRPr sz="2400">
+                  <a:solidFill>
+                    <a:schemeClr val="tx1"/>
+                  </a:solidFill>
+                  <a:latin typeface="Lucida Sans" panose="020B0602030504020204" pitchFamily="34" charset="77"/>
+                  <a:ea typeface="ＭＳ Ｐゴシック" panose="020B0600070205080204" pitchFamily="34" charset="-128"/>
+                </a:defRPr>
+              </a:lvl3pPr>
+              <a:lvl4pPr marL="1600200" indent="-228600" eaLnBrk="0" hangingPunct="0">
+                <a:defRPr sz="2400">
+                  <a:solidFill>
+                    <a:schemeClr val="tx1"/>
+                  </a:solidFill>
+                  <a:latin typeface="Lucida Sans" panose="020B0602030504020204" pitchFamily="34" charset="77"/>
+                  <a:ea typeface="ＭＳ Ｐゴシック" panose="020B0600070205080204" pitchFamily="34" charset="-128"/>
+                </a:defRPr>
+              </a:lvl4pPr>
+              <a:lvl5pPr marL="2057400" indent="-228600" eaLnBrk="0" hangingPunct="0">
+                <a:defRPr sz="2400">
+                  <a:solidFill>
+                    <a:schemeClr val="tx1"/>
+                  </a:solidFill>
+                  <a:latin typeface="Lucida Sans" panose="020B0602030504020204" pitchFamily="34" charset="77"/>
+                  <a:ea typeface="ＭＳ Ｐゴシック" panose="020B0600070205080204" pitchFamily="34" charset="-128"/>
+                </a:defRPr>
+              </a:lvl5pPr>
+              <a:lvl6pPr marL="2514600" indent="-228600" eaLnBrk="0" fontAlgn="base" hangingPunct="0">
+                <a:spcBef>
+                  <a:spcPct val="0"/>
+                </a:spcBef>
+                <a:spcAft>
+                  <a:spcPct val="0"/>
+                </a:spcAft>
+                <a:defRPr sz="2400">
+                  <a:solidFill>
+                    <a:schemeClr val="tx1"/>
+                  </a:solidFill>
+                  <a:latin typeface="Lucida Sans" panose="020B0602030504020204" pitchFamily="34" charset="77"/>
+                  <a:ea typeface="ＭＳ Ｐゴシック" panose="020B0600070205080204" pitchFamily="34" charset="-128"/>
+                </a:defRPr>
+              </a:lvl6pPr>
+              <a:lvl7pPr marL="2971800" indent="-228600" eaLnBrk="0" fontAlgn="base" hangingPunct="0">
+                <a:spcBef>
+                  <a:spcPct val="0"/>
+                </a:spcBef>
+                <a:spcAft>
+                  <a:spcPct val="0"/>
+                </a:spcAft>
+                <a:defRPr sz="2400">
+                  <a:solidFill>
+                    <a:schemeClr val="tx1"/>
+                  </a:solidFill>
+                  <a:latin typeface="Lucida Sans" panose="020B0602030504020204" pitchFamily="34" charset="77"/>
+                  <a:ea typeface="ＭＳ Ｐゴシック" panose="020B0600070205080204" pitchFamily="34" charset="-128"/>
+                </a:defRPr>
+              </a:lvl7pPr>
+              <a:lvl8pPr marL="3429000" indent="-228600" eaLnBrk="0" fontAlgn="base" hangingPunct="0">
+                <a:spcBef>
+                  <a:spcPct val="0"/>
+                </a:spcBef>
+                <a:spcAft>
+                  <a:spcPct val="0"/>
+                </a:spcAft>
+                <a:defRPr sz="2400">
+                  <a:solidFill>
+                    <a:schemeClr val="tx1"/>
+                  </a:solidFill>
+                  <a:latin typeface="Lucida Sans" panose="020B0602030504020204" pitchFamily="34" charset="77"/>
+                  <a:ea typeface="ＭＳ Ｐゴシック" panose="020B0600070205080204" pitchFamily="34" charset="-128"/>
+                </a:defRPr>
+              </a:lvl8pPr>
+              <a:lvl9pPr marL="3886200" indent="-228600" eaLnBrk="0" fontAlgn="base" hangingPunct="0">
+                <a:spcBef>
+                  <a:spcPct val="0"/>
+                </a:spcBef>
+                <a:spcAft>
+                  <a:spcPct val="0"/>
+                </a:spcAft>
+                <a:defRPr sz="2400">
+                  <a:solidFill>
+                    <a:schemeClr val="tx1"/>
+                  </a:solidFill>
+                  <a:latin typeface="Lucida Sans" panose="020B0602030504020204" pitchFamily="34" charset="77"/>
+                  <a:ea typeface="ＭＳ Ｐゴシック" panose="020B0600070205080204" pitchFamily="34" charset="-128"/>
+                </a:defRPr>
+              </a:lvl9pPr>
+            </a:lstStyle>
+            <a:p>
+              <a:pPr algn="ctr" eaLnBrk="1" hangingPunct="1"/>
+              <a:endParaRPr lang="en-US" altLang="en-US">
+                <a:solidFill>
+                  <a:srgbClr val="FFFFFF"/>
+                </a:solidFill>
+                <a:latin typeface="Calibri" panose="020F0502020204030204" pitchFamily="34" charset="0"/>
+              </a:endParaRPr>
+            </a:p>
+          </p:txBody>
+        </p:sp>
+        <p:sp>
+          <p:nvSpPr>
+            <p:cNvPr id="106" name="Oval 105">
+              <a:extLst>
+                <a:ext uri="{FF2B5EF4-FFF2-40B4-BE49-F238E27FC236}">
+                  <a16:creationId xmlns:a16="http://schemas.microsoft.com/office/drawing/2014/main" id="{FFBEA4F4-7E6D-6E4A-A009-E8EF3F782AA6}"/>
+                </a:ext>
+              </a:extLst>
+            </p:cNvPr>
+            <p:cNvSpPr>
+              <a:spLocks noChangeArrowheads="1"/>
+            </p:cNvSpPr>
+            <p:nvPr/>
+          </p:nvSpPr>
+          <p:spPr bwMode="auto">
+            <a:xfrm>
+              <a:off x="9982200" y="5791200"/>
+              <a:ext cx="152400" cy="152400"/>
+            </a:xfrm>
+            <a:prstGeom prst="ellipse">
+              <a:avLst/>
+            </a:prstGeom>
+            <a:gradFill rotWithShape="1">
+              <a:gsLst>
+                <a:gs pos="0">
+                  <a:srgbClr val="AFCCDF"/>
+                </a:gs>
+                <a:gs pos="100000">
+                  <a:srgbClr val="39748F"/>
+                </a:gs>
+              </a:gsLst>
+              <a:lin ang="5400000"/>
+            </a:gradFill>
+            <a:ln w="9525">
+              <a:solidFill>
+                <a:srgbClr val="406E84"/>
+              </a:solidFill>
+              <a:round/>
+              <a:headEnd/>
+              <a:tailEnd/>
+            </a:ln>
+            <a:effectLst>
+              <a:outerShdw blurRad="40000" dist="23000" dir="5400000" rotWithShape="0">
+                <a:srgbClr val="808080">
+                  <a:alpha val="34999"/>
+                </a:srgbClr>
+              </a:outerShdw>
+            </a:effectLst>
+          </p:spPr>
+          <p:txBody>
+            <a:bodyPr anchor="ctr"/>
+            <a:lstStyle>
+              <a:lvl1pPr eaLnBrk="0" hangingPunct="0">
+                <a:defRPr sz="2400">
+                  <a:solidFill>
+                    <a:schemeClr val="tx1"/>
+                  </a:solidFill>
+                  <a:latin typeface="Lucida Sans" panose="020B0602030504020204" pitchFamily="34" charset="77"/>
+                  <a:ea typeface="ＭＳ Ｐゴシック" panose="020B0600070205080204" pitchFamily="34" charset="-128"/>
+                </a:defRPr>
+              </a:lvl1pPr>
+              <a:lvl2pPr marL="742950" indent="-285750" eaLnBrk="0" hangingPunct="0">
+                <a:defRPr sz="2400">
+                  <a:solidFill>
+                    <a:schemeClr val="tx1"/>
+                  </a:solidFill>
+                  <a:latin typeface="Lucida Sans" panose="020B0602030504020204" pitchFamily="34" charset="77"/>
+                  <a:ea typeface="ＭＳ Ｐゴシック" panose="020B0600070205080204" pitchFamily="34" charset="-128"/>
+                </a:defRPr>
+              </a:lvl2pPr>
+              <a:lvl3pPr marL="1143000" indent="-228600" eaLnBrk="0" hangingPunct="0">
+                <a:defRPr sz="2400">
+                  <a:solidFill>
+                    <a:schemeClr val="tx1"/>
+                  </a:solidFill>
+                  <a:latin typeface="Lucida Sans" panose="020B0602030504020204" pitchFamily="34" charset="77"/>
+                  <a:ea typeface="ＭＳ Ｐゴシック" panose="020B0600070205080204" pitchFamily="34" charset="-128"/>
+                </a:defRPr>
+              </a:lvl3pPr>
+              <a:lvl4pPr marL="1600200" indent="-228600" eaLnBrk="0" hangingPunct="0">
+                <a:defRPr sz="2400">
+                  <a:solidFill>
+                    <a:schemeClr val="tx1"/>
+                  </a:solidFill>
+                  <a:latin typeface="Lucida Sans" panose="020B0602030504020204" pitchFamily="34" charset="77"/>
+                  <a:ea typeface="ＭＳ Ｐゴシック" panose="020B0600070205080204" pitchFamily="34" charset="-128"/>
+                </a:defRPr>
+              </a:lvl4pPr>
+              <a:lvl5pPr marL="2057400" indent="-228600" eaLnBrk="0" hangingPunct="0">
+                <a:defRPr sz="2400">
+                  <a:solidFill>
+                    <a:schemeClr val="tx1"/>
+                  </a:solidFill>
+                  <a:latin typeface="Lucida Sans" panose="020B0602030504020204" pitchFamily="34" charset="77"/>
+                  <a:ea typeface="ＭＳ Ｐゴシック" panose="020B0600070205080204" pitchFamily="34" charset="-128"/>
+                </a:defRPr>
+              </a:lvl5pPr>
+              <a:lvl6pPr marL="2514600" indent="-228600" eaLnBrk="0" fontAlgn="base" hangingPunct="0">
+                <a:spcBef>
+                  <a:spcPct val="0"/>
+                </a:spcBef>
+                <a:spcAft>
+                  <a:spcPct val="0"/>
+                </a:spcAft>
+                <a:defRPr sz="2400">
+                  <a:solidFill>
+                    <a:schemeClr val="tx1"/>
+                  </a:solidFill>
+                  <a:latin typeface="Lucida Sans" panose="020B0602030504020204" pitchFamily="34" charset="77"/>
+                  <a:ea typeface="ＭＳ Ｐゴシック" panose="020B0600070205080204" pitchFamily="34" charset="-128"/>
+                </a:defRPr>
+              </a:lvl6pPr>
+              <a:lvl7pPr marL="2971800" indent="-228600" eaLnBrk="0" fontAlgn="base" hangingPunct="0">
+                <a:spcBef>
+                  <a:spcPct val="0"/>
+                </a:spcBef>
+                <a:spcAft>
+                  <a:spcPct val="0"/>
+                </a:spcAft>
+                <a:defRPr sz="2400">
+                  <a:solidFill>
+                    <a:schemeClr val="tx1"/>
+                  </a:solidFill>
+                  <a:latin typeface="Lucida Sans" panose="020B0602030504020204" pitchFamily="34" charset="77"/>
+                  <a:ea typeface="ＭＳ Ｐゴシック" panose="020B0600070205080204" pitchFamily="34" charset="-128"/>
+                </a:defRPr>
+              </a:lvl7pPr>
+              <a:lvl8pPr marL="3429000" indent="-228600" eaLnBrk="0" fontAlgn="base" hangingPunct="0">
+                <a:spcBef>
+                  <a:spcPct val="0"/>
+                </a:spcBef>
+                <a:spcAft>
+                  <a:spcPct val="0"/>
+                </a:spcAft>
+                <a:defRPr sz="2400">
+                  <a:solidFill>
+                    <a:schemeClr val="tx1"/>
+                  </a:solidFill>
+                  <a:latin typeface="Lucida Sans" panose="020B0602030504020204" pitchFamily="34" charset="77"/>
+                  <a:ea typeface="ＭＳ Ｐゴシック" panose="020B0600070205080204" pitchFamily="34" charset="-128"/>
+                </a:defRPr>
+              </a:lvl8pPr>
+              <a:lvl9pPr marL="3886200" indent="-228600" eaLnBrk="0" fontAlgn="base" hangingPunct="0">
+                <a:spcBef>
+                  <a:spcPct val="0"/>
+                </a:spcBef>
+                <a:spcAft>
+                  <a:spcPct val="0"/>
+                </a:spcAft>
+                <a:defRPr sz="2400">
+                  <a:solidFill>
+                    <a:schemeClr val="tx1"/>
+                  </a:solidFill>
+                  <a:latin typeface="Lucida Sans" panose="020B0602030504020204" pitchFamily="34" charset="77"/>
+                  <a:ea typeface="ＭＳ Ｐゴシック" panose="020B0600070205080204" pitchFamily="34" charset="-128"/>
+                </a:defRPr>
+              </a:lvl9pPr>
+            </a:lstStyle>
+            <a:p>
+              <a:pPr algn="ctr" eaLnBrk="1" hangingPunct="1"/>
+              <a:endParaRPr lang="en-US" altLang="en-US">
+                <a:solidFill>
+                  <a:srgbClr val="FFFFFF"/>
+                </a:solidFill>
+                <a:latin typeface="Calibri" panose="020F0502020204030204" pitchFamily="34" charset="0"/>
+              </a:endParaRPr>
+            </a:p>
+          </p:txBody>
+        </p:sp>
+      </p:grpSp>
+      <p:sp>
+        <p:nvSpPr>
+          <p:cNvPr id="52262" name="Content Placeholder 7">
+            <a:extLst>
+              <a:ext uri="{FF2B5EF4-FFF2-40B4-BE49-F238E27FC236}">
+                <a16:creationId xmlns:a16="http://schemas.microsoft.com/office/drawing/2014/main" id="{5AD15548-F6A8-5F46-88B6-3162D251B33E}"/>
+              </a:ext>
+            </a:extLst>
+          </p:cNvPr>
+          <p:cNvSpPr>
+            <a:spLocks noGrp="1"/>
+          </p:cNvSpPr>
+          <p:nvPr>
+            <p:ph sz="half" idx="1"/>
+          </p:nvPr>
+        </p:nvSpPr>
+        <p:spPr/>
+        <p:txBody>
+          <a:bodyPr/>
+          <a:lstStyle/>
+          <a:p>
+            <a:pPr marL="342900" lvl="1" indent="-342900">
+              <a:buClr>
+                <a:srgbClr val="437085"/>
+              </a:buClr>
+            </a:pPr>
+            <a:r>
+              <a:rPr lang="en-US" altLang="zh-CN" sz="3200" dirty="0">
+                <a:solidFill>
+                  <a:srgbClr val="465142"/>
+                </a:solidFill>
+                <a:latin typeface="Arial" panose="020B0604020202020204" pitchFamily="34" charset="0"/>
+                <a:ea typeface="ＭＳ Ｐゴシック" panose="020B0600070205080204" pitchFamily="34" charset="-128"/>
+              </a:rPr>
+              <a:t>Clustering obtained by cutting the dendrogram at a desired level: each </a:t>
+            </a:r>
+            <a:r>
+              <a:rPr lang="en-US" altLang="zh-CN" sz="3200" dirty="0">
+                <a:latin typeface="Arial" panose="020B0604020202020204" pitchFamily="34" charset="0"/>
+                <a:ea typeface="ＭＳ Ｐゴシック" panose="020B0600070205080204" pitchFamily="34" charset="-128"/>
+              </a:rPr>
+              <a:t>connected</a:t>
+            </a:r>
+            <a:r>
+              <a:rPr lang="en-US" altLang="zh-CN" sz="3200" dirty="0">
+                <a:solidFill>
+                  <a:srgbClr val="465142"/>
+                </a:solidFill>
+                <a:latin typeface="Arial" panose="020B0604020202020204" pitchFamily="34" charset="0"/>
+                <a:ea typeface="ＭＳ Ｐゴシック" panose="020B0600070205080204" pitchFamily="34" charset="-128"/>
+              </a:rPr>
+              <a:t> component forms a cluster.</a:t>
+            </a:r>
+          </a:p>
+        </p:txBody>
+      </p:sp>
+    </p:spTree>
+    <p:extLst>
+      <p:ext uri="{BB962C8B-B14F-4D97-AF65-F5344CB8AC3E}">
+        <p14:creationId xmlns:p14="http://schemas.microsoft.com/office/powerpoint/2010/main" val="2244560373"/>
+      </p:ext>
+    </p:extLst>
+  </p:cSld>
+  <p:clrMapOvr>
+    <a:masterClrMapping/>
+  </p:clrMapOvr>
+</p:sld>
+</file>
+
+<file path=ppt/slides/slide18.xml><?xml version="1.0" encoding="utf-8"?>
+<p:sld xmlns:a="http://schemas.openxmlformats.org/drawingml/2006/main" xmlns:r="http://schemas.openxmlformats.org/officeDocument/2006/relationships" xmlns:p="http://schemas.openxmlformats.org/presentationml/2006/main">
+  <p:cSld>
+    <p:spTree>
+      <p:nvGrpSpPr>
+        <p:cNvPr id="1" name=""/>
+        <p:cNvGrpSpPr/>
+        <p:nvPr/>
+      </p:nvGrpSpPr>
+      <p:grpSpPr>
+        <a:xfrm>
+          <a:off x="0" y="0"/>
+          <a:ext cx="0" cy="0"/>
+          <a:chOff x="0" y="0"/>
+          <a:chExt cx="0" cy="0"/>
+        </a:xfrm>
+      </p:grpSpPr>
+      <p:sp>
+        <p:nvSpPr>
+          <p:cNvPr id="53249" name="Rectangle 2">
+            <a:extLst>
+              <a:ext uri="{FF2B5EF4-FFF2-40B4-BE49-F238E27FC236}">
+                <a16:creationId xmlns:a16="http://schemas.microsoft.com/office/drawing/2014/main" id="{AC12D34C-F67C-C34B-B018-FED1796B6056}"/>
+              </a:ext>
+            </a:extLst>
+          </p:cNvPr>
+          <p:cNvSpPr>
+            <a:spLocks noGrp="1" noChangeArrowheads="1"/>
+          </p:cNvSpPr>
+          <p:nvPr>
+            <p:ph type="title"/>
+          </p:nvPr>
+        </p:nvSpPr>
+        <p:spPr/>
+        <p:txBody>
+          <a:bodyPr/>
+          <a:lstStyle/>
+          <a:p>
+            <a:pPr eaLnBrk="1" hangingPunct="1"/>
+            <a:r>
+              <a:rPr lang="en-US" altLang="en-US">
+                <a:ea typeface="ＭＳ Ｐゴシック" panose="020B0600070205080204" pitchFamily="34" charset="-128"/>
+              </a:rPr>
+              <a:t>Hierarchical Agglomerative Clustering (HAC)</a:t>
+            </a:r>
+          </a:p>
+        </p:txBody>
+      </p:sp>
+      <p:sp>
+        <p:nvSpPr>
+          <p:cNvPr id="53250" name="Rectangle 3">
+            <a:extLst>
+              <a:ext uri="{FF2B5EF4-FFF2-40B4-BE49-F238E27FC236}">
+                <a16:creationId xmlns:a16="http://schemas.microsoft.com/office/drawing/2014/main" id="{EC5E1A1A-B7F1-F346-A0B7-B267D5402C5E}"/>
+              </a:ext>
+            </a:extLst>
+          </p:cNvPr>
+          <p:cNvSpPr>
+            <a:spLocks noGrp="1" noChangeArrowheads="1"/>
+          </p:cNvSpPr>
+          <p:nvPr>
+            <p:ph type="body" idx="1"/>
+          </p:nvPr>
+        </p:nvSpPr>
+        <p:spPr/>
+        <p:txBody>
+          <a:bodyPr/>
+          <a:lstStyle/>
+          <a:p>
+            <a:pPr eaLnBrk="1" hangingPunct="1"/>
+            <a:r>
+              <a:rPr lang="en-US" altLang="en-US" sz="3400" dirty="0">
+                <a:ea typeface="ＭＳ Ｐゴシック" panose="020B0600070205080204" pitchFamily="34" charset="-128"/>
+              </a:rPr>
+              <a:t>Starts with each doc in a separate cluster</a:t>
+            </a:r>
+          </a:p>
+          <a:p>
+            <a:pPr lvl="1" eaLnBrk="1" hangingPunct="1"/>
+            <a:r>
+              <a:rPr lang="en-US" altLang="en-US" sz="3200" dirty="0">
+                <a:ea typeface="ＭＳ Ｐゴシック" panose="020B0600070205080204" pitchFamily="34" charset="-128"/>
+              </a:rPr>
+              <a:t>then repeatedly joins the </a:t>
+            </a:r>
+            <a:r>
+              <a:rPr lang="en-US" altLang="en-US" sz="3200" i="1" u="sng" dirty="0">
+                <a:ea typeface="ＭＳ Ｐゴシック" panose="020B0600070205080204" pitchFamily="34" charset="-128"/>
+              </a:rPr>
+              <a:t>closest pair</a:t>
+            </a:r>
+            <a:r>
+              <a:rPr lang="en-US" altLang="en-US" sz="3200" dirty="0">
+                <a:ea typeface="ＭＳ Ｐゴシック" panose="020B0600070205080204" pitchFamily="34" charset="-128"/>
+              </a:rPr>
+              <a:t> of clusters, until there is only one cluster.</a:t>
+            </a:r>
+          </a:p>
+        </p:txBody>
+      </p:sp>
+      <p:sp>
+        <p:nvSpPr>
+          <p:cNvPr id="53251" name="TextBox 3">
+            <a:extLst>
+              <a:ext uri="{FF2B5EF4-FFF2-40B4-BE49-F238E27FC236}">
+                <a16:creationId xmlns:a16="http://schemas.microsoft.com/office/drawing/2014/main" id="{4861DC4B-F549-7B43-9769-C7FF872640C1}"/>
+              </a:ext>
+            </a:extLst>
+          </p:cNvPr>
+          <p:cNvSpPr txBox="1">
+            <a:spLocks noChangeArrowheads="1"/>
+          </p:cNvSpPr>
+          <p:nvPr/>
+        </p:nvSpPr>
+        <p:spPr bwMode="auto">
+          <a:xfrm>
+            <a:off x="9144001" y="0"/>
+            <a:ext cx="1101725" cy="338138"/>
+          </a:xfrm>
+          <a:prstGeom prst="rect">
+            <a:avLst/>
+          </a:prstGeom>
+          <a:noFill/>
+          <a:ln>
+            <a:noFill/>
+          </a:ln>
+          <a:extLst>
+            <a:ext uri="{909E8E84-426E-40DD-AFC4-6F175D3DCCD1}">
+              <a14:hiddenFill xmlns:a14="http://schemas.microsoft.com/office/drawing/2010/main">
+                <a:solidFill>
+                  <a:srgbClr val="FFFFFF"/>
+                </a:solidFill>
+              </a14:hiddenFill>
+            </a:ext>
+            <a:ext uri="{91240B29-F687-4F45-9708-019B960494DF}">
+              <a14:hiddenLine xmlns:a14="http://schemas.microsoft.com/office/drawing/2010/main" w="9525">
+                <a:solidFill>
+                  <a:srgbClr val="000000"/>
+                </a:solidFill>
+                <a:miter lim="800000"/>
+                <a:headEnd/>
+                <a:tailEnd/>
+              </a14:hiddenLine>
+            </a:ext>
+          </a:extLst>
+        </p:spPr>
+        <p:txBody>
+          <a:bodyPr wrap="none" anchor="ctr">
+            <a:spAutoFit/>
+          </a:bodyPr>
+          <a:lstStyle>
+            <a:lvl1pPr eaLnBrk="0" hangingPunct="0">
+              <a:defRPr sz="2400">
+                <a:solidFill>
+                  <a:schemeClr val="tx1"/>
+                </a:solidFill>
+                <a:latin typeface="Lucida Sans" panose="020B0602030504020204" pitchFamily="34" charset="77"/>
+                <a:ea typeface="ＭＳ Ｐゴシック" panose="020B0600070205080204" pitchFamily="34" charset="-128"/>
+              </a:defRPr>
+            </a:lvl1pPr>
+            <a:lvl2pPr marL="742950" indent="-285750" eaLnBrk="0" hangingPunct="0">
+              <a:defRPr sz="2400">
+                <a:solidFill>
+                  <a:schemeClr val="tx1"/>
+                </a:solidFill>
+                <a:latin typeface="Lucida Sans" panose="020B0602030504020204" pitchFamily="34" charset="77"/>
+                <a:ea typeface="ＭＳ Ｐゴシック" panose="020B0600070205080204" pitchFamily="34" charset="-128"/>
+              </a:defRPr>
+            </a:lvl2pPr>
+            <a:lvl3pPr marL="1143000" indent="-228600" eaLnBrk="0" hangingPunct="0">
+              <a:defRPr sz="2400">
+                <a:solidFill>
+                  <a:schemeClr val="tx1"/>
+                </a:solidFill>
+                <a:latin typeface="Lucida Sans" panose="020B0602030504020204" pitchFamily="34" charset="77"/>
+                <a:ea typeface="ＭＳ Ｐゴシック" panose="020B0600070205080204" pitchFamily="34" charset="-128"/>
+              </a:defRPr>
+            </a:lvl3pPr>
+            <a:lvl4pPr marL="1600200" indent="-228600" eaLnBrk="0" hangingPunct="0">
+              <a:defRPr sz="2400">
+                <a:solidFill>
+                  <a:schemeClr val="tx1"/>
+                </a:solidFill>
+                <a:latin typeface="Lucida Sans" panose="020B0602030504020204" pitchFamily="34" charset="77"/>
+                <a:ea typeface="ＭＳ Ｐゴシック" panose="020B0600070205080204" pitchFamily="34" charset="-128"/>
+              </a:defRPr>
+            </a:lvl4pPr>
+            <a:lvl5pPr marL="2057400" indent="-228600" eaLnBrk="0" hangingPunct="0">
+              <a:defRPr sz="2400">
+                <a:solidFill>
+                  <a:schemeClr val="tx1"/>
+                </a:solidFill>
+                <a:latin typeface="Lucida Sans" panose="020B0602030504020204" pitchFamily="34" charset="77"/>
+                <a:ea typeface="ＭＳ Ｐゴシック" panose="020B0600070205080204" pitchFamily="34" charset="-128"/>
+              </a:defRPr>
+            </a:lvl5pPr>
+            <a:lvl6pPr marL="2514600" indent="-228600" eaLnBrk="0" fontAlgn="base" hangingPunct="0">
+              <a:spcBef>
+                <a:spcPct val="0"/>
+              </a:spcBef>
+              <a:spcAft>
+                <a:spcPct val="0"/>
+              </a:spcAft>
+              <a:defRPr sz="2400">
+                <a:solidFill>
+                  <a:schemeClr val="tx1"/>
+                </a:solidFill>
+                <a:latin typeface="Lucida Sans" panose="020B0602030504020204" pitchFamily="34" charset="77"/>
+                <a:ea typeface="ＭＳ Ｐゴシック" panose="020B0600070205080204" pitchFamily="34" charset="-128"/>
+              </a:defRPr>
+            </a:lvl6pPr>
+            <a:lvl7pPr marL="2971800" indent="-228600" eaLnBrk="0" fontAlgn="base" hangingPunct="0">
+              <a:spcBef>
+                <a:spcPct val="0"/>
+              </a:spcBef>
+              <a:spcAft>
+                <a:spcPct val="0"/>
+              </a:spcAft>
+              <a:defRPr sz="2400">
+                <a:solidFill>
+                  <a:schemeClr val="tx1"/>
+                </a:solidFill>
+                <a:latin typeface="Lucida Sans" panose="020B0602030504020204" pitchFamily="34" charset="77"/>
+                <a:ea typeface="ＭＳ Ｐゴシック" panose="020B0600070205080204" pitchFamily="34" charset="-128"/>
+              </a:defRPr>
+            </a:lvl7pPr>
+            <a:lvl8pPr marL="3429000" indent="-228600" eaLnBrk="0" fontAlgn="base" hangingPunct="0">
+              <a:spcBef>
+                <a:spcPct val="0"/>
+              </a:spcBef>
+              <a:spcAft>
+                <a:spcPct val="0"/>
+              </a:spcAft>
+              <a:defRPr sz="2400">
+                <a:solidFill>
+                  <a:schemeClr val="tx1"/>
+                </a:solidFill>
+                <a:latin typeface="Lucida Sans" panose="020B0602030504020204" pitchFamily="34" charset="77"/>
+                <a:ea typeface="ＭＳ Ｐゴシック" panose="020B0600070205080204" pitchFamily="34" charset="-128"/>
+              </a:defRPr>
+            </a:lvl8pPr>
+            <a:lvl9pPr marL="3886200" indent="-228600" eaLnBrk="0" fontAlgn="base" hangingPunct="0">
+              <a:spcBef>
+                <a:spcPct val="0"/>
+              </a:spcBef>
+              <a:spcAft>
+                <a:spcPct val="0"/>
+              </a:spcAft>
+              <a:defRPr sz="2400">
+                <a:solidFill>
+                  <a:schemeClr val="tx1"/>
+                </a:solidFill>
+                <a:latin typeface="Lucida Sans" panose="020B0602030504020204" pitchFamily="34" charset="77"/>
+                <a:ea typeface="ＭＳ Ｐゴシック" panose="020B0600070205080204" pitchFamily="34" charset="-128"/>
+              </a:defRPr>
+            </a:lvl9pPr>
+          </a:lstStyle>
+          <a:p>
+            <a:pPr eaLnBrk="1" hangingPunct="1"/>
+            <a:r>
+              <a:rPr lang="en-US" altLang="en-US" sz="1600">
+                <a:solidFill>
+                  <a:srgbClr val="FBFCFF"/>
+                </a:solidFill>
+              </a:rPr>
+              <a:t>Sec. 17.1</a:t>
+            </a:r>
+          </a:p>
+        </p:txBody>
+      </p:sp>
+    </p:spTree>
+    <p:extLst>
+      <p:ext uri="{BB962C8B-B14F-4D97-AF65-F5344CB8AC3E}">
+        <p14:creationId xmlns:p14="http://schemas.microsoft.com/office/powerpoint/2010/main" val="3084759855"/>
       </p:ext>
     </p:extLst>
   </p:cSld>
@@ -5821,10 +12404,9 @@
           </a:p>
           <a:p>
             <a:r>
-              <a:rPr lang="en-US"/>
+              <a:rPr lang="en-US" dirty="0"/>
               <a:t>Dot Plot</a:t>
             </a:r>
-            <a:endParaRPr lang="en-US" dirty="0"/>
           </a:p>
         </p:txBody>
       </p:sp>
@@ -5860,112 +12442,95 @@
       </p:grpSpPr>
       <p:sp>
         <p:nvSpPr>
-          <p:cNvPr id="2" name="Title 1"/>
-          <p:cNvSpPr>
-            <a:spLocks noGrp="1"/>
-          </p:cNvSpPr>
-          <p:nvPr>
-            <p:ph type="title"/>
-          </p:nvPr>
+          <p:cNvPr id="2" name="object 2"/>
+          <p:cNvSpPr txBox="1"/>
+          <p:nvPr/>
         </p:nvSpPr>
-        <p:spPr/>
+        <p:spPr>
+          <a:xfrm>
+            <a:off x="508000" y="279400"/>
+            <a:ext cx="10866235" cy="574453"/>
+          </a:xfrm>
+          <a:prstGeom prst="rect">
+            <a:avLst/>
+          </a:prstGeom>
+        </p:spPr>
         <p:txBody>
-          <a:bodyPr/>
+          <a:bodyPr vert="horz" wrap="square" lIns="0" tIns="0" rIns="0" bIns="0" rtlCol="0">
+            <a:spAutoFit/>
+          </a:bodyPr>
           <a:lstStyle/>
           <a:p>
-            <a:r>
-              <a:rPr lang="en-US" dirty="0"/>
-              <a:t>We learn</a:t>
-            </a:r>
+            <a:pPr marL="16933"/>
+            <a:r>
+              <a:rPr sz="3733" spc="-7" dirty="0">
+                <a:latin typeface="Arial"/>
+                <a:cs typeface="Arial"/>
+              </a:rPr>
+              <a:t>Getting familiar with your R</a:t>
+            </a:r>
+            <a:r>
+              <a:rPr sz="3733" spc="60" dirty="0">
+                <a:latin typeface="Arial"/>
+                <a:cs typeface="Arial"/>
+              </a:rPr>
+              <a:t> </a:t>
+            </a:r>
+            <a:r>
+              <a:rPr sz="3733" spc="-7" dirty="0">
+                <a:latin typeface="Arial"/>
+                <a:cs typeface="Arial"/>
+              </a:rPr>
+              <a:t>installation</a:t>
+            </a:r>
+            <a:r>
+              <a:rPr lang="en-US" sz="3733" spc="-7" dirty="0">
+                <a:latin typeface="Arial"/>
+                <a:cs typeface="Arial"/>
+              </a:rPr>
+              <a:t> and Rstudio</a:t>
+            </a:r>
+            <a:endParaRPr sz="3733" dirty="0">
+              <a:latin typeface="Arial"/>
+              <a:cs typeface="Arial"/>
+            </a:endParaRPr>
           </a:p>
         </p:txBody>
       </p:sp>
-      <p:sp>
-        <p:nvSpPr>
-          <p:cNvPr id="3" name="Content Placeholder 2"/>
-          <p:cNvSpPr>
-            <a:spLocks noGrp="1"/>
-          </p:cNvSpPr>
-          <p:nvPr>
-            <p:ph idx="1"/>
-          </p:nvPr>
-        </p:nvSpPr>
-        <p:spPr/>
-        <p:txBody>
-          <a:bodyPr/>
-          <a:lstStyle/>
-          <a:p>
-            <a:r>
-              <a:rPr lang="en-US" sz="1600" dirty="0">
-                <a:hlinkClick r:id="rId2"/>
-              </a:rPr>
-              <a:t>https://www.rstudio.com/wp-content/uploads/2016/01/rstudio-IDE-cheatsheet.pdf</a:t>
-            </a:r>
-            <a:endParaRPr lang="en-US" sz="1600" dirty="0"/>
-          </a:p>
-          <a:p>
-            <a:endParaRPr lang="en-US" sz="1600" dirty="0"/>
-          </a:p>
-          <a:p>
-            <a:r>
-              <a:rPr lang="en-US" dirty="0"/>
-              <a:t>Install packages: example </a:t>
-            </a:r>
-            <a:r>
-              <a:rPr lang="en-US" dirty="0" err="1">
-                <a:latin typeface="Lucida Console"/>
-                <a:cs typeface="Lucida Console"/>
-              </a:rPr>
-              <a:t>tidyverse</a:t>
-            </a:r>
-            <a:endParaRPr lang="en-US" dirty="0">
-              <a:latin typeface="Lucida Console"/>
-              <a:cs typeface="Lucida Console"/>
-            </a:endParaRPr>
-          </a:p>
-          <a:p>
-            <a:r>
-              <a:rPr lang="en-US" dirty="0" err="1"/>
-              <a:t>RStudio</a:t>
-            </a:r>
-            <a:r>
-              <a:rPr lang="en-US" dirty="0"/>
-              <a:t> projects</a:t>
-            </a:r>
-          </a:p>
-          <a:p>
-            <a:r>
-              <a:rPr lang="en-US" dirty="0"/>
-              <a:t>Importing data</a:t>
-            </a:r>
-          </a:p>
-          <a:p>
-            <a:r>
-              <a:rPr lang="en-US" dirty="0"/>
-              <a:t>Repetitive tasks</a:t>
-            </a:r>
-          </a:p>
-          <a:p>
-            <a:r>
-              <a:rPr lang="en-US" dirty="0"/>
-              <a:t>R markdown</a:t>
-            </a:r>
-          </a:p>
-          <a:p>
-            <a:r>
-              <a:rPr lang="en-US" dirty="0"/>
-              <a:t>R presentations</a:t>
-            </a:r>
-          </a:p>
-          <a:p>
-            <a:endParaRPr lang="en-US" dirty="0"/>
-          </a:p>
-        </p:txBody>
-      </p:sp>
+      <p:pic>
+        <p:nvPicPr>
+          <p:cNvPr id="4" name="Picture 3" descr="RStudio_Startup_Screen Shot.png"/>
+          <p:cNvPicPr>
+            <a:picLocks noChangeAspect="1"/>
+          </p:cNvPicPr>
+          <p:nvPr/>
+        </p:nvPicPr>
+        <p:blipFill>
+          <a:blip r:embed="rId2" cstate="print">
+            <a:extLst>
+              <a:ext uri="{28A0092B-C50C-407E-A947-70E740481C1C}">
+                <a14:useLocalDpi xmlns:a14="http://schemas.microsoft.com/office/drawing/2010/main" val="0"/>
+              </a:ext>
+            </a:extLst>
+          </a:blip>
+          <a:stretch>
+            <a:fillRect/>
+          </a:stretch>
+        </p:blipFill>
+        <p:spPr>
+          <a:xfrm>
+            <a:off x="1219200" y="1092200"/>
+            <a:ext cx="9448800" cy="5344477"/>
+          </a:xfrm>
+          <a:prstGeom prst="rect">
+            <a:avLst/>
+          </a:prstGeom>
+        </p:spPr>
+      </p:pic>
     </p:spTree>
     <p:extLst>
       <p:ext uri="{BB962C8B-B14F-4D97-AF65-F5344CB8AC3E}">
-        <p14:creationId xmlns:p14="http://schemas.microsoft.com/office/powerpoint/2010/main" val="3460317466"/>
+        <p14:creationId xmlns:p14="http://schemas.microsoft.com/office/powerpoint/2010/main" val="3920624224"/>
       </p:ext>
     </p:extLst>
   </p:cSld>
